--- a/jsp/JSP.pptx
+++ b/jsp/JSP.pptx
@@ -6,7 +6,7 @@
     <p:sldMasterId id="2147483653" r:id="rId2"/>
   </p:sldMasterIdLst>
   <p:notesMasterIdLst>
-    <p:notesMasterId r:id="rId20"/>
+    <p:notesMasterId r:id="rId45"/>
   </p:notesMasterIdLst>
   <p:sldIdLst>
     <p:sldId id="315" r:id="rId3"/>
@@ -22,10 +22,35 @@
     <p:sldId id="332" r:id="rId13"/>
     <p:sldId id="324" r:id="rId14"/>
     <p:sldId id="317" r:id="rId15"/>
-    <p:sldId id="321" r:id="rId16"/>
-    <p:sldId id="322" r:id="rId17"/>
-    <p:sldId id="325" r:id="rId18"/>
-    <p:sldId id="326" r:id="rId19"/>
+    <p:sldId id="333" r:id="rId16"/>
+    <p:sldId id="321" r:id="rId17"/>
+    <p:sldId id="322" r:id="rId18"/>
+    <p:sldId id="334" r:id="rId19"/>
+    <p:sldId id="325" r:id="rId20"/>
+    <p:sldId id="335" r:id="rId21"/>
+    <p:sldId id="336" r:id="rId22"/>
+    <p:sldId id="337" r:id="rId23"/>
+    <p:sldId id="338" r:id="rId24"/>
+    <p:sldId id="339" r:id="rId25"/>
+    <p:sldId id="340" r:id="rId26"/>
+    <p:sldId id="341" r:id="rId27"/>
+    <p:sldId id="342" r:id="rId28"/>
+    <p:sldId id="343" r:id="rId29"/>
+    <p:sldId id="344" r:id="rId30"/>
+    <p:sldId id="346" r:id="rId31"/>
+    <p:sldId id="347" r:id="rId32"/>
+    <p:sldId id="345" r:id="rId33"/>
+    <p:sldId id="348" r:id="rId34"/>
+    <p:sldId id="350" r:id="rId35"/>
+    <p:sldId id="349" r:id="rId36"/>
+    <p:sldId id="351" r:id="rId37"/>
+    <p:sldId id="352" r:id="rId38"/>
+    <p:sldId id="353" r:id="rId39"/>
+    <p:sldId id="354" r:id="rId40"/>
+    <p:sldId id="355" r:id="rId41"/>
+    <p:sldId id="356" r:id="rId42"/>
+    <p:sldId id="358" r:id="rId43"/>
+    <p:sldId id="359" r:id="rId44"/>
   </p:sldIdLst>
   <p:sldSz cx="9144000" cy="5143500" type="screen16x9"/>
   <p:notesSz cx="6858000" cy="9144000"/>
@@ -225,7 +250,7 @@
           <a:p>
             <a:fld id="{E738D20F-6BDE-4545-9399-0F475FE69272}" type="datetimeFigureOut">
               <a:rPr lang="ko-KR" altLang="en-US" smtClean="0"/>
-              <a:t>2021-05-18</a:t>
+              <a:t>2021-05-19</a:t>
             </a:fld>
             <a:endParaRPr lang="ko-KR" altLang="en-US"/>
           </a:p>
@@ -491,6 +516,258 @@
     </a:lvl9pPr>
   </p:notesStyle>
 </p:notesMaster>
+</file>
+
+<file path=ppt/notesSlides/notesSlide1.xml><?xml version="1.0" encoding="utf-8"?>
+<p:notes xmlns:a="http://schemas.openxmlformats.org/drawingml/2006/main" xmlns:r="http://schemas.openxmlformats.org/officeDocument/2006/relationships" xmlns:p="http://schemas.openxmlformats.org/presentationml/2006/main">
+  <p:cSld>
+    <p:spTree>
+      <p:nvGrpSpPr>
+        <p:cNvPr id="1" name=""/>
+        <p:cNvGrpSpPr/>
+        <p:nvPr/>
+      </p:nvGrpSpPr>
+      <p:grpSpPr>
+        <a:xfrm>
+          <a:off x="0" y="0"/>
+          <a:ext cx="0" cy="0"/>
+          <a:chOff x="0" y="0"/>
+          <a:chExt cx="0" cy="0"/>
+        </a:xfrm>
+      </p:grpSpPr>
+      <p:sp>
+        <p:nvSpPr>
+          <p:cNvPr id="2" name="슬라이드 이미지 개체 틀 1"/>
+          <p:cNvSpPr>
+            <a:spLocks noGrp="1" noRot="1" noChangeAspect="1"/>
+          </p:cNvSpPr>
+          <p:nvPr>
+            <p:ph type="sldImg"/>
+          </p:nvPr>
+        </p:nvSpPr>
+        <p:spPr/>
+      </p:sp>
+      <p:sp>
+        <p:nvSpPr>
+          <p:cNvPr id="3" name="슬라이드 노트 개체 틀 2"/>
+          <p:cNvSpPr>
+            <a:spLocks noGrp="1"/>
+          </p:cNvSpPr>
+          <p:nvPr>
+            <p:ph type="body" idx="1"/>
+          </p:nvPr>
+        </p:nvSpPr>
+        <p:spPr/>
+        <p:txBody>
+          <a:bodyPr/>
+          <a:lstStyle/>
+          <a:p>
+            <a:endParaRPr lang="ko-KR" altLang="en-US" dirty="0"/>
+          </a:p>
+        </p:txBody>
+      </p:sp>
+      <p:sp>
+        <p:nvSpPr>
+          <p:cNvPr id="4" name="슬라이드 번호 개체 틀 3"/>
+          <p:cNvSpPr>
+            <a:spLocks noGrp="1"/>
+          </p:cNvSpPr>
+          <p:nvPr>
+            <p:ph type="sldNum" sz="quarter" idx="10"/>
+          </p:nvPr>
+        </p:nvSpPr>
+        <p:spPr/>
+        <p:txBody>
+          <a:bodyPr/>
+          <a:lstStyle/>
+          <a:p>
+            <a:fld id="{C4A52C0E-C0ED-4DAD-B0A0-963E5E82B313}" type="slidenum">
+              <a:rPr lang="ko-KR" altLang="en-US" smtClean="0"/>
+              <a:t>40</a:t>
+            </a:fld>
+            <a:endParaRPr lang="ko-KR" altLang="en-US"/>
+          </a:p>
+        </p:txBody>
+      </p:sp>
+    </p:spTree>
+    <p:extLst>
+      <p:ext uri="{BB962C8B-B14F-4D97-AF65-F5344CB8AC3E}">
+        <p14:creationId xmlns:p14="http://schemas.microsoft.com/office/powerpoint/2010/main" val="1334978235"/>
+      </p:ext>
+    </p:extLst>
+  </p:cSld>
+  <p:clrMapOvr>
+    <a:masterClrMapping/>
+  </p:clrMapOvr>
+</p:notes>
+</file>
+
+<file path=ppt/notesSlides/notesSlide2.xml><?xml version="1.0" encoding="utf-8"?>
+<p:notes xmlns:a="http://schemas.openxmlformats.org/drawingml/2006/main" xmlns:r="http://schemas.openxmlformats.org/officeDocument/2006/relationships" xmlns:p="http://schemas.openxmlformats.org/presentationml/2006/main">
+  <p:cSld>
+    <p:spTree>
+      <p:nvGrpSpPr>
+        <p:cNvPr id="1" name=""/>
+        <p:cNvGrpSpPr/>
+        <p:nvPr/>
+      </p:nvGrpSpPr>
+      <p:grpSpPr>
+        <a:xfrm>
+          <a:off x="0" y="0"/>
+          <a:ext cx="0" cy="0"/>
+          <a:chOff x="0" y="0"/>
+          <a:chExt cx="0" cy="0"/>
+        </a:xfrm>
+      </p:grpSpPr>
+      <p:sp>
+        <p:nvSpPr>
+          <p:cNvPr id="2" name="슬라이드 이미지 개체 틀 1"/>
+          <p:cNvSpPr>
+            <a:spLocks noGrp="1" noRot="1" noChangeAspect="1"/>
+          </p:cNvSpPr>
+          <p:nvPr>
+            <p:ph type="sldImg"/>
+          </p:nvPr>
+        </p:nvSpPr>
+        <p:spPr/>
+      </p:sp>
+      <p:sp>
+        <p:nvSpPr>
+          <p:cNvPr id="3" name="슬라이드 노트 개체 틀 2"/>
+          <p:cNvSpPr>
+            <a:spLocks noGrp="1"/>
+          </p:cNvSpPr>
+          <p:nvPr>
+            <p:ph type="body" idx="1"/>
+          </p:nvPr>
+        </p:nvSpPr>
+        <p:spPr/>
+        <p:txBody>
+          <a:bodyPr/>
+          <a:lstStyle/>
+          <a:p>
+            <a:endParaRPr lang="ko-KR" altLang="en-US" dirty="0"/>
+          </a:p>
+        </p:txBody>
+      </p:sp>
+      <p:sp>
+        <p:nvSpPr>
+          <p:cNvPr id="4" name="슬라이드 번호 개체 틀 3"/>
+          <p:cNvSpPr>
+            <a:spLocks noGrp="1"/>
+          </p:cNvSpPr>
+          <p:nvPr>
+            <p:ph type="sldNum" sz="quarter" idx="10"/>
+          </p:nvPr>
+        </p:nvSpPr>
+        <p:spPr/>
+        <p:txBody>
+          <a:bodyPr/>
+          <a:lstStyle/>
+          <a:p>
+            <a:fld id="{C4A52C0E-C0ED-4DAD-B0A0-963E5E82B313}" type="slidenum">
+              <a:rPr lang="ko-KR" altLang="en-US" smtClean="0"/>
+              <a:t>41</a:t>
+            </a:fld>
+            <a:endParaRPr lang="ko-KR" altLang="en-US"/>
+          </a:p>
+        </p:txBody>
+      </p:sp>
+    </p:spTree>
+    <p:extLst>
+      <p:ext uri="{BB962C8B-B14F-4D97-AF65-F5344CB8AC3E}">
+        <p14:creationId xmlns:p14="http://schemas.microsoft.com/office/powerpoint/2010/main" val="1382356727"/>
+      </p:ext>
+    </p:extLst>
+  </p:cSld>
+  <p:clrMapOvr>
+    <a:masterClrMapping/>
+  </p:clrMapOvr>
+</p:notes>
+</file>
+
+<file path=ppt/notesSlides/notesSlide3.xml><?xml version="1.0" encoding="utf-8"?>
+<p:notes xmlns:a="http://schemas.openxmlformats.org/drawingml/2006/main" xmlns:r="http://schemas.openxmlformats.org/officeDocument/2006/relationships" xmlns:p="http://schemas.openxmlformats.org/presentationml/2006/main">
+  <p:cSld>
+    <p:spTree>
+      <p:nvGrpSpPr>
+        <p:cNvPr id="1" name=""/>
+        <p:cNvGrpSpPr/>
+        <p:nvPr/>
+      </p:nvGrpSpPr>
+      <p:grpSpPr>
+        <a:xfrm>
+          <a:off x="0" y="0"/>
+          <a:ext cx="0" cy="0"/>
+          <a:chOff x="0" y="0"/>
+          <a:chExt cx="0" cy="0"/>
+        </a:xfrm>
+      </p:grpSpPr>
+      <p:sp>
+        <p:nvSpPr>
+          <p:cNvPr id="2" name="슬라이드 이미지 개체 틀 1"/>
+          <p:cNvSpPr>
+            <a:spLocks noGrp="1" noRot="1" noChangeAspect="1"/>
+          </p:cNvSpPr>
+          <p:nvPr>
+            <p:ph type="sldImg"/>
+          </p:nvPr>
+        </p:nvSpPr>
+        <p:spPr/>
+      </p:sp>
+      <p:sp>
+        <p:nvSpPr>
+          <p:cNvPr id="3" name="슬라이드 노트 개체 틀 2"/>
+          <p:cNvSpPr>
+            <a:spLocks noGrp="1"/>
+          </p:cNvSpPr>
+          <p:nvPr>
+            <p:ph type="body" idx="1"/>
+          </p:nvPr>
+        </p:nvSpPr>
+        <p:spPr/>
+        <p:txBody>
+          <a:bodyPr/>
+          <a:lstStyle/>
+          <a:p>
+            <a:endParaRPr lang="ko-KR" altLang="en-US" dirty="0"/>
+          </a:p>
+        </p:txBody>
+      </p:sp>
+      <p:sp>
+        <p:nvSpPr>
+          <p:cNvPr id="4" name="슬라이드 번호 개체 틀 3"/>
+          <p:cNvSpPr>
+            <a:spLocks noGrp="1"/>
+          </p:cNvSpPr>
+          <p:nvPr>
+            <p:ph type="sldNum" sz="quarter" idx="10"/>
+          </p:nvPr>
+        </p:nvSpPr>
+        <p:spPr/>
+        <p:txBody>
+          <a:bodyPr/>
+          <a:lstStyle/>
+          <a:p>
+            <a:fld id="{C4A52C0E-C0ED-4DAD-B0A0-963E5E82B313}" type="slidenum">
+              <a:rPr lang="ko-KR" altLang="en-US" smtClean="0"/>
+              <a:t>42</a:t>
+            </a:fld>
+            <a:endParaRPr lang="ko-KR" altLang="en-US"/>
+          </a:p>
+        </p:txBody>
+      </p:sp>
+    </p:spTree>
+    <p:extLst>
+      <p:ext uri="{BB962C8B-B14F-4D97-AF65-F5344CB8AC3E}">
+        <p14:creationId xmlns:p14="http://schemas.microsoft.com/office/powerpoint/2010/main" val="3209136441"/>
+      </p:ext>
+    </p:extLst>
+  </p:cSld>
+  <p:clrMapOvr>
+    <a:masterClrMapping/>
+  </p:clrMapOvr>
+</p:notes>
 </file>
 
 <file path=ppt/slideLayouts/slideLayout1.xml><?xml version="1.0" encoding="utf-8"?>
@@ -7138,6 +7415,13 @@
   <p:clrMapOvr>
     <a:masterClrMapping/>
   </p:clrMapOvr>
+  <p:timing>
+    <p:tnLst>
+      <p:par>
+        <p:cTn id="1" dur="indefinite" restart="never" nodeType="tmRoot"/>
+      </p:par>
+    </p:tnLst>
+  </p:timing>
 </p:sld>
 </file>
 
@@ -7299,6 +7583,13 @@
   <p:clrMapOvr>
     <a:masterClrMapping/>
   </p:clrMapOvr>
+  <p:timing>
+    <p:tnLst>
+      <p:par>
+        <p:cTn id="1" dur="indefinite" restart="never" nodeType="tmRoot"/>
+      </p:par>
+    </p:tnLst>
+  </p:timing>
 </p:sld>
 </file>
 
@@ -7444,6 +7735,13 @@
   <p:clrMapOvr>
     <a:masterClrMapping/>
   </p:clrMapOvr>
+  <p:timing>
+    <p:tnLst>
+      <p:par>
+        <p:cTn id="1" dur="indefinite" restart="never" nodeType="tmRoot"/>
+      </p:par>
+    </p:tnLst>
+  </p:timing>
 </p:sld>
 </file>
 
@@ -7464,6 +7762,30 @@
           <a:chExt cx="0" cy="0"/>
         </a:xfrm>
       </p:grpSpPr>
+      <p:pic>
+        <p:nvPicPr>
+          <p:cNvPr id="7" name="그림 6"/>
+          <p:cNvPicPr>
+            <a:picLocks noChangeAspect="1"/>
+          </p:cNvPicPr>
+          <p:nvPr/>
+        </p:nvPicPr>
+        <p:blipFill>
+          <a:blip r:embed="rId2"/>
+          <a:stretch>
+            <a:fillRect/>
+          </a:stretch>
+        </p:blipFill>
+        <p:spPr>
+          <a:xfrm>
+            <a:off x="323528" y="1131590"/>
+            <a:ext cx="5443892" cy="3312368"/>
+          </a:xfrm>
+          <a:prstGeom prst="rect">
+            <a:avLst/>
+          </a:prstGeom>
+        </p:spPr>
+      </p:pic>
       <p:sp>
         <p:nvSpPr>
           <p:cNvPr id="2" name="텍스트 개체 틀 1"/>
@@ -7483,7 +7805,10 @@
               <a:rPr lang="en-US" altLang="ko-KR" dirty="0" err="1" smtClean="0"/>
               <a:t>ProcessLogin</a:t>
             </a:r>
-            <a:endParaRPr lang="ko-KR" altLang="en-US" dirty="0"/>
+            <a:r>
+              <a:rPr lang="en-US" altLang="ko-KR" dirty="0" smtClean="0"/>
+              <a:t> 	- Member</a:t>
+            </a:r>
           </a:p>
         </p:txBody>
       </p:sp>
@@ -7495,8 +7820,8 @@
         </p:nvSpPr>
         <p:spPr>
           <a:xfrm>
-            <a:off x="4067944" y="1275606"/>
-            <a:ext cx="4968552" cy="784830"/>
+            <a:off x="4932040" y="1347614"/>
+            <a:ext cx="4968552" cy="1246495"/>
           </a:xfrm>
           <a:prstGeom prst="rect">
             <a:avLst/>
@@ -7511,7 +7836,7 @@
           <a:p>
             <a:pPr algn="ctr"/>
             <a:r>
-              <a:rPr lang="ko-KR" altLang="en-US" sz="1500" dirty="0" smtClean="0">
+              <a:rPr lang="en-US" altLang="ko-KR" sz="1500" dirty="0" err="1" smtClean="0">
                 <a:ln w="0"/>
                 <a:solidFill>
                   <a:schemeClr val="bg1"/>
@@ -7524,7 +7849,7 @@
                   </a:outerShdw>
                 </a:effectLst>
               </a:rPr>
-              <a:t>데이터베이스에서 로그인 페이지에서 입력한 </a:t>
+              <a:t>LoginForm</a:t>
             </a:r>
             <a:r>
               <a:rPr lang="en-US" altLang="ko-KR" sz="1500" dirty="0" smtClean="0">
@@ -7540,7 +7865,7 @@
                   </a:outerShdw>
                 </a:effectLst>
               </a:rPr>
-              <a:t>id</a:t>
+              <a:t> </a:t>
             </a:r>
             <a:r>
               <a:rPr lang="ko-KR" altLang="en-US" sz="1500" dirty="0" smtClean="0">
@@ -7556,42 +7881,7 @@
                   </a:outerShdw>
                 </a:effectLst>
               </a:rPr>
-              <a:t>를 찾음</a:t>
-            </a:r>
-            <a:r>
-              <a:rPr lang="en-US" altLang="ko-KR" sz="1500" dirty="0" smtClean="0">
-                <a:ln w="0"/>
-                <a:solidFill>
-                  <a:schemeClr val="bg1"/>
-                </a:solidFill>
-                <a:effectLst>
-                  <a:outerShdw blurRad="38100" dist="19050" dir="2700000" algn="tl" rotWithShape="0">
-                    <a:schemeClr val="dk1">
-                      <a:alpha val="40000"/>
-                    </a:schemeClr>
-                  </a:outerShdw>
-                </a:effectLst>
-              </a:rPr>
-              <a:t> </a:t>
-            </a:r>
-          </a:p>
-          <a:p>
-            <a:pPr algn="ctr"/>
-            <a:r>
-              <a:rPr lang="ko-KR" altLang="en-US" sz="1500" dirty="0" smtClean="0">
-                <a:ln w="0"/>
-                <a:solidFill>
-                  <a:schemeClr val="bg1"/>
-                </a:solidFill>
-                <a:effectLst>
-                  <a:outerShdw blurRad="38100" dist="19050" dir="2700000" algn="tl" rotWithShape="0">
-                    <a:schemeClr val="dk1">
-                      <a:alpha val="40000"/>
-                    </a:schemeClr>
-                  </a:outerShdw>
-                </a:effectLst>
-              </a:rPr>
-              <a:t>데이터베이스에 입력된 값이 있을 경우</a:t>
+              <a:t>에서 입력한 값을</a:t>
             </a:r>
             <a:endParaRPr lang="en-US" altLang="ko-KR" sz="1500" dirty="0" smtClean="0">
               <a:ln w="0"/>
@@ -7610,7 +7900,7 @@
           <a:p>
             <a:pPr algn="ctr"/>
             <a:r>
-              <a:rPr lang="ko-KR" altLang="en-US" sz="1500" dirty="0" smtClean="0">
+              <a:rPr lang="en-US" altLang="ko-KR" sz="1500" dirty="0" smtClean="0">
                 <a:ln w="0"/>
                 <a:solidFill>
                   <a:schemeClr val="bg1"/>
@@ -7623,10 +7913,10 @@
                   </a:outerShdw>
                 </a:effectLst>
               </a:rPr>
-              <a:t>암호화된 비밀번호를 가져와 </a:t>
-            </a:r>
-            <a:r>
-              <a:rPr lang="ko-KR" altLang="en-US" sz="1500" dirty="0" err="1" smtClean="0">
+              <a:t>Request</a:t>
+            </a:r>
+            <a:r>
+              <a:rPr lang="ko-KR" altLang="en-US" sz="1500" dirty="0" smtClean="0">
                 <a:ln w="0"/>
                 <a:solidFill>
                   <a:schemeClr val="bg1"/>
@@ -7639,23 +7929,7 @@
                   </a:outerShdw>
                 </a:effectLst>
               </a:rPr>
-              <a:t>복호화</a:t>
-            </a:r>
-            <a:r>
-              <a:rPr lang="ko-KR" altLang="en-US" sz="1500" dirty="0" smtClean="0">
-                <a:ln w="0"/>
-                <a:solidFill>
-                  <a:schemeClr val="bg1"/>
-                </a:solidFill>
-                <a:effectLst>
-                  <a:outerShdw blurRad="38100" dist="19050" dir="2700000" algn="tl" rotWithShape="0">
-                    <a:schemeClr val="dk1">
-                      <a:alpha val="40000"/>
-                    </a:schemeClr>
-                  </a:outerShdw>
-                </a:effectLst>
-              </a:rPr>
-              <a:t> 하는 코드</a:t>
+              <a:t>를 통해 가져와</a:t>
             </a:r>
             <a:endParaRPr lang="en-US" altLang="ko-KR" sz="1500" dirty="0" smtClean="0">
               <a:ln w="0"/>
@@ -7671,32 +7945,136 @@
               </a:effectLst>
             </a:endParaRPr>
           </a:p>
+          <a:p>
+            <a:pPr algn="ctr"/>
+            <a:endParaRPr lang="en-US" altLang="ko-KR" sz="1500" dirty="0">
+              <a:ln w="0"/>
+              <a:solidFill>
+                <a:schemeClr val="bg1"/>
+              </a:solidFill>
+              <a:effectLst>
+                <a:outerShdw blurRad="38100" dist="19050" dir="2700000" algn="tl" rotWithShape="0">
+                  <a:schemeClr val="dk1">
+                    <a:alpha val="40000"/>
+                  </a:schemeClr>
+                </a:outerShdw>
+              </a:effectLst>
+            </a:endParaRPr>
+          </a:p>
+          <a:p>
+            <a:pPr algn="ctr"/>
+            <a:r>
+              <a:rPr lang="en-US" altLang="ko-KR" sz="1500" dirty="0" err="1" smtClean="0">
+                <a:ln w="0"/>
+                <a:solidFill>
+                  <a:schemeClr val="bg1"/>
+                </a:solidFill>
+                <a:effectLst>
+                  <a:outerShdw blurRad="38100" dist="19050" dir="2700000" algn="tl" rotWithShape="0">
+                    <a:schemeClr val="dk1">
+                      <a:alpha val="40000"/>
+                    </a:schemeClr>
+                  </a:outerShdw>
+                </a:effectLst>
+              </a:rPr>
+              <a:t>DramaDAO</a:t>
+            </a:r>
+            <a:r>
+              <a:rPr lang="ko-KR" altLang="en-US" sz="1500" dirty="0" smtClean="0">
+                <a:ln w="0"/>
+                <a:solidFill>
+                  <a:schemeClr val="bg1"/>
+                </a:solidFill>
+                <a:effectLst>
+                  <a:outerShdw blurRad="38100" dist="19050" dir="2700000" algn="tl" rotWithShape="0">
+                    <a:schemeClr val="dk1">
+                      <a:alpha val="40000"/>
+                    </a:schemeClr>
+                  </a:outerShdw>
+                </a:effectLst>
+              </a:rPr>
+              <a:t>를 통해 </a:t>
+            </a:r>
+            <a:r>
+              <a:rPr lang="en-US" altLang="ko-KR" sz="1500" dirty="0" smtClean="0">
+                <a:ln w="0"/>
+                <a:solidFill>
+                  <a:schemeClr val="bg1"/>
+                </a:solidFill>
+                <a:effectLst>
+                  <a:outerShdw blurRad="38100" dist="19050" dir="2700000" algn="tl" rotWithShape="0">
+                    <a:schemeClr val="dk1">
+                      <a:alpha val="40000"/>
+                    </a:schemeClr>
+                  </a:outerShdw>
+                </a:effectLst>
+              </a:rPr>
+              <a:t>DB</a:t>
+            </a:r>
+            <a:r>
+              <a:rPr lang="ko-KR" altLang="en-US" sz="1500" dirty="0" smtClean="0">
+                <a:ln w="0"/>
+                <a:solidFill>
+                  <a:schemeClr val="bg1"/>
+                </a:solidFill>
+                <a:effectLst>
+                  <a:outerShdw blurRad="38100" dist="19050" dir="2700000" algn="tl" rotWithShape="0">
+                    <a:schemeClr val="dk1">
+                      <a:alpha val="40000"/>
+                    </a:schemeClr>
+                  </a:outerShdw>
+                </a:effectLst>
+              </a:rPr>
+              <a:t>에서 값을</a:t>
+            </a:r>
+            <a:endParaRPr lang="en-US" altLang="ko-KR" sz="1500" dirty="0" smtClean="0">
+              <a:ln w="0"/>
+              <a:solidFill>
+                <a:schemeClr val="bg1"/>
+              </a:solidFill>
+              <a:effectLst>
+                <a:outerShdw blurRad="38100" dist="19050" dir="2700000" algn="tl" rotWithShape="0">
+                  <a:schemeClr val="dk1">
+                    <a:alpha val="40000"/>
+                  </a:schemeClr>
+                </a:outerShdw>
+              </a:effectLst>
+            </a:endParaRPr>
+          </a:p>
+          <a:p>
+            <a:pPr algn="ctr"/>
+            <a:r>
+              <a:rPr lang="ko-KR" altLang="en-US" sz="1500" dirty="0" smtClean="0">
+                <a:ln w="0"/>
+                <a:solidFill>
+                  <a:schemeClr val="bg1"/>
+                </a:solidFill>
+                <a:effectLst>
+                  <a:outerShdw blurRad="38100" dist="19050" dir="2700000" algn="tl" rotWithShape="0">
+                    <a:schemeClr val="dk1">
+                      <a:alpha val="40000"/>
+                    </a:schemeClr>
+                  </a:outerShdw>
+                </a:effectLst>
+              </a:rPr>
+              <a:t>얻어오는 코드</a:t>
+            </a:r>
+            <a:endParaRPr lang="en-US" altLang="ko-KR" sz="1500" dirty="0" smtClean="0">
+              <a:ln w="0"/>
+              <a:solidFill>
+                <a:schemeClr val="bg1"/>
+              </a:solidFill>
+              <a:effectLst>
+                <a:outerShdw blurRad="38100" dist="19050" dir="2700000" algn="tl" rotWithShape="0">
+                  <a:schemeClr val="dk1">
+                    <a:alpha val="40000"/>
+                  </a:schemeClr>
+                </a:outerShdw>
+              </a:effectLst>
+            </a:endParaRPr>
+          </a:p>
         </p:txBody>
       </p:sp>
-      <p:pic>
-        <p:nvPicPr>
-          <p:cNvPr id="3" name="그림 2"/>
-          <p:cNvPicPr>
-            <a:picLocks noChangeAspect="1"/>
-          </p:cNvPicPr>
-          <p:nvPr/>
-        </p:nvPicPr>
-        <p:blipFill>
-          <a:blip r:embed="rId2"/>
-          <a:stretch>
-            <a:fillRect/>
-          </a:stretch>
-        </p:blipFill>
-        <p:spPr>
-          <a:xfrm>
-            <a:off x="326263" y="987574"/>
-            <a:ext cx="3539113" cy="3969961"/>
-          </a:xfrm>
-          <a:prstGeom prst="rect">
-            <a:avLst/>
-          </a:prstGeom>
-        </p:spPr>
-      </p:pic>
     </p:spTree>
     <p:extLst>
       <p:ext uri="{BB962C8B-B14F-4D97-AF65-F5344CB8AC3E}">
@@ -7707,6 +8085,13 @@
   <p:clrMapOvr>
     <a:masterClrMapping/>
   </p:clrMapOvr>
+  <p:timing>
+    <p:tnLst>
+      <p:par>
+        <p:cTn id="1" dur="indefinite" restart="never" nodeType="tmRoot"/>
+      </p:par>
+    </p:tnLst>
+  </p:timing>
 </p:sld>
 </file>
 
@@ -8246,10 +8631,328 @@
   <p:clrMapOvr>
     <a:masterClrMapping/>
   </p:clrMapOvr>
+  <p:timing>
+    <p:tnLst>
+      <p:par>
+        <p:cTn id="1" dur="indefinite" restart="never" nodeType="tmRoot"/>
+      </p:par>
+    </p:tnLst>
+  </p:timing>
 </p:sld>
 </file>
 
 <file path=ppt/slides/slide14.xml><?xml version="1.0" encoding="utf-8"?>
+<p:sld xmlns:a="http://schemas.openxmlformats.org/drawingml/2006/main" xmlns:r="http://schemas.openxmlformats.org/officeDocument/2006/relationships" xmlns:p="http://schemas.openxmlformats.org/presentationml/2006/main">
+  <p:cSld>
+    <p:spTree>
+      <p:nvGrpSpPr>
+        <p:cNvPr id="1" name=""/>
+        <p:cNvGrpSpPr/>
+        <p:nvPr/>
+      </p:nvGrpSpPr>
+      <p:grpSpPr>
+        <a:xfrm>
+          <a:off x="0" y="0"/>
+          <a:ext cx="0" cy="0"/>
+          <a:chOff x="0" y="0"/>
+          <a:chExt cx="0" cy="0"/>
+        </a:xfrm>
+      </p:grpSpPr>
+      <p:pic>
+        <p:nvPicPr>
+          <p:cNvPr id="3" name="그림 2"/>
+          <p:cNvPicPr>
+            <a:picLocks noChangeAspect="1"/>
+          </p:cNvPicPr>
+          <p:nvPr/>
+        </p:nvPicPr>
+        <p:blipFill>
+          <a:blip r:embed="rId2"/>
+          <a:stretch>
+            <a:fillRect/>
+          </a:stretch>
+        </p:blipFill>
+        <p:spPr>
+          <a:xfrm>
+            <a:off x="323528" y="1059582"/>
+            <a:ext cx="4880235" cy="3658192"/>
+          </a:xfrm>
+          <a:prstGeom prst="rect">
+            <a:avLst/>
+          </a:prstGeom>
+        </p:spPr>
+      </p:pic>
+      <p:sp>
+        <p:nvSpPr>
+          <p:cNvPr id="2" name="텍스트 개체 틀 1"/>
+          <p:cNvSpPr>
+            <a:spLocks noGrp="1"/>
+          </p:cNvSpPr>
+          <p:nvPr>
+            <p:ph type="body" sz="quarter" idx="10"/>
+          </p:nvPr>
+        </p:nvSpPr>
+        <p:spPr/>
+        <p:txBody>
+          <a:bodyPr/>
+          <a:lstStyle/>
+          <a:p>
+            <a:r>
+              <a:rPr lang="en-US" altLang="ko-KR" dirty="0" err="1" smtClean="0"/>
+              <a:t>DramaDAO</a:t>
+            </a:r>
+            <a:r>
+              <a:rPr lang="en-US" altLang="ko-KR" dirty="0" smtClean="0"/>
+              <a:t> (</a:t>
+            </a:r>
+            <a:r>
+              <a:rPr lang="en-US" altLang="ko-KR" dirty="0" err="1" smtClean="0"/>
+              <a:t>LoginMember</a:t>
+            </a:r>
+            <a:r>
+              <a:rPr lang="en-US" altLang="ko-KR" dirty="0" smtClean="0"/>
+              <a:t>)</a:t>
+            </a:r>
+            <a:endParaRPr lang="ko-KR" altLang="en-US" dirty="0"/>
+          </a:p>
+        </p:txBody>
+      </p:sp>
+      <p:sp>
+        <p:nvSpPr>
+          <p:cNvPr id="8" name="직사각형 7"/>
+          <p:cNvSpPr/>
+          <p:nvPr/>
+        </p:nvSpPr>
+        <p:spPr>
+          <a:xfrm>
+            <a:off x="4572000" y="1198096"/>
+            <a:ext cx="4968552" cy="1246495"/>
+          </a:xfrm>
+          <a:prstGeom prst="rect">
+            <a:avLst/>
+          </a:prstGeom>
+          <a:noFill/>
+        </p:spPr>
+        <p:txBody>
+          <a:bodyPr wrap="square" lIns="91440" tIns="45720" rIns="91440" bIns="45720">
+            <a:spAutoFit/>
+          </a:bodyPr>
+          <a:lstStyle/>
+          <a:p>
+            <a:pPr algn="ctr"/>
+            <a:r>
+              <a:rPr lang="en-US" altLang="ko-KR" sz="1500" dirty="0" err="1" smtClean="0">
+                <a:ln w="0"/>
+                <a:solidFill>
+                  <a:schemeClr val="bg1"/>
+                </a:solidFill>
+                <a:effectLst>
+                  <a:outerShdw blurRad="38100" dist="19050" dir="2700000" algn="tl" rotWithShape="0">
+                    <a:schemeClr val="dk1">
+                      <a:alpha val="40000"/>
+                    </a:schemeClr>
+                  </a:outerShdw>
+                </a:effectLst>
+              </a:rPr>
+              <a:t>LoginForm</a:t>
+            </a:r>
+            <a:r>
+              <a:rPr lang="ko-KR" altLang="en-US" sz="1500" dirty="0" smtClean="0">
+                <a:ln w="0"/>
+                <a:solidFill>
+                  <a:schemeClr val="bg1"/>
+                </a:solidFill>
+                <a:effectLst>
+                  <a:outerShdw blurRad="38100" dist="19050" dir="2700000" algn="tl" rotWithShape="0">
+                    <a:schemeClr val="dk1">
+                      <a:alpha val="40000"/>
+                    </a:schemeClr>
+                  </a:outerShdw>
+                </a:effectLst>
+              </a:rPr>
+              <a:t>에서 입력한 값을 얻어와</a:t>
+            </a:r>
+            <a:endParaRPr lang="en-US" altLang="ko-KR" sz="1500" dirty="0" smtClean="0">
+              <a:ln w="0"/>
+              <a:solidFill>
+                <a:schemeClr val="bg1"/>
+              </a:solidFill>
+              <a:effectLst>
+                <a:outerShdw blurRad="38100" dist="19050" dir="2700000" algn="tl" rotWithShape="0">
+                  <a:schemeClr val="dk1">
+                    <a:alpha val="40000"/>
+                  </a:schemeClr>
+                </a:outerShdw>
+              </a:effectLst>
+            </a:endParaRPr>
+          </a:p>
+          <a:p>
+            <a:pPr algn="ctr"/>
+            <a:endParaRPr lang="en-US" altLang="ko-KR" sz="1500" dirty="0">
+              <a:ln w="0"/>
+              <a:solidFill>
+                <a:schemeClr val="bg1"/>
+              </a:solidFill>
+              <a:effectLst>
+                <a:outerShdw blurRad="38100" dist="19050" dir="2700000" algn="tl" rotWithShape="0">
+                  <a:schemeClr val="dk1">
+                    <a:alpha val="40000"/>
+                  </a:schemeClr>
+                </a:outerShdw>
+              </a:effectLst>
+            </a:endParaRPr>
+          </a:p>
+          <a:p>
+            <a:pPr algn="ctr"/>
+            <a:r>
+              <a:rPr lang="ko-KR" altLang="en-US" sz="1500" dirty="0" smtClean="0">
+                <a:ln w="0"/>
+                <a:solidFill>
+                  <a:schemeClr val="bg1"/>
+                </a:solidFill>
+                <a:effectLst>
+                  <a:outerShdw blurRad="38100" dist="19050" dir="2700000" algn="tl" rotWithShape="0">
+                    <a:schemeClr val="dk1">
+                      <a:alpha val="40000"/>
+                    </a:schemeClr>
+                  </a:outerShdw>
+                </a:effectLst>
+              </a:rPr>
+              <a:t>데이터베이스에서 결과값을 얻어 </a:t>
+            </a:r>
+            <a:endParaRPr lang="en-US" altLang="ko-KR" sz="1500" dirty="0" smtClean="0">
+              <a:ln w="0"/>
+              <a:solidFill>
+                <a:schemeClr val="bg1"/>
+              </a:solidFill>
+              <a:effectLst>
+                <a:outerShdw blurRad="38100" dist="19050" dir="2700000" algn="tl" rotWithShape="0">
+                  <a:schemeClr val="dk1">
+                    <a:alpha val="40000"/>
+                  </a:schemeClr>
+                </a:outerShdw>
+              </a:effectLst>
+            </a:endParaRPr>
+          </a:p>
+          <a:p>
+            <a:pPr algn="ctr"/>
+            <a:endParaRPr lang="en-US" altLang="ko-KR" sz="1500" dirty="0" smtClean="0">
+              <a:ln w="0"/>
+              <a:solidFill>
+                <a:schemeClr val="bg1"/>
+              </a:solidFill>
+              <a:effectLst>
+                <a:outerShdw blurRad="38100" dist="19050" dir="2700000" algn="tl" rotWithShape="0">
+                  <a:schemeClr val="dk1">
+                    <a:alpha val="40000"/>
+                  </a:schemeClr>
+                </a:outerShdw>
+              </a:effectLst>
+            </a:endParaRPr>
+          </a:p>
+          <a:p>
+            <a:pPr algn="ctr"/>
+            <a:r>
+              <a:rPr lang="en-US" altLang="ko-KR" sz="1500" dirty="0" err="1" smtClean="0">
+                <a:ln w="0"/>
+                <a:solidFill>
+                  <a:schemeClr val="bg1"/>
+                </a:solidFill>
+                <a:effectLst>
+                  <a:outerShdw blurRad="38100" dist="19050" dir="2700000" algn="tl" rotWithShape="0">
+                    <a:schemeClr val="dk1">
+                      <a:alpha val="40000"/>
+                    </a:schemeClr>
+                  </a:outerShdw>
+                </a:effectLst>
+              </a:rPr>
+              <a:t>MemberBean</a:t>
+            </a:r>
+            <a:r>
+              <a:rPr lang="en-US" altLang="ko-KR" sz="1500" dirty="0" smtClean="0">
+                <a:ln w="0"/>
+                <a:solidFill>
+                  <a:schemeClr val="bg1"/>
+                </a:solidFill>
+                <a:effectLst>
+                  <a:outerShdw blurRad="38100" dist="19050" dir="2700000" algn="tl" rotWithShape="0">
+                    <a:schemeClr val="dk1">
+                      <a:alpha val="40000"/>
+                    </a:schemeClr>
+                  </a:outerShdw>
+                </a:effectLst>
+              </a:rPr>
+              <a:t> </a:t>
+            </a:r>
+            <a:r>
+              <a:rPr lang="ko-KR" altLang="en-US" sz="1500" dirty="0" smtClean="0">
+                <a:ln w="0"/>
+                <a:solidFill>
+                  <a:schemeClr val="bg1"/>
+                </a:solidFill>
+                <a:effectLst>
+                  <a:outerShdw blurRad="38100" dist="19050" dir="2700000" algn="tl" rotWithShape="0">
+                    <a:schemeClr val="dk1">
+                      <a:alpha val="40000"/>
+                    </a:schemeClr>
+                  </a:outerShdw>
+                </a:effectLst>
+              </a:rPr>
+              <a:t>객체를 </a:t>
+            </a:r>
+            <a:r>
+              <a:rPr lang="ko-KR" altLang="en-US" sz="1500" dirty="0" err="1" smtClean="0">
+                <a:ln w="0"/>
+                <a:solidFill>
+                  <a:schemeClr val="bg1"/>
+                </a:solidFill>
+                <a:effectLst>
+                  <a:outerShdw blurRad="38100" dist="19050" dir="2700000" algn="tl" rotWithShape="0">
+                    <a:schemeClr val="dk1">
+                      <a:alpha val="40000"/>
+                    </a:schemeClr>
+                  </a:outerShdw>
+                </a:effectLst>
+              </a:rPr>
+              <a:t>반환해줌</a:t>
+            </a:r>
+            <a:endParaRPr lang="en-US" altLang="ko-KR" sz="1500" dirty="0" smtClean="0">
+              <a:ln w="0"/>
+              <a:solidFill>
+                <a:schemeClr val="bg1"/>
+              </a:solidFill>
+              <a:effectLst>
+                <a:outerShdw blurRad="38100" dist="19050" dir="2700000" algn="tl" rotWithShape="0">
+                  <a:schemeClr val="dk1">
+                    <a:alpha val="40000"/>
+                  </a:schemeClr>
+                </a:outerShdw>
+              </a:effectLst>
+            </a:endParaRPr>
+          </a:p>
+        </p:txBody>
+      </p:sp>
+    </p:spTree>
+    <p:extLst>
+      <p:ext uri="{BB962C8B-B14F-4D97-AF65-F5344CB8AC3E}">
+        <p14:creationId xmlns:p14="http://schemas.microsoft.com/office/powerpoint/2010/main" val="3607869826"/>
+      </p:ext>
+    </p:extLst>
+  </p:cSld>
+  <p:clrMapOvr>
+    <a:masterClrMapping/>
+  </p:clrMapOvr>
+  <p:timing>
+    <p:tnLst>
+      <p:par>
+        <p:cTn id="1" dur="indefinite" restart="never" nodeType="tmRoot"/>
+      </p:par>
+    </p:tnLst>
+  </p:timing>
+</p:sld>
+</file>
+
+<file path=ppt/slides/slide15.xml><?xml version="1.0" encoding="utf-8"?>
 <p:sld xmlns:a="http://schemas.openxmlformats.org/drawingml/2006/main" xmlns:r="http://schemas.openxmlformats.org/officeDocument/2006/relationships" xmlns:p="http://schemas.openxmlformats.org/presentationml/2006/main">
   <p:cSld>
     <p:spTree>
@@ -8537,10 +9240,595 @@
   <p:clrMapOvr>
     <a:masterClrMapping/>
   </p:clrMapOvr>
+  <p:timing>
+    <p:tnLst>
+      <p:par>
+        <p:cTn id="1" dur="indefinite" restart="never" nodeType="tmRoot"/>
+      </p:par>
+    </p:tnLst>
+  </p:timing>
 </p:sld>
 </file>
 
-<file path=ppt/slides/slide15.xml><?xml version="1.0" encoding="utf-8"?>
+<file path=ppt/slides/slide16.xml><?xml version="1.0" encoding="utf-8"?>
+<p:sld xmlns:a="http://schemas.openxmlformats.org/drawingml/2006/main" xmlns:r="http://schemas.openxmlformats.org/officeDocument/2006/relationships" xmlns:p="http://schemas.openxmlformats.org/presentationml/2006/main">
+  <p:cSld>
+    <p:spTree>
+      <p:nvGrpSpPr>
+        <p:cNvPr id="1" name=""/>
+        <p:cNvGrpSpPr/>
+        <p:nvPr/>
+      </p:nvGrpSpPr>
+      <p:grpSpPr>
+        <a:xfrm>
+          <a:off x="0" y="0"/>
+          <a:ext cx="0" cy="0"/>
+          <a:chOff x="0" y="0"/>
+          <a:chExt cx="0" cy="0"/>
+        </a:xfrm>
+      </p:grpSpPr>
+      <p:pic>
+        <p:nvPicPr>
+          <p:cNvPr id="3" name="그림 2"/>
+          <p:cNvPicPr>
+            <a:picLocks noChangeAspect="1"/>
+          </p:cNvPicPr>
+          <p:nvPr/>
+        </p:nvPicPr>
+        <p:blipFill>
+          <a:blip r:embed="rId2"/>
+          <a:stretch>
+            <a:fillRect/>
+          </a:stretch>
+        </p:blipFill>
+        <p:spPr>
+          <a:xfrm>
+            <a:off x="179512" y="987574"/>
+            <a:ext cx="5904656" cy="2625137"/>
+          </a:xfrm>
+          <a:prstGeom prst="rect">
+            <a:avLst/>
+          </a:prstGeom>
+        </p:spPr>
+      </p:pic>
+      <p:sp>
+        <p:nvSpPr>
+          <p:cNvPr id="2" name="텍스트 개체 틀 1"/>
+          <p:cNvSpPr>
+            <a:spLocks noGrp="1"/>
+          </p:cNvSpPr>
+          <p:nvPr>
+            <p:ph type="body" sz="quarter" idx="10"/>
+          </p:nvPr>
+        </p:nvSpPr>
+        <p:spPr/>
+        <p:txBody>
+          <a:bodyPr/>
+          <a:lstStyle/>
+          <a:p>
+            <a:r>
+              <a:rPr lang="en-US" altLang="ko-KR" dirty="0" err="1" smtClean="0"/>
+              <a:t>ProcessAddMember</a:t>
+            </a:r>
+            <a:endParaRPr lang="ko-KR" altLang="en-US" dirty="0"/>
+          </a:p>
+        </p:txBody>
+      </p:sp>
+      <p:sp>
+        <p:nvSpPr>
+          <p:cNvPr id="6" name="직사각형 5"/>
+          <p:cNvSpPr/>
+          <p:nvPr/>
+        </p:nvSpPr>
+        <p:spPr>
+          <a:xfrm>
+            <a:off x="323528" y="3723093"/>
+            <a:ext cx="5040560" cy="1015663"/>
+          </a:xfrm>
+          <a:prstGeom prst="rect">
+            <a:avLst/>
+          </a:prstGeom>
+          <a:noFill/>
+        </p:spPr>
+        <p:txBody>
+          <a:bodyPr wrap="square" lIns="91440" tIns="45720" rIns="91440" bIns="45720">
+            <a:spAutoFit/>
+          </a:bodyPr>
+          <a:lstStyle/>
+          <a:p>
+            <a:pPr algn="ctr"/>
+            <a:r>
+              <a:rPr lang="ko-KR" altLang="en-US" sz="2000" dirty="0" smtClean="0">
+                <a:ln w="0"/>
+                <a:solidFill>
+                  <a:schemeClr val="bg1"/>
+                </a:solidFill>
+                <a:effectLst>
+                  <a:outerShdw blurRad="38100" dist="19050" dir="2700000" algn="tl" rotWithShape="0">
+                    <a:schemeClr val="dk1">
+                      <a:alpha val="40000"/>
+                    </a:schemeClr>
+                  </a:outerShdw>
+                </a:effectLst>
+              </a:rPr>
+              <a:t>유효성 검사 이후 </a:t>
+            </a:r>
+            <a:r>
+              <a:rPr lang="en-US" altLang="ko-KR" sz="2000" dirty="0" err="1" smtClean="0">
+                <a:ln w="0"/>
+                <a:solidFill>
+                  <a:schemeClr val="bg1"/>
+                </a:solidFill>
+                <a:effectLst>
+                  <a:outerShdw blurRad="38100" dist="19050" dir="2700000" algn="tl" rotWithShape="0">
+                    <a:schemeClr val="dk1">
+                      <a:alpha val="40000"/>
+                    </a:schemeClr>
+                  </a:outerShdw>
+                </a:effectLst>
+              </a:rPr>
+              <a:t>DramaDAO</a:t>
+            </a:r>
+            <a:r>
+              <a:rPr lang="ko-KR" altLang="en-US" sz="2000" dirty="0" smtClean="0">
+                <a:ln w="0"/>
+                <a:solidFill>
+                  <a:schemeClr val="bg1"/>
+                </a:solidFill>
+                <a:effectLst>
+                  <a:outerShdw blurRad="38100" dist="19050" dir="2700000" algn="tl" rotWithShape="0">
+                    <a:schemeClr val="dk1">
+                      <a:alpha val="40000"/>
+                    </a:schemeClr>
+                  </a:outerShdw>
+                </a:effectLst>
+              </a:rPr>
+              <a:t>객체에</a:t>
+            </a:r>
+            <a:endParaRPr lang="en-US" altLang="ko-KR" sz="2000" dirty="0" smtClean="0">
+              <a:ln w="0"/>
+              <a:solidFill>
+                <a:schemeClr val="bg1"/>
+              </a:solidFill>
+              <a:effectLst>
+                <a:outerShdw blurRad="38100" dist="19050" dir="2700000" algn="tl" rotWithShape="0">
+                  <a:schemeClr val="dk1">
+                    <a:alpha val="40000"/>
+                  </a:schemeClr>
+                </a:outerShdw>
+              </a:effectLst>
+            </a:endParaRPr>
+          </a:p>
+          <a:p>
+            <a:pPr algn="ctr"/>
+            <a:r>
+              <a:rPr lang="ko-KR" altLang="en-US" sz="2000" dirty="0" smtClean="0">
+                <a:ln w="0"/>
+                <a:solidFill>
+                  <a:schemeClr val="bg1"/>
+                </a:solidFill>
+                <a:effectLst>
+                  <a:outerShdw blurRad="38100" dist="19050" dir="2700000" algn="tl" rotWithShape="0">
+                    <a:schemeClr val="dk1">
+                      <a:alpha val="40000"/>
+                    </a:schemeClr>
+                  </a:outerShdw>
+                </a:effectLst>
+              </a:rPr>
+              <a:t>값을 입력하는 코드</a:t>
+            </a:r>
+            <a:endParaRPr lang="en-US" altLang="ko-KR" sz="2000" dirty="0" smtClean="0">
+              <a:ln w="0"/>
+              <a:solidFill>
+                <a:schemeClr val="bg1"/>
+              </a:solidFill>
+              <a:effectLst>
+                <a:outerShdw blurRad="38100" dist="19050" dir="2700000" algn="tl" rotWithShape="0">
+                  <a:schemeClr val="dk1">
+                    <a:alpha val="40000"/>
+                  </a:schemeClr>
+                </a:outerShdw>
+              </a:effectLst>
+            </a:endParaRPr>
+          </a:p>
+          <a:p>
+            <a:pPr algn="ctr"/>
+            <a:r>
+              <a:rPr lang="en-US" altLang="ko-KR" sz="2000" b="0" cap="none" spc="0" dirty="0" smtClean="0">
+                <a:ln w="0"/>
+                <a:solidFill>
+                  <a:schemeClr val="bg1"/>
+                </a:solidFill>
+                <a:effectLst>
+                  <a:outerShdw blurRad="38100" dist="19050" dir="2700000" algn="tl" rotWithShape="0">
+                    <a:schemeClr val="dk1">
+                      <a:alpha val="40000"/>
+                    </a:schemeClr>
+                  </a:outerShdw>
+                </a:effectLst>
+              </a:rPr>
+              <a:t>(</a:t>
+            </a:r>
+            <a:r>
+              <a:rPr lang="ko-KR" altLang="en-US" sz="2000" b="0" cap="none" spc="0" dirty="0" smtClean="0">
+                <a:ln w="0"/>
+                <a:solidFill>
+                  <a:schemeClr val="bg1"/>
+                </a:solidFill>
+                <a:effectLst>
+                  <a:outerShdw blurRad="38100" dist="19050" dir="2700000" algn="tl" rotWithShape="0">
+                    <a:schemeClr val="dk1">
+                      <a:alpha val="40000"/>
+                    </a:schemeClr>
+                  </a:outerShdw>
+                </a:effectLst>
+              </a:rPr>
+              <a:t>회원가입</a:t>
+            </a:r>
+            <a:r>
+              <a:rPr lang="en-US" altLang="ko-KR" sz="2000" b="0" cap="none" spc="0" dirty="0" smtClean="0">
+                <a:ln w="0"/>
+                <a:solidFill>
+                  <a:schemeClr val="bg1"/>
+                </a:solidFill>
+                <a:effectLst>
+                  <a:outerShdw blurRad="38100" dist="19050" dir="2700000" algn="tl" rotWithShape="0">
+                    <a:schemeClr val="dk1">
+                      <a:alpha val="40000"/>
+                    </a:schemeClr>
+                  </a:outerShdw>
+                </a:effectLst>
+              </a:rPr>
+              <a:t>)</a:t>
+            </a:r>
+            <a:endParaRPr lang="en-US" altLang="ko-KR" sz="2000" b="0" cap="none" spc="0" dirty="0">
+              <a:ln w="0"/>
+              <a:solidFill>
+                <a:schemeClr val="bg1"/>
+              </a:solidFill>
+              <a:effectLst>
+                <a:outerShdw blurRad="38100" dist="19050" dir="2700000" algn="tl" rotWithShape="0">
+                  <a:schemeClr val="dk1">
+                    <a:alpha val="40000"/>
+                  </a:schemeClr>
+                </a:outerShdw>
+              </a:effectLst>
+            </a:endParaRPr>
+          </a:p>
+        </p:txBody>
+      </p:sp>
+    </p:spTree>
+    <p:extLst>
+      <p:ext uri="{BB962C8B-B14F-4D97-AF65-F5344CB8AC3E}">
+        <p14:creationId xmlns:p14="http://schemas.microsoft.com/office/powerpoint/2010/main" val="2569352208"/>
+      </p:ext>
+    </p:extLst>
+  </p:cSld>
+  <p:clrMapOvr>
+    <a:masterClrMapping/>
+  </p:clrMapOvr>
+  <p:timing>
+    <p:tnLst>
+      <p:par>
+        <p:cTn id="1" dur="indefinite" restart="never" nodeType="tmRoot"/>
+      </p:par>
+    </p:tnLst>
+  </p:timing>
+</p:sld>
+</file>
+
+<file path=ppt/slides/slide17.xml><?xml version="1.0" encoding="utf-8"?>
+<p:sld xmlns:a="http://schemas.openxmlformats.org/drawingml/2006/main" xmlns:r="http://schemas.openxmlformats.org/officeDocument/2006/relationships" xmlns:p="http://schemas.openxmlformats.org/presentationml/2006/main">
+  <p:cSld>
+    <p:spTree>
+      <p:nvGrpSpPr>
+        <p:cNvPr id="1" name=""/>
+        <p:cNvGrpSpPr/>
+        <p:nvPr/>
+      </p:nvGrpSpPr>
+      <p:grpSpPr>
+        <a:xfrm>
+          <a:off x="0" y="0"/>
+          <a:ext cx="0" cy="0"/>
+          <a:chOff x="0" y="0"/>
+          <a:chExt cx="0" cy="0"/>
+        </a:xfrm>
+      </p:grpSpPr>
+      <p:pic>
+        <p:nvPicPr>
+          <p:cNvPr id="4" name="그림 3"/>
+          <p:cNvPicPr>
+            <a:picLocks noChangeAspect="1"/>
+          </p:cNvPicPr>
+          <p:nvPr/>
+        </p:nvPicPr>
+        <p:blipFill>
+          <a:blip r:embed="rId2"/>
+          <a:stretch>
+            <a:fillRect/>
+          </a:stretch>
+        </p:blipFill>
+        <p:spPr>
+          <a:xfrm>
+            <a:off x="323528" y="1059582"/>
+            <a:ext cx="6315401" cy="3856442"/>
+          </a:xfrm>
+          <a:prstGeom prst="rect">
+            <a:avLst/>
+          </a:prstGeom>
+        </p:spPr>
+      </p:pic>
+      <p:sp>
+        <p:nvSpPr>
+          <p:cNvPr id="2" name="텍스트 개체 틀 1"/>
+          <p:cNvSpPr>
+            <a:spLocks noGrp="1"/>
+          </p:cNvSpPr>
+          <p:nvPr>
+            <p:ph type="body" sz="quarter" idx="10"/>
+          </p:nvPr>
+        </p:nvSpPr>
+        <p:spPr/>
+        <p:txBody>
+          <a:bodyPr/>
+          <a:lstStyle/>
+          <a:p>
+            <a:r>
+              <a:rPr lang="en-US" altLang="ko-KR" dirty="0" err="1" smtClean="0"/>
+              <a:t>DramaDAO</a:t>
+            </a:r>
+            <a:r>
+              <a:rPr lang="en-US" altLang="ko-KR" dirty="0" smtClean="0"/>
+              <a:t> (</a:t>
+            </a:r>
+            <a:r>
+              <a:rPr lang="en-US" altLang="ko-KR" dirty="0" err="1" smtClean="0"/>
+              <a:t>addMember</a:t>
+            </a:r>
+            <a:r>
+              <a:rPr lang="en-US" altLang="ko-KR" dirty="0" smtClean="0"/>
+              <a:t>)</a:t>
+            </a:r>
+            <a:endParaRPr lang="ko-KR" altLang="en-US" dirty="0"/>
+          </a:p>
+        </p:txBody>
+      </p:sp>
+      <p:sp>
+        <p:nvSpPr>
+          <p:cNvPr id="6" name="직사각형 5"/>
+          <p:cNvSpPr/>
+          <p:nvPr/>
+        </p:nvSpPr>
+        <p:spPr>
+          <a:xfrm>
+            <a:off x="6372200" y="1563638"/>
+            <a:ext cx="2952328" cy="2554545"/>
+          </a:xfrm>
+          <a:prstGeom prst="rect">
+            <a:avLst/>
+          </a:prstGeom>
+          <a:noFill/>
+        </p:spPr>
+        <p:txBody>
+          <a:bodyPr wrap="square" lIns="91440" tIns="45720" rIns="91440" bIns="45720">
+            <a:spAutoFit/>
+          </a:bodyPr>
+          <a:lstStyle/>
+          <a:p>
+            <a:pPr algn="ctr"/>
+            <a:r>
+              <a:rPr lang="ko-KR" altLang="en-US" sz="2000" dirty="0" smtClean="0">
+                <a:ln w="0"/>
+                <a:solidFill>
+                  <a:schemeClr val="bg1"/>
+                </a:solidFill>
+                <a:effectLst>
+                  <a:outerShdw blurRad="38100" dist="19050" dir="2700000" algn="tl" rotWithShape="0">
+                    <a:schemeClr val="dk1">
+                      <a:alpha val="40000"/>
+                    </a:schemeClr>
+                  </a:outerShdw>
+                </a:effectLst>
+              </a:rPr>
+              <a:t>회원가입을 위한 코드</a:t>
+            </a:r>
+            <a:endParaRPr lang="en-US" altLang="ko-KR" sz="2000" dirty="0" smtClean="0">
+              <a:ln w="0"/>
+              <a:solidFill>
+                <a:schemeClr val="bg1"/>
+              </a:solidFill>
+              <a:effectLst>
+                <a:outerShdw blurRad="38100" dist="19050" dir="2700000" algn="tl" rotWithShape="0">
+                  <a:schemeClr val="dk1">
+                    <a:alpha val="40000"/>
+                  </a:schemeClr>
+                </a:outerShdw>
+              </a:effectLst>
+            </a:endParaRPr>
+          </a:p>
+          <a:p>
+            <a:pPr algn="ctr"/>
+            <a:endParaRPr lang="en-US" altLang="ko-KR" sz="2000" dirty="0" smtClean="0">
+              <a:ln w="0"/>
+              <a:solidFill>
+                <a:schemeClr val="bg1"/>
+              </a:solidFill>
+              <a:effectLst>
+                <a:outerShdw blurRad="38100" dist="19050" dir="2700000" algn="tl" rotWithShape="0">
+                  <a:schemeClr val="dk1">
+                    <a:alpha val="40000"/>
+                  </a:schemeClr>
+                </a:outerShdw>
+              </a:effectLst>
+            </a:endParaRPr>
+          </a:p>
+          <a:p>
+            <a:pPr algn="ctr"/>
+            <a:r>
+              <a:rPr lang="ko-KR" altLang="en-US" sz="2000" dirty="0" smtClean="0">
+                <a:ln w="0"/>
+                <a:solidFill>
+                  <a:schemeClr val="bg1"/>
+                </a:solidFill>
+                <a:effectLst>
+                  <a:outerShdw blurRad="38100" dist="19050" dir="2700000" algn="tl" rotWithShape="0">
+                    <a:schemeClr val="dk1">
+                      <a:alpha val="40000"/>
+                    </a:schemeClr>
+                  </a:outerShdw>
+                </a:effectLst>
+              </a:rPr>
+              <a:t>비밀번호의 경우</a:t>
+            </a:r>
+            <a:endParaRPr lang="en-US" altLang="ko-KR" sz="2000" dirty="0" smtClean="0">
+              <a:ln w="0"/>
+              <a:solidFill>
+                <a:schemeClr val="bg1"/>
+              </a:solidFill>
+              <a:effectLst>
+                <a:outerShdw blurRad="38100" dist="19050" dir="2700000" algn="tl" rotWithShape="0">
+                  <a:schemeClr val="dk1">
+                    <a:alpha val="40000"/>
+                  </a:schemeClr>
+                </a:outerShdw>
+              </a:effectLst>
+            </a:endParaRPr>
+          </a:p>
+          <a:p>
+            <a:pPr algn="ctr"/>
+            <a:endParaRPr lang="en-US" altLang="ko-KR" sz="2000" dirty="0" smtClean="0">
+              <a:ln w="0"/>
+              <a:solidFill>
+                <a:schemeClr val="bg1"/>
+              </a:solidFill>
+              <a:effectLst>
+                <a:outerShdw blurRad="38100" dist="19050" dir="2700000" algn="tl" rotWithShape="0">
+                  <a:schemeClr val="dk1">
+                    <a:alpha val="40000"/>
+                  </a:schemeClr>
+                </a:outerShdw>
+              </a:effectLst>
+            </a:endParaRPr>
+          </a:p>
+          <a:p>
+            <a:pPr algn="ctr"/>
+            <a:r>
+              <a:rPr lang="ko-KR" altLang="en-US" sz="2000" dirty="0" smtClean="0">
+                <a:ln w="0"/>
+                <a:solidFill>
+                  <a:schemeClr val="bg1"/>
+                </a:solidFill>
+                <a:effectLst>
+                  <a:outerShdw blurRad="38100" dist="19050" dir="2700000" algn="tl" rotWithShape="0">
+                    <a:schemeClr val="dk1">
+                      <a:alpha val="40000"/>
+                    </a:schemeClr>
+                  </a:outerShdw>
+                </a:effectLst>
+              </a:rPr>
+              <a:t>암호화된 비밀번호를</a:t>
+            </a:r>
+            <a:endParaRPr lang="en-US" altLang="ko-KR" sz="2000" dirty="0" smtClean="0">
+              <a:ln w="0"/>
+              <a:solidFill>
+                <a:schemeClr val="bg1"/>
+              </a:solidFill>
+              <a:effectLst>
+                <a:outerShdw blurRad="38100" dist="19050" dir="2700000" algn="tl" rotWithShape="0">
+                  <a:schemeClr val="dk1">
+                    <a:alpha val="40000"/>
+                  </a:schemeClr>
+                </a:outerShdw>
+              </a:effectLst>
+            </a:endParaRPr>
+          </a:p>
+          <a:p>
+            <a:pPr algn="ctr"/>
+            <a:endParaRPr lang="en-US" altLang="ko-KR" sz="2000" dirty="0" smtClean="0">
+              <a:ln w="0"/>
+              <a:solidFill>
+                <a:schemeClr val="bg1"/>
+              </a:solidFill>
+              <a:effectLst>
+                <a:outerShdw blurRad="38100" dist="19050" dir="2700000" algn="tl" rotWithShape="0">
+                  <a:schemeClr val="dk1">
+                    <a:alpha val="40000"/>
+                  </a:schemeClr>
+                </a:outerShdw>
+              </a:effectLst>
+            </a:endParaRPr>
+          </a:p>
+          <a:p>
+            <a:pPr algn="ctr"/>
+            <a:r>
+              <a:rPr lang="ko-KR" altLang="en-US" sz="2000" dirty="0" smtClean="0">
+                <a:ln w="0"/>
+                <a:solidFill>
+                  <a:schemeClr val="bg1"/>
+                </a:solidFill>
+                <a:effectLst>
+                  <a:outerShdw blurRad="38100" dist="19050" dir="2700000" algn="tl" rotWithShape="0">
+                    <a:schemeClr val="dk1">
+                      <a:alpha val="40000"/>
+                    </a:schemeClr>
+                  </a:outerShdw>
+                </a:effectLst>
+              </a:rPr>
+              <a:t>데이터베이스에 저장</a:t>
+            </a:r>
+            <a:endParaRPr lang="en-US" altLang="ko-KR" sz="2000" dirty="0" smtClean="0">
+              <a:ln w="0"/>
+              <a:solidFill>
+                <a:schemeClr val="bg1"/>
+              </a:solidFill>
+              <a:effectLst>
+                <a:outerShdw blurRad="38100" dist="19050" dir="2700000" algn="tl" rotWithShape="0">
+                  <a:schemeClr val="dk1">
+                    <a:alpha val="40000"/>
+                  </a:schemeClr>
+                </a:outerShdw>
+              </a:effectLst>
+            </a:endParaRPr>
+          </a:p>
+          <a:p>
+            <a:pPr algn="ctr"/>
+            <a:endParaRPr lang="en-US" altLang="ko-KR" sz="2000" b="0" cap="none" spc="0" dirty="0">
+              <a:ln w="0"/>
+              <a:solidFill>
+                <a:schemeClr val="bg1"/>
+              </a:solidFill>
+              <a:effectLst>
+                <a:outerShdw blurRad="38100" dist="19050" dir="2700000" algn="tl" rotWithShape="0">
+                  <a:schemeClr val="dk1">
+                    <a:alpha val="40000"/>
+                  </a:schemeClr>
+                </a:outerShdw>
+              </a:effectLst>
+            </a:endParaRPr>
+          </a:p>
+        </p:txBody>
+      </p:sp>
+    </p:spTree>
+    <p:extLst>
+      <p:ext uri="{BB962C8B-B14F-4D97-AF65-F5344CB8AC3E}">
+        <p14:creationId xmlns:p14="http://schemas.microsoft.com/office/powerpoint/2010/main" val="3569601032"/>
+      </p:ext>
+    </p:extLst>
+  </p:cSld>
+  <p:clrMapOvr>
+    <a:masterClrMapping/>
+  </p:clrMapOvr>
+  <p:timing>
+    <p:tnLst>
+      <p:par>
+        <p:cTn id="1" dur="indefinite" restart="never" nodeType="tmRoot"/>
+      </p:par>
+    </p:tnLst>
+  </p:timing>
+</p:sld>
+</file>
+
+<file path=ppt/slides/slide18.xml><?xml version="1.0" encoding="utf-8"?>
 <p:sld xmlns:a="http://schemas.openxmlformats.org/drawingml/2006/main" xmlns:r="http://schemas.openxmlformats.org/officeDocument/2006/relationships" xmlns:p="http://schemas.openxmlformats.org/presentationml/2006/main">
   <p:cSld>
     <p:spTree>
@@ -8574,36 +9862,12 @@
           <a:p>
             <a:r>
               <a:rPr lang="en-US" altLang="ko-KR" dirty="0" err="1" smtClean="0"/>
-              <a:t>ProcessAddMember</a:t>
+              <a:t>DeleteMember</a:t>
             </a:r>
             <a:endParaRPr lang="ko-KR" altLang="en-US" dirty="0"/>
           </a:p>
         </p:txBody>
       </p:sp>
-      <p:pic>
-        <p:nvPicPr>
-          <p:cNvPr id="5" name="그림 4"/>
-          <p:cNvPicPr>
-            <a:picLocks noChangeAspect="1"/>
-          </p:cNvPicPr>
-          <p:nvPr/>
-        </p:nvPicPr>
-        <p:blipFill>
-          <a:blip r:embed="rId2"/>
-          <a:stretch>
-            <a:fillRect/>
-          </a:stretch>
-        </p:blipFill>
-        <p:spPr>
-          <a:xfrm>
-            <a:off x="323528" y="1059582"/>
-            <a:ext cx="4925112" cy="2333951"/>
-          </a:xfrm>
-          <a:prstGeom prst="rect">
-            <a:avLst/>
-          </a:prstGeom>
-        </p:spPr>
-      </p:pic>
       <p:sp>
         <p:nvSpPr>
           <p:cNvPr id="6" name="직사각형 5"/>
@@ -8612,8 +9876,8 @@
         </p:nvSpPr>
         <p:spPr>
           <a:xfrm>
-            <a:off x="323528" y="3723093"/>
-            <a:ext cx="5040560" cy="707886"/>
+            <a:off x="323528" y="3723878"/>
+            <a:ext cx="5184576" cy="1015663"/>
           </a:xfrm>
           <a:prstGeom prst="rect">
             <a:avLst/>
@@ -8641,8 +9905,24 @@
                   </a:outerShdw>
                 </a:effectLst>
               </a:rPr>
-              <a:t>데이터베이스에 입력한 값을 </a:t>
-            </a:r>
+              <a:t>회원수정에서 회원탈퇴를 눌렀을 때</a:t>
+            </a:r>
+            <a:endParaRPr lang="en-US" altLang="ko-KR" sz="2000" dirty="0" smtClean="0">
+              <a:ln w="0"/>
+              <a:solidFill>
+                <a:schemeClr val="bg1"/>
+              </a:solidFill>
+              <a:effectLst>
+                <a:outerShdw blurRad="38100" dist="19050" dir="2700000" algn="tl" rotWithShape="0">
+                  <a:schemeClr val="dk1">
+                    <a:alpha val="40000"/>
+                  </a:schemeClr>
+                </a:outerShdw>
+              </a:effectLst>
+            </a:endParaRPr>
+          </a:p>
+          <a:p>
+            <a:pPr algn="ctr"/>
             <a:r>
               <a:rPr lang="ko-KR" altLang="en-US" sz="2000" b="0" cap="none" spc="0" dirty="0" smtClean="0">
                 <a:ln w="0"/>
@@ -8657,7 +9937,7 @@
                   </a:outerShdw>
                 </a:effectLst>
               </a:rPr>
-              <a:t>추가하는 코드 </a:t>
+              <a:t>이동하는 페이지로</a:t>
             </a:r>
             <a:r>
               <a:rPr lang="en-US" altLang="ko-KR" sz="2000" b="0" cap="none" spc="0" dirty="0" smtClean="0">
@@ -8673,10 +9953,10 @@
                   </a:outerShdw>
                 </a:effectLst>
               </a:rPr>
-              <a:t>(</a:t>
-            </a:r>
-            <a:r>
-              <a:rPr lang="ko-KR" altLang="en-US" sz="2000" b="0" cap="none" spc="0" dirty="0" smtClean="0">
+              <a:t>, DAO</a:t>
+            </a:r>
+            <a:r>
+              <a:rPr lang="ko-KR" altLang="en-US" sz="2000" dirty="0" smtClean="0">
                 <a:ln w="0"/>
                 <a:solidFill>
                   <a:schemeClr val="bg1"/>
@@ -8689,10 +9969,10 @@
                   </a:outerShdw>
                 </a:effectLst>
               </a:rPr>
-              <a:t>회원가입</a:t>
-            </a:r>
-            <a:r>
-              <a:rPr lang="en-US" altLang="ko-KR" sz="2000" b="0" cap="none" spc="0" dirty="0" smtClean="0">
+              <a:t>객체에서 처리 후 </a:t>
+            </a:r>
+            <a:r>
+              <a:rPr lang="en-US" altLang="ko-KR" sz="2000" dirty="0" err="1" smtClean="0">
                 <a:ln w="0"/>
                 <a:solidFill>
                   <a:schemeClr val="bg1"/>
@@ -8705,7 +9985,39 @@
                   </a:outerShdw>
                 </a:effectLst>
               </a:rPr>
-              <a:t>)</a:t>
+              <a:t>session.invalidate</a:t>
+            </a:r>
+            <a:r>
+              <a:rPr lang="en-US" altLang="ko-KR" sz="2000" dirty="0" smtClean="0">
+                <a:ln w="0"/>
+                <a:solidFill>
+                  <a:schemeClr val="bg1"/>
+                </a:solidFill>
+                <a:effectLst>
+                  <a:outerShdw blurRad="38100" dist="19050" dir="2700000" algn="tl" rotWithShape="0">
+                    <a:schemeClr val="dk1">
+                      <a:alpha val="40000"/>
+                    </a:schemeClr>
+                  </a:outerShdw>
+                </a:effectLst>
+              </a:rPr>
+              <a:t>()</a:t>
+            </a:r>
+            <a:r>
+              <a:rPr lang="ko-KR" altLang="en-US" sz="2000" dirty="0" smtClean="0">
+                <a:ln w="0"/>
+                <a:solidFill>
+                  <a:schemeClr val="bg1"/>
+                </a:solidFill>
+                <a:effectLst>
+                  <a:outerShdw blurRad="38100" dist="19050" dir="2700000" algn="tl" rotWithShape="0">
+                    <a:schemeClr val="dk1">
+                      <a:alpha val="40000"/>
+                    </a:schemeClr>
+                  </a:outerShdw>
+                </a:effectLst>
+              </a:rPr>
+              <a:t>를 이용하여 세션 값 제거</a:t>
             </a:r>
             <a:endParaRPr lang="en-US" altLang="ko-KR" sz="2000" b="0" cap="none" spc="0" dirty="0">
               <a:ln w="0"/>
@@ -8720,370 +10032,6 @@
                 </a:outerShdw>
               </a:effectLst>
             </a:endParaRPr>
-          </a:p>
-        </p:txBody>
-      </p:sp>
-    </p:spTree>
-    <p:extLst>
-      <p:ext uri="{BB962C8B-B14F-4D97-AF65-F5344CB8AC3E}">
-        <p14:creationId xmlns:p14="http://schemas.microsoft.com/office/powerpoint/2010/main" val="2569352208"/>
-      </p:ext>
-    </p:extLst>
-  </p:cSld>
-  <p:clrMapOvr>
-    <a:masterClrMapping/>
-  </p:clrMapOvr>
-</p:sld>
-</file>
-
-<file path=ppt/slides/slide16.xml><?xml version="1.0" encoding="utf-8"?>
-<p:sld xmlns:a="http://schemas.openxmlformats.org/drawingml/2006/main" xmlns:r="http://schemas.openxmlformats.org/officeDocument/2006/relationships" xmlns:p="http://schemas.openxmlformats.org/presentationml/2006/main">
-  <p:cSld>
-    <p:spTree>
-      <p:nvGrpSpPr>
-        <p:cNvPr id="1" name=""/>
-        <p:cNvGrpSpPr/>
-        <p:nvPr/>
-      </p:nvGrpSpPr>
-      <p:grpSpPr>
-        <a:xfrm>
-          <a:off x="0" y="0"/>
-          <a:ext cx="0" cy="0"/>
-          <a:chOff x="0" y="0"/>
-          <a:chExt cx="0" cy="0"/>
-        </a:xfrm>
-      </p:grpSpPr>
-      <p:sp>
-        <p:nvSpPr>
-          <p:cNvPr id="2" name="텍스트 개체 틀 1"/>
-          <p:cNvSpPr>
-            <a:spLocks noGrp="1"/>
-          </p:cNvSpPr>
-          <p:nvPr>
-            <p:ph type="body" sz="quarter" idx="10"/>
-          </p:nvPr>
-        </p:nvSpPr>
-        <p:spPr/>
-        <p:txBody>
-          <a:bodyPr/>
-          <a:lstStyle/>
-          <a:p>
-            <a:r>
-              <a:rPr lang="en-US" altLang="ko-KR" dirty="0" err="1" smtClean="0"/>
-              <a:t>DeleteMember</a:t>
-            </a:r>
-            <a:endParaRPr lang="ko-KR" altLang="en-US" dirty="0"/>
-          </a:p>
-        </p:txBody>
-      </p:sp>
-      <p:sp>
-        <p:nvSpPr>
-          <p:cNvPr id="6" name="직사각형 5"/>
-          <p:cNvSpPr/>
-          <p:nvPr/>
-        </p:nvSpPr>
-        <p:spPr>
-          <a:xfrm>
-            <a:off x="323528" y="3723093"/>
-            <a:ext cx="4925112" cy="1323439"/>
-          </a:xfrm>
-          <a:prstGeom prst="rect">
-            <a:avLst/>
-          </a:prstGeom>
-          <a:noFill/>
-        </p:spPr>
-        <p:txBody>
-          <a:bodyPr wrap="square" lIns="91440" tIns="45720" rIns="91440" bIns="45720">
-            <a:spAutoFit/>
-          </a:bodyPr>
-          <a:lstStyle/>
-          <a:p>
-            <a:pPr algn="ctr"/>
-            <a:r>
-              <a:rPr lang="ko-KR" altLang="en-US" sz="2000" dirty="0" smtClean="0">
-                <a:ln w="0"/>
-                <a:solidFill>
-                  <a:schemeClr val="bg1"/>
-                </a:solidFill>
-                <a:effectLst>
-                  <a:outerShdw blurRad="38100" dist="19050" dir="2700000" algn="tl" rotWithShape="0">
-                    <a:schemeClr val="dk1">
-                      <a:alpha val="40000"/>
-                    </a:schemeClr>
-                  </a:outerShdw>
-                </a:effectLst>
-              </a:rPr>
-              <a:t>데이터베이스에 입력한 값을 제거</a:t>
-            </a:r>
-            <a:endParaRPr lang="en-US" altLang="ko-KR" sz="2000" dirty="0">
-              <a:ln w="0"/>
-              <a:solidFill>
-                <a:schemeClr val="bg1"/>
-              </a:solidFill>
-              <a:effectLst>
-                <a:outerShdw blurRad="38100" dist="19050" dir="2700000" algn="tl" rotWithShape="0">
-                  <a:schemeClr val="dk1">
-                    <a:alpha val="40000"/>
-                  </a:schemeClr>
-                </a:outerShdw>
-              </a:effectLst>
-            </a:endParaRPr>
-          </a:p>
-          <a:p>
-            <a:pPr algn="ctr"/>
-            <a:r>
-              <a:rPr lang="ko-KR" altLang="en-US" sz="2000" b="0" cap="none" spc="0" dirty="0" smtClean="0">
-                <a:ln w="0"/>
-                <a:solidFill>
-                  <a:schemeClr val="bg1"/>
-                </a:solidFill>
-                <a:effectLst>
-                  <a:outerShdw blurRad="38100" dist="19050" dir="2700000" algn="tl" rotWithShape="0">
-                    <a:schemeClr val="dk1">
-                      <a:alpha val="40000"/>
-                    </a:schemeClr>
-                  </a:outerShdw>
-                </a:effectLst>
-              </a:rPr>
-              <a:t>세션을 해제 </a:t>
-            </a:r>
-            <a:r>
-              <a:rPr lang="en-US" altLang="ko-KR" sz="2000" b="0" cap="none" spc="0" dirty="0" err="1" smtClean="0">
-                <a:ln w="0"/>
-                <a:solidFill>
-                  <a:schemeClr val="bg1"/>
-                </a:solidFill>
-                <a:effectLst>
-                  <a:outerShdw blurRad="38100" dist="19050" dir="2700000" algn="tl" rotWithShape="0">
-                    <a:schemeClr val="dk1">
-                      <a:alpha val="40000"/>
-                    </a:schemeClr>
-                  </a:outerShdw>
-                </a:effectLst>
-              </a:rPr>
-              <a:t>session.invalidate</a:t>
-            </a:r>
-            <a:r>
-              <a:rPr lang="en-US" altLang="ko-KR" sz="2000" b="0" cap="none" spc="0" dirty="0" smtClean="0">
-                <a:ln w="0"/>
-                <a:solidFill>
-                  <a:schemeClr val="bg1"/>
-                </a:solidFill>
-                <a:effectLst>
-                  <a:outerShdw blurRad="38100" dist="19050" dir="2700000" algn="tl" rotWithShape="0">
-                    <a:schemeClr val="dk1">
-                      <a:alpha val="40000"/>
-                    </a:schemeClr>
-                  </a:outerShdw>
-                </a:effectLst>
-              </a:rPr>
-              <a:t>()</a:t>
-            </a:r>
-            <a:r>
-              <a:rPr lang="en-US" altLang="ko-KR" sz="2000" dirty="0" smtClean="0">
-                <a:ln w="0"/>
-                <a:solidFill>
-                  <a:schemeClr val="bg1"/>
-                </a:solidFill>
-                <a:effectLst>
-                  <a:outerShdw blurRad="38100" dist="19050" dir="2700000" algn="tl" rotWithShape="0">
-                    <a:schemeClr val="dk1">
-                      <a:alpha val="40000"/>
-                    </a:schemeClr>
-                  </a:outerShdw>
-                </a:effectLst>
-              </a:rPr>
-              <a:t>;</a:t>
-            </a:r>
-          </a:p>
-          <a:p>
-            <a:pPr algn="ctr"/>
-            <a:r>
-              <a:rPr lang="en-US" altLang="ko-KR" sz="2000" b="0" cap="none" spc="0" dirty="0" err="1" smtClean="0">
-                <a:ln w="0"/>
-                <a:solidFill>
-                  <a:schemeClr val="bg1"/>
-                </a:solidFill>
-                <a:effectLst>
-                  <a:outerShdw blurRad="38100" dist="19050" dir="2700000" algn="tl" rotWithShape="0">
-                    <a:schemeClr val="dk1">
-                      <a:alpha val="40000"/>
-                    </a:schemeClr>
-                  </a:outerShdw>
-                </a:effectLst>
-              </a:rPr>
-              <a:t>resultMember.jsp</a:t>
-            </a:r>
-            <a:r>
-              <a:rPr lang="ko-KR" altLang="en-US" sz="2000" b="0" cap="none" spc="0" dirty="0" smtClean="0">
-                <a:ln w="0"/>
-                <a:solidFill>
-                  <a:schemeClr val="bg1"/>
-                </a:solidFill>
-                <a:effectLst>
-                  <a:outerShdw blurRad="38100" dist="19050" dir="2700000" algn="tl" rotWithShape="0">
-                    <a:schemeClr val="dk1">
-                      <a:alpha val="40000"/>
-                    </a:schemeClr>
-                  </a:outerShdw>
-                </a:effectLst>
-              </a:rPr>
-              <a:t>로 이동</a:t>
-            </a:r>
-            <a:endParaRPr lang="en-US" altLang="ko-KR" sz="2000" b="0" cap="none" spc="0" dirty="0" smtClean="0">
-              <a:ln w="0"/>
-              <a:solidFill>
-                <a:schemeClr val="bg1"/>
-              </a:solidFill>
-              <a:effectLst>
-                <a:outerShdw blurRad="38100" dist="19050" dir="2700000" algn="tl" rotWithShape="0">
-                  <a:schemeClr val="dk1">
-                    <a:alpha val="40000"/>
-                  </a:schemeClr>
-                </a:outerShdw>
-              </a:effectLst>
-            </a:endParaRPr>
-          </a:p>
-          <a:p>
-            <a:pPr algn="ctr"/>
-            <a:r>
-              <a:rPr lang="en-US" altLang="ko-KR" sz="2000" b="0" cap="none" spc="0" dirty="0" smtClean="0">
-                <a:ln w="0"/>
-                <a:solidFill>
-                  <a:schemeClr val="bg1"/>
-                </a:solidFill>
-                <a:effectLst>
-                  <a:outerShdw blurRad="38100" dist="19050" dir="2700000" algn="tl" rotWithShape="0">
-                    <a:schemeClr val="dk1">
-                      <a:alpha val="40000"/>
-                    </a:schemeClr>
-                  </a:outerShdw>
-                </a:effectLst>
-              </a:rPr>
-              <a:t>(</a:t>
-            </a:r>
-            <a:r>
-              <a:rPr lang="ko-KR" altLang="en-US" sz="2000" b="0" cap="none" spc="0" dirty="0" smtClean="0">
-                <a:ln w="0"/>
-                <a:solidFill>
-                  <a:schemeClr val="bg1"/>
-                </a:solidFill>
-                <a:effectLst>
-                  <a:outerShdw blurRad="38100" dist="19050" dir="2700000" algn="tl" rotWithShape="0">
-                    <a:schemeClr val="dk1">
-                      <a:alpha val="40000"/>
-                    </a:schemeClr>
-                  </a:outerShdw>
-                </a:effectLst>
-              </a:rPr>
-              <a:t>회원탈퇴</a:t>
-            </a:r>
-            <a:r>
-              <a:rPr lang="en-US" altLang="ko-KR" sz="2000" b="0" cap="none" spc="0" dirty="0" smtClean="0">
-                <a:ln w="0"/>
-                <a:solidFill>
-                  <a:schemeClr val="bg1"/>
-                </a:solidFill>
-                <a:effectLst>
-                  <a:outerShdw blurRad="38100" dist="19050" dir="2700000" algn="tl" rotWithShape="0">
-                    <a:schemeClr val="dk1">
-                      <a:alpha val="40000"/>
-                    </a:schemeClr>
-                  </a:outerShdw>
-                </a:effectLst>
-              </a:rPr>
-              <a:t>)</a:t>
-            </a:r>
-            <a:endParaRPr lang="en-US" altLang="ko-KR" sz="2000" b="0" cap="none" spc="0" dirty="0">
-              <a:ln w="0"/>
-              <a:solidFill>
-                <a:schemeClr val="bg1"/>
-              </a:solidFill>
-              <a:effectLst>
-                <a:outerShdw blurRad="38100" dist="19050" dir="2700000" algn="tl" rotWithShape="0">
-                  <a:schemeClr val="dk1">
-                    <a:alpha val="40000"/>
-                  </a:schemeClr>
-                </a:outerShdw>
-              </a:effectLst>
-            </a:endParaRPr>
-          </a:p>
-        </p:txBody>
-      </p:sp>
-      <p:pic>
-        <p:nvPicPr>
-          <p:cNvPr id="3" name="그림 2"/>
-          <p:cNvPicPr>
-            <a:picLocks noChangeAspect="1"/>
-          </p:cNvPicPr>
-          <p:nvPr/>
-        </p:nvPicPr>
-        <p:blipFill>
-          <a:blip r:embed="rId2"/>
-          <a:stretch>
-            <a:fillRect/>
-          </a:stretch>
-        </p:blipFill>
-        <p:spPr>
-          <a:xfrm>
-            <a:off x="323528" y="1059582"/>
-            <a:ext cx="5039428" cy="1981477"/>
-          </a:xfrm>
-          <a:prstGeom prst="rect">
-            <a:avLst/>
-          </a:prstGeom>
-        </p:spPr>
-      </p:pic>
-    </p:spTree>
-    <p:extLst>
-      <p:ext uri="{BB962C8B-B14F-4D97-AF65-F5344CB8AC3E}">
-        <p14:creationId xmlns:p14="http://schemas.microsoft.com/office/powerpoint/2010/main" val="3593087185"/>
-      </p:ext>
-    </p:extLst>
-  </p:cSld>
-  <p:clrMapOvr>
-    <a:masterClrMapping/>
-  </p:clrMapOvr>
-</p:sld>
-</file>
-
-<file path=ppt/slides/slide17.xml><?xml version="1.0" encoding="utf-8"?>
-<p:sld xmlns:a="http://schemas.openxmlformats.org/drawingml/2006/main" xmlns:r="http://schemas.openxmlformats.org/officeDocument/2006/relationships" xmlns:p="http://schemas.openxmlformats.org/presentationml/2006/main">
-  <p:cSld>
-    <p:spTree>
-      <p:nvGrpSpPr>
-        <p:cNvPr id="1" name=""/>
-        <p:cNvGrpSpPr/>
-        <p:nvPr/>
-      </p:nvGrpSpPr>
-      <p:grpSpPr>
-        <a:xfrm>
-          <a:off x="0" y="0"/>
-          <a:ext cx="0" cy="0"/>
-          <a:chOff x="0" y="0"/>
-          <a:chExt cx="0" cy="0"/>
-        </a:xfrm>
-      </p:grpSpPr>
-      <p:sp>
-        <p:nvSpPr>
-          <p:cNvPr id="2" name="텍스트 개체 틀 1"/>
-          <p:cNvSpPr>
-            <a:spLocks noGrp="1"/>
-          </p:cNvSpPr>
-          <p:nvPr>
-            <p:ph type="body" sz="quarter" idx="10"/>
-          </p:nvPr>
-        </p:nvSpPr>
-        <p:spPr/>
-        <p:txBody>
-          <a:bodyPr/>
-          <a:lstStyle/>
-          <a:p>
-            <a:r>
-              <a:rPr lang="en-US" altLang="ko-KR" dirty="0" err="1" smtClean="0"/>
-              <a:t>ProcessUpdateMember</a:t>
-            </a:r>
-            <a:endParaRPr lang="ko-KR" altLang="en-US" dirty="0"/>
           </a:p>
         </p:txBody>
       </p:sp>
@@ -9103,8 +10051,69 @@
         </p:blipFill>
         <p:spPr>
           <a:xfrm>
-            <a:off x="323528" y="1059583"/>
-            <a:ext cx="5601107" cy="2736303"/>
+            <a:off x="251520" y="1131590"/>
+            <a:ext cx="7758007" cy="1800200"/>
+          </a:xfrm>
+          <a:prstGeom prst="rect">
+            <a:avLst/>
+          </a:prstGeom>
+        </p:spPr>
+      </p:pic>
+    </p:spTree>
+    <p:extLst>
+      <p:ext uri="{BB962C8B-B14F-4D97-AF65-F5344CB8AC3E}">
+        <p14:creationId xmlns:p14="http://schemas.microsoft.com/office/powerpoint/2010/main" val="3593087185"/>
+      </p:ext>
+    </p:extLst>
+  </p:cSld>
+  <p:clrMapOvr>
+    <a:masterClrMapping/>
+  </p:clrMapOvr>
+  <p:timing>
+    <p:tnLst>
+      <p:par>
+        <p:cTn id="1" dur="indefinite" restart="never" nodeType="tmRoot"/>
+      </p:par>
+    </p:tnLst>
+  </p:timing>
+</p:sld>
+</file>
+
+<file path=ppt/slides/slide19.xml><?xml version="1.0" encoding="utf-8"?>
+<p:sld xmlns:a="http://schemas.openxmlformats.org/drawingml/2006/main" xmlns:r="http://schemas.openxmlformats.org/officeDocument/2006/relationships" xmlns:p="http://schemas.openxmlformats.org/presentationml/2006/main">
+  <p:cSld>
+    <p:spTree>
+      <p:nvGrpSpPr>
+        <p:cNvPr id="1" name=""/>
+        <p:cNvGrpSpPr/>
+        <p:nvPr/>
+      </p:nvGrpSpPr>
+      <p:grpSpPr>
+        <a:xfrm>
+          <a:off x="0" y="0"/>
+          <a:ext cx="0" cy="0"/>
+          <a:chOff x="0" y="0"/>
+          <a:chExt cx="0" cy="0"/>
+        </a:xfrm>
+      </p:grpSpPr>
+      <p:pic>
+        <p:nvPicPr>
+          <p:cNvPr id="3" name="그림 2"/>
+          <p:cNvPicPr>
+            <a:picLocks noChangeAspect="1"/>
+          </p:cNvPicPr>
+          <p:nvPr/>
+        </p:nvPicPr>
+        <p:blipFill>
+          <a:blip r:embed="rId2"/>
+          <a:stretch>
+            <a:fillRect/>
+          </a:stretch>
+        </p:blipFill>
+        <p:spPr>
+          <a:xfrm>
+            <a:off x="355607" y="1059582"/>
+            <a:ext cx="5430008" cy="2953162"/>
           </a:xfrm>
           <a:prstGeom prst="rect">
             <a:avLst/>
@@ -9113,14 +10122,49 @@
       </p:pic>
       <p:sp>
         <p:nvSpPr>
-          <p:cNvPr id="5" name="직사각형 4"/>
+          <p:cNvPr id="2" name="텍스트 개체 틀 1"/>
+          <p:cNvSpPr>
+            <a:spLocks noGrp="1"/>
+          </p:cNvSpPr>
+          <p:nvPr>
+            <p:ph type="body" sz="quarter" idx="10"/>
+          </p:nvPr>
+        </p:nvSpPr>
+        <p:spPr/>
+        <p:txBody>
+          <a:bodyPr/>
+          <a:lstStyle/>
+          <a:p>
+            <a:r>
+              <a:rPr lang="en-US" altLang="ko-KR" dirty="0" err="1" smtClean="0"/>
+              <a:t>DramaDAO</a:t>
+            </a:r>
+            <a:r>
+              <a:rPr lang="en-US" altLang="ko-KR" dirty="0" smtClean="0"/>
+              <a:t> (</a:t>
+            </a:r>
+            <a:r>
+              <a:rPr lang="en-US" altLang="ko-KR" dirty="0" err="1" smtClean="0"/>
+              <a:t>deleteMember</a:t>
+            </a:r>
+            <a:r>
+              <a:rPr lang="en-US" altLang="ko-KR" dirty="0" smtClean="0"/>
+              <a:t>)</a:t>
+            </a:r>
+            <a:endParaRPr lang="ko-KR" altLang="en-US" dirty="0"/>
+          </a:p>
+        </p:txBody>
+      </p:sp>
+      <p:sp>
+        <p:nvSpPr>
+          <p:cNvPr id="6" name="직사각형 5"/>
           <p:cNvSpPr/>
           <p:nvPr/>
         </p:nvSpPr>
         <p:spPr>
           <a:xfrm>
-            <a:off x="539552" y="4011910"/>
-            <a:ext cx="3975957" cy="784830"/>
+            <a:off x="5759624" y="1203598"/>
+            <a:ext cx="3384376" cy="1015663"/>
           </a:xfrm>
           <a:prstGeom prst="rect">
             <a:avLst/>
@@ -9135,7 +10179,7 @@
           <a:p>
             <a:pPr algn="ctr"/>
             <a:r>
-              <a:rPr lang="ko-KR" altLang="en-US" sz="1500" dirty="0" smtClean="0">
+              <a:rPr lang="ko-KR" altLang="en-US" sz="2000" dirty="0" smtClean="0">
                 <a:ln w="0"/>
                 <a:solidFill>
                   <a:schemeClr val="bg1"/>
@@ -9148,10 +10192,10 @@
                   </a:outerShdw>
                 </a:effectLst>
               </a:rPr>
-              <a:t>회원의 </a:t>
-            </a:r>
-            <a:r>
-              <a:rPr lang="en-US" altLang="ko-KR" sz="1500" dirty="0" smtClean="0">
+              <a:t>데이터베이스에</a:t>
+            </a:r>
+            <a:r>
+              <a:rPr lang="ko-KR" altLang="en-US" sz="2000" dirty="0">
                 <a:ln w="0"/>
                 <a:solidFill>
                   <a:schemeClr val="bg1"/>
@@ -9164,10 +10208,10 @@
                   </a:outerShdw>
                 </a:effectLst>
               </a:rPr>
-              <a:t>id</a:t>
-            </a:r>
-            <a:r>
-              <a:rPr lang="ko-KR" altLang="en-US" sz="1500" dirty="0" smtClean="0">
+              <a:t>서</a:t>
+            </a:r>
+            <a:r>
+              <a:rPr lang="ko-KR" altLang="en-US" sz="2000" dirty="0" smtClean="0">
                 <a:ln w="0"/>
                 <a:solidFill>
                   <a:schemeClr val="bg1"/>
@@ -9180,9 +10224,9 @@
                   </a:outerShdw>
                 </a:effectLst>
               </a:rPr>
-              <a:t>값을 세션에서 가져와서</a:t>
-            </a:r>
-            <a:endParaRPr lang="en-US" altLang="ko-KR" sz="1500" dirty="0" smtClean="0">
+              <a:t> </a:t>
+            </a:r>
+            <a:endParaRPr lang="en-US" altLang="ko-KR" sz="2000" dirty="0" smtClean="0">
               <a:ln w="0"/>
               <a:solidFill>
                 <a:schemeClr val="bg1"/>
@@ -9199,7 +10243,7 @@
           <a:p>
             <a:pPr algn="ctr"/>
             <a:r>
-              <a:rPr lang="ko-KR" altLang="en-US" sz="1500" dirty="0" smtClean="0">
+              <a:rPr lang="ko-KR" altLang="en-US" sz="2000" dirty="0" smtClean="0">
                 <a:ln w="0"/>
                 <a:solidFill>
                   <a:schemeClr val="bg1"/>
@@ -9212,9 +10256,9 @@
                   </a:outerShdw>
                 </a:effectLst>
               </a:rPr>
-              <a:t>데이터베이스에 있을 경우 </a:t>
-            </a:r>
-            <a:endParaRPr lang="en-US" altLang="ko-KR" sz="1500" dirty="0" smtClean="0">
+              <a:t>입력한 값을 제거</a:t>
+            </a:r>
+            <a:endParaRPr lang="en-US" altLang="ko-KR" sz="2000" dirty="0">
               <a:ln w="0"/>
               <a:solidFill>
                 <a:schemeClr val="bg1"/>
@@ -9231,7 +10275,7 @@
           <a:p>
             <a:pPr algn="ctr"/>
             <a:r>
-              <a:rPr lang="ko-KR" altLang="en-US" sz="1500" dirty="0" smtClean="0">
+              <a:rPr lang="en-US" altLang="ko-KR" sz="2000" b="0" cap="none" spc="0" dirty="0" smtClean="0">
                 <a:ln w="0"/>
                 <a:solidFill>
                   <a:schemeClr val="bg1"/>
@@ -9244,7 +10288,39 @@
                   </a:outerShdw>
                 </a:effectLst>
               </a:rPr>
-              <a:t>회원의 정보를 수정하도록 설정</a:t>
+              <a:t>(</a:t>
+            </a:r>
+            <a:r>
+              <a:rPr lang="ko-KR" altLang="en-US" sz="2000" b="0" cap="none" spc="0" dirty="0" smtClean="0">
+                <a:ln w="0"/>
+                <a:solidFill>
+                  <a:schemeClr val="bg1"/>
+                </a:solidFill>
+                <a:effectLst>
+                  <a:outerShdw blurRad="38100" dist="19050" dir="2700000" algn="tl" rotWithShape="0">
+                    <a:schemeClr val="dk1">
+                      <a:alpha val="40000"/>
+                    </a:schemeClr>
+                  </a:outerShdw>
+                </a:effectLst>
+              </a:rPr>
+              <a:t>회원탈퇴</a:t>
+            </a:r>
+            <a:r>
+              <a:rPr lang="en-US" altLang="ko-KR" sz="2000" b="0" cap="none" spc="0" dirty="0" smtClean="0">
+                <a:ln w="0"/>
+                <a:solidFill>
+                  <a:schemeClr val="bg1"/>
+                </a:solidFill>
+                <a:effectLst>
+                  <a:outerShdw blurRad="38100" dist="19050" dir="2700000" algn="tl" rotWithShape="0">
+                    <a:schemeClr val="dk1">
+                      <a:alpha val="40000"/>
+                    </a:schemeClr>
+                  </a:outerShdw>
+                </a:effectLst>
+              </a:rPr>
+              <a:t>)</a:t>
             </a:r>
             <a:endParaRPr lang="en-US" altLang="ko-KR" sz="2000" b="0" cap="none" spc="0" dirty="0">
               <a:ln w="0"/>
@@ -9265,13 +10341,20 @@
     </p:spTree>
     <p:extLst>
       <p:ext uri="{BB962C8B-B14F-4D97-AF65-F5344CB8AC3E}">
-        <p14:creationId xmlns:p14="http://schemas.microsoft.com/office/powerpoint/2010/main" val="2569776632"/>
+        <p14:creationId xmlns:p14="http://schemas.microsoft.com/office/powerpoint/2010/main" val="1409960985"/>
       </p:ext>
     </p:extLst>
   </p:cSld>
   <p:clrMapOvr>
     <a:masterClrMapping/>
   </p:clrMapOvr>
+  <p:timing>
+    <p:tnLst>
+      <p:par>
+        <p:cTn id="1" dur="indefinite" restart="never" nodeType="tmRoot"/>
+      </p:par>
+    </p:tnLst>
+  </p:timing>
 </p:sld>
 </file>
 
@@ -9553,11 +10636,6 @@
               </a:rPr>
               <a:t>JQuery</a:t>
             </a:r>
-            <a:endParaRPr lang="en-US" altLang="ko-KR" dirty="0" smtClean="0">
-              <a:solidFill>
-                <a:schemeClr val="bg1"/>
-              </a:solidFill>
-            </a:endParaRPr>
           </a:p>
           <a:p>
             <a:pPr marL="171450" indent="-171450">
@@ -9600,11 +10678,6 @@
               </a:rPr>
               <a:t>Ajax</a:t>
             </a:r>
-            <a:endParaRPr lang="en-US" altLang="ko-KR" dirty="0" smtClean="0">
-              <a:solidFill>
-                <a:schemeClr val="bg1"/>
-              </a:solidFill>
-            </a:endParaRPr>
           </a:p>
         </p:txBody>
       </p:sp>
@@ -9625,6 +10698,2761 @@
       </p:par>
     </p:tnLst>
   </p:timing>
+</p:sld>
+</file>
+
+<file path=ppt/slides/slide20.xml><?xml version="1.0" encoding="utf-8"?>
+<p:sld xmlns:a="http://schemas.openxmlformats.org/drawingml/2006/main" xmlns:r="http://schemas.openxmlformats.org/officeDocument/2006/relationships" xmlns:p="http://schemas.openxmlformats.org/presentationml/2006/main">
+  <p:cSld>
+    <p:spTree>
+      <p:nvGrpSpPr>
+        <p:cNvPr id="1" name=""/>
+        <p:cNvGrpSpPr/>
+        <p:nvPr/>
+      </p:nvGrpSpPr>
+      <p:grpSpPr>
+        <a:xfrm>
+          <a:off x="0" y="0"/>
+          <a:ext cx="0" cy="0"/>
+          <a:chOff x="0" y="0"/>
+          <a:chExt cx="0" cy="0"/>
+        </a:xfrm>
+      </p:grpSpPr>
+      <p:pic>
+        <p:nvPicPr>
+          <p:cNvPr id="3" name="그림 2"/>
+          <p:cNvPicPr>
+            <a:picLocks noChangeAspect="1"/>
+          </p:cNvPicPr>
+          <p:nvPr/>
+        </p:nvPicPr>
+        <p:blipFill>
+          <a:blip r:embed="rId2"/>
+          <a:stretch>
+            <a:fillRect/>
+          </a:stretch>
+        </p:blipFill>
+        <p:spPr>
+          <a:xfrm>
+            <a:off x="323528" y="1059582"/>
+            <a:ext cx="4797351" cy="3964422"/>
+          </a:xfrm>
+          <a:prstGeom prst="rect">
+            <a:avLst/>
+          </a:prstGeom>
+        </p:spPr>
+      </p:pic>
+      <p:sp>
+        <p:nvSpPr>
+          <p:cNvPr id="2" name="텍스트 개체 틀 1"/>
+          <p:cNvSpPr>
+            <a:spLocks noGrp="1"/>
+          </p:cNvSpPr>
+          <p:nvPr>
+            <p:ph type="body" sz="quarter" idx="10"/>
+          </p:nvPr>
+        </p:nvSpPr>
+        <p:spPr/>
+        <p:txBody>
+          <a:bodyPr/>
+          <a:lstStyle/>
+          <a:p>
+            <a:r>
+              <a:rPr lang="en-US" altLang="ko-KR" dirty="0" err="1" smtClean="0"/>
+              <a:t>ProcessUpdate</a:t>
+            </a:r>
+            <a:endParaRPr lang="ko-KR" altLang="en-US" dirty="0"/>
+          </a:p>
+        </p:txBody>
+      </p:sp>
+      <p:sp>
+        <p:nvSpPr>
+          <p:cNvPr id="5" name="직사각형 4"/>
+          <p:cNvSpPr/>
+          <p:nvPr/>
+        </p:nvSpPr>
+        <p:spPr>
+          <a:xfrm>
+            <a:off x="4932040" y="1563638"/>
+            <a:ext cx="3975957" cy="2169825"/>
+          </a:xfrm>
+          <a:prstGeom prst="rect">
+            <a:avLst/>
+          </a:prstGeom>
+          <a:noFill/>
+        </p:spPr>
+        <p:txBody>
+          <a:bodyPr wrap="square" lIns="91440" tIns="45720" rIns="91440" bIns="45720">
+            <a:spAutoFit/>
+          </a:bodyPr>
+          <a:lstStyle/>
+          <a:p>
+            <a:pPr algn="ctr"/>
+            <a:r>
+              <a:rPr lang="ko-KR" altLang="en-US" sz="1500" dirty="0" smtClean="0">
+                <a:ln w="0"/>
+                <a:solidFill>
+                  <a:schemeClr val="bg1"/>
+                </a:solidFill>
+                <a:effectLst>
+                  <a:outerShdw blurRad="38100" dist="19050" dir="2700000" algn="tl" rotWithShape="0">
+                    <a:schemeClr val="dk1">
+                      <a:alpha val="40000"/>
+                    </a:schemeClr>
+                  </a:outerShdw>
+                </a:effectLst>
+              </a:rPr>
+              <a:t>회원수정에서 나눠지는 값들을</a:t>
+            </a:r>
+            <a:endParaRPr lang="en-US" altLang="ko-KR" sz="1500" dirty="0" smtClean="0">
+              <a:ln w="0"/>
+              <a:solidFill>
+                <a:schemeClr val="bg1"/>
+              </a:solidFill>
+              <a:effectLst>
+                <a:outerShdw blurRad="38100" dist="19050" dir="2700000" algn="tl" rotWithShape="0">
+                  <a:schemeClr val="dk1">
+                    <a:alpha val="40000"/>
+                  </a:schemeClr>
+                </a:outerShdw>
+              </a:effectLst>
+            </a:endParaRPr>
+          </a:p>
+          <a:p>
+            <a:pPr algn="ctr"/>
+            <a:r>
+              <a:rPr lang="en-US" altLang="ko-KR" sz="1500" dirty="0" smtClean="0">
+                <a:ln w="0"/>
+                <a:solidFill>
+                  <a:schemeClr val="bg1"/>
+                </a:solidFill>
+                <a:effectLst>
+                  <a:outerShdw blurRad="38100" dist="19050" dir="2700000" algn="tl" rotWithShape="0">
+                    <a:schemeClr val="dk1">
+                      <a:alpha val="40000"/>
+                    </a:schemeClr>
+                  </a:outerShdw>
+                </a:effectLst>
+              </a:rPr>
+              <a:t>DAO </a:t>
+            </a:r>
+            <a:r>
+              <a:rPr lang="ko-KR" altLang="en-US" sz="1500" dirty="0" smtClean="0">
+                <a:ln w="0"/>
+                <a:solidFill>
+                  <a:schemeClr val="bg1"/>
+                </a:solidFill>
+                <a:effectLst>
+                  <a:outerShdw blurRad="38100" dist="19050" dir="2700000" algn="tl" rotWithShape="0">
+                    <a:schemeClr val="dk1">
+                      <a:alpha val="40000"/>
+                    </a:schemeClr>
+                  </a:outerShdw>
+                </a:effectLst>
+              </a:rPr>
+              <a:t>에서 세분화 시켜 데이터를 처리</a:t>
+            </a:r>
+            <a:endParaRPr lang="en-US" altLang="ko-KR" sz="1500" dirty="0" smtClean="0">
+              <a:ln w="0"/>
+              <a:solidFill>
+                <a:schemeClr val="bg1"/>
+              </a:solidFill>
+              <a:effectLst>
+                <a:outerShdw blurRad="38100" dist="19050" dir="2700000" algn="tl" rotWithShape="0">
+                  <a:schemeClr val="dk1">
+                    <a:alpha val="40000"/>
+                  </a:schemeClr>
+                </a:outerShdw>
+              </a:effectLst>
+            </a:endParaRPr>
+          </a:p>
+          <a:p>
+            <a:pPr algn="ctr"/>
+            <a:endParaRPr lang="en-US" altLang="ko-KR" sz="1500" b="0" cap="none" spc="0" dirty="0">
+              <a:ln w="0"/>
+              <a:solidFill>
+                <a:schemeClr val="bg1"/>
+              </a:solidFill>
+              <a:effectLst>
+                <a:outerShdw blurRad="38100" dist="19050" dir="2700000" algn="tl" rotWithShape="0">
+                  <a:schemeClr val="dk1">
+                    <a:alpha val="40000"/>
+                  </a:schemeClr>
+                </a:outerShdw>
+              </a:effectLst>
+            </a:endParaRPr>
+          </a:p>
+          <a:p>
+            <a:pPr algn="ctr"/>
+            <a:r>
+              <a:rPr lang="en-US" altLang="ko-KR" sz="1500" dirty="0" smtClean="0">
+                <a:ln w="0"/>
+                <a:solidFill>
+                  <a:schemeClr val="bg1"/>
+                </a:solidFill>
+                <a:effectLst>
+                  <a:outerShdw blurRad="38100" dist="19050" dir="2700000" algn="tl" rotWithShape="0">
+                    <a:schemeClr val="dk1">
+                      <a:alpha val="40000"/>
+                    </a:schemeClr>
+                  </a:outerShdw>
+                </a:effectLst>
+              </a:rPr>
+              <a:t>All : </a:t>
+            </a:r>
+            <a:r>
+              <a:rPr lang="ko-KR" altLang="en-US" sz="1500" dirty="0" smtClean="0">
+                <a:ln w="0"/>
+                <a:solidFill>
+                  <a:schemeClr val="bg1"/>
+                </a:solidFill>
+                <a:effectLst>
+                  <a:outerShdw blurRad="38100" dist="19050" dir="2700000" algn="tl" rotWithShape="0">
+                    <a:schemeClr val="dk1">
+                      <a:alpha val="40000"/>
+                    </a:schemeClr>
+                  </a:outerShdw>
+                </a:effectLst>
+              </a:rPr>
+              <a:t>비밀번호와 이메일 변경</a:t>
+            </a:r>
+            <a:endParaRPr lang="en-US" altLang="ko-KR" sz="1500" dirty="0" smtClean="0">
+              <a:ln w="0"/>
+              <a:solidFill>
+                <a:schemeClr val="bg1"/>
+              </a:solidFill>
+              <a:effectLst>
+                <a:outerShdw blurRad="38100" dist="19050" dir="2700000" algn="tl" rotWithShape="0">
+                  <a:schemeClr val="dk1">
+                    <a:alpha val="40000"/>
+                  </a:schemeClr>
+                </a:outerShdw>
+              </a:effectLst>
+            </a:endParaRPr>
+          </a:p>
+          <a:p>
+            <a:pPr algn="ctr"/>
+            <a:r>
+              <a:rPr lang="en-US" altLang="ko-KR" sz="1500" b="0" cap="none" spc="0" dirty="0" smtClean="0">
+                <a:ln w="0"/>
+                <a:solidFill>
+                  <a:schemeClr val="bg1"/>
+                </a:solidFill>
+                <a:effectLst>
+                  <a:outerShdw blurRad="38100" dist="19050" dir="2700000" algn="tl" rotWithShape="0">
+                    <a:schemeClr val="dk1">
+                      <a:alpha val="40000"/>
+                    </a:schemeClr>
+                  </a:outerShdw>
+                </a:effectLst>
+              </a:rPr>
+              <a:t>Pw: </a:t>
+            </a:r>
+            <a:r>
+              <a:rPr lang="ko-KR" altLang="en-US" sz="1500" b="0" cap="none" spc="0" dirty="0" smtClean="0">
+                <a:ln w="0"/>
+                <a:solidFill>
+                  <a:schemeClr val="bg1"/>
+                </a:solidFill>
+                <a:effectLst>
+                  <a:outerShdw blurRad="38100" dist="19050" dir="2700000" algn="tl" rotWithShape="0">
+                    <a:schemeClr val="dk1">
+                      <a:alpha val="40000"/>
+                    </a:schemeClr>
+                  </a:outerShdw>
+                </a:effectLst>
+              </a:rPr>
+              <a:t>비밀번호 변경</a:t>
+            </a:r>
+            <a:endParaRPr lang="en-US" altLang="ko-KR" sz="1500" b="0" cap="none" spc="0" dirty="0" smtClean="0">
+              <a:ln w="0"/>
+              <a:solidFill>
+                <a:schemeClr val="bg1"/>
+              </a:solidFill>
+              <a:effectLst>
+                <a:outerShdw blurRad="38100" dist="19050" dir="2700000" algn="tl" rotWithShape="0">
+                  <a:schemeClr val="dk1">
+                    <a:alpha val="40000"/>
+                  </a:schemeClr>
+                </a:outerShdw>
+              </a:effectLst>
+            </a:endParaRPr>
+          </a:p>
+          <a:p>
+            <a:pPr algn="ctr"/>
+            <a:r>
+              <a:rPr lang="en-US" altLang="ko-KR" sz="1500" dirty="0" smtClean="0">
+                <a:ln w="0"/>
+                <a:solidFill>
+                  <a:schemeClr val="bg1"/>
+                </a:solidFill>
+                <a:effectLst>
+                  <a:outerShdw blurRad="38100" dist="19050" dir="2700000" algn="tl" rotWithShape="0">
+                    <a:schemeClr val="dk1">
+                      <a:alpha val="40000"/>
+                    </a:schemeClr>
+                  </a:outerShdw>
+                </a:effectLst>
+              </a:rPr>
+              <a:t>Mail: </a:t>
+            </a:r>
+            <a:r>
+              <a:rPr lang="ko-KR" altLang="en-US" sz="1500" dirty="0" smtClean="0">
+                <a:ln w="0"/>
+                <a:solidFill>
+                  <a:schemeClr val="bg1"/>
+                </a:solidFill>
+                <a:effectLst>
+                  <a:outerShdw blurRad="38100" dist="19050" dir="2700000" algn="tl" rotWithShape="0">
+                    <a:schemeClr val="dk1">
+                      <a:alpha val="40000"/>
+                    </a:schemeClr>
+                  </a:outerShdw>
+                </a:effectLst>
+              </a:rPr>
+              <a:t>이메일 변경</a:t>
+            </a:r>
+            <a:endParaRPr lang="en-US" altLang="ko-KR" sz="1500" dirty="0" smtClean="0">
+              <a:ln w="0"/>
+              <a:solidFill>
+                <a:schemeClr val="bg1"/>
+              </a:solidFill>
+              <a:effectLst>
+                <a:outerShdw blurRad="38100" dist="19050" dir="2700000" algn="tl" rotWithShape="0">
+                  <a:schemeClr val="dk1">
+                    <a:alpha val="40000"/>
+                  </a:schemeClr>
+                </a:outerShdw>
+              </a:effectLst>
+            </a:endParaRPr>
+          </a:p>
+          <a:p>
+            <a:pPr algn="ctr"/>
+            <a:endParaRPr lang="en-US" altLang="ko-KR" sz="1500" dirty="0">
+              <a:ln w="0"/>
+              <a:solidFill>
+                <a:schemeClr val="bg1"/>
+              </a:solidFill>
+              <a:effectLst>
+                <a:outerShdw blurRad="38100" dist="19050" dir="2700000" algn="tl" rotWithShape="0">
+                  <a:schemeClr val="dk1">
+                    <a:alpha val="40000"/>
+                  </a:schemeClr>
+                </a:outerShdw>
+              </a:effectLst>
+            </a:endParaRPr>
+          </a:p>
+          <a:p>
+            <a:pPr marL="285750" indent="-285750" algn="ctr">
+              <a:buFont typeface="Wingdings" panose="05000000000000000000" pitchFamily="2" charset="2"/>
+              <a:buChar char="à"/>
+            </a:pPr>
+            <a:r>
+              <a:rPr lang="en-US" altLang="ko-KR" sz="1500" dirty="0" smtClean="0">
+                <a:ln w="0"/>
+                <a:solidFill>
+                  <a:schemeClr val="bg1"/>
+                </a:solidFill>
+                <a:effectLst>
+                  <a:outerShdw blurRad="38100" dist="19050" dir="2700000" algn="tl" rotWithShape="0">
+                    <a:schemeClr val="dk1">
+                      <a:alpha val="40000"/>
+                    </a:schemeClr>
+                  </a:outerShdw>
+                </a:effectLst>
+                <a:sym typeface="Wingdings" panose="05000000000000000000" pitchFamily="2" charset="2"/>
+              </a:rPr>
+              <a:t>PW </a:t>
+            </a:r>
+            <a:r>
+              <a:rPr lang="ko-KR" altLang="en-US" sz="1500" dirty="0" smtClean="0">
+                <a:ln w="0"/>
+                <a:solidFill>
+                  <a:schemeClr val="bg1"/>
+                </a:solidFill>
+                <a:effectLst>
+                  <a:outerShdw blurRad="38100" dist="19050" dir="2700000" algn="tl" rotWithShape="0">
+                    <a:schemeClr val="dk1">
+                      <a:alpha val="40000"/>
+                    </a:schemeClr>
+                  </a:outerShdw>
+                </a:effectLst>
+                <a:sym typeface="Wingdings" panose="05000000000000000000" pitchFamily="2" charset="2"/>
+              </a:rPr>
+              <a:t>와 </a:t>
+            </a:r>
+            <a:r>
+              <a:rPr lang="en-US" altLang="ko-KR" sz="1500" dirty="0" smtClean="0">
+                <a:ln w="0"/>
+                <a:solidFill>
+                  <a:schemeClr val="bg1"/>
+                </a:solidFill>
+                <a:effectLst>
+                  <a:outerShdw blurRad="38100" dist="19050" dir="2700000" algn="tl" rotWithShape="0">
+                    <a:schemeClr val="dk1">
+                      <a:alpha val="40000"/>
+                    </a:schemeClr>
+                  </a:outerShdw>
+                </a:effectLst>
+                <a:sym typeface="Wingdings" panose="05000000000000000000" pitchFamily="2" charset="2"/>
+              </a:rPr>
+              <a:t>Mail</a:t>
+            </a:r>
+            <a:r>
+              <a:rPr lang="ko-KR" altLang="en-US" sz="1500" dirty="0" smtClean="0">
+                <a:ln w="0"/>
+                <a:solidFill>
+                  <a:schemeClr val="bg1"/>
+                </a:solidFill>
+                <a:effectLst>
+                  <a:outerShdw blurRad="38100" dist="19050" dir="2700000" algn="tl" rotWithShape="0">
+                    <a:schemeClr val="dk1">
+                      <a:alpha val="40000"/>
+                    </a:schemeClr>
+                  </a:outerShdw>
+                </a:effectLst>
+                <a:sym typeface="Wingdings" panose="05000000000000000000" pitchFamily="2" charset="2"/>
+              </a:rPr>
+              <a:t>의 정보는 필요하기 때문에</a:t>
+            </a:r>
+            <a:endParaRPr lang="en-US" altLang="ko-KR" sz="1500" dirty="0" smtClean="0">
+              <a:ln w="0"/>
+              <a:solidFill>
+                <a:schemeClr val="bg1"/>
+              </a:solidFill>
+              <a:effectLst>
+                <a:outerShdw blurRad="38100" dist="19050" dir="2700000" algn="tl" rotWithShape="0">
+                  <a:schemeClr val="dk1">
+                    <a:alpha val="40000"/>
+                  </a:schemeClr>
+                </a:outerShdw>
+              </a:effectLst>
+              <a:sym typeface="Wingdings" panose="05000000000000000000" pitchFamily="2" charset="2"/>
+            </a:endParaRPr>
+          </a:p>
+          <a:p>
+            <a:pPr algn="ctr"/>
+            <a:r>
+              <a:rPr lang="ko-KR" altLang="en-US" sz="1500" dirty="0" smtClean="0">
+                <a:ln w="0"/>
+                <a:solidFill>
+                  <a:schemeClr val="bg1"/>
+                </a:solidFill>
+                <a:effectLst>
+                  <a:outerShdw blurRad="38100" dist="19050" dir="2700000" algn="tl" rotWithShape="0">
+                    <a:schemeClr val="dk1">
+                      <a:alpha val="40000"/>
+                    </a:schemeClr>
+                  </a:outerShdw>
+                </a:effectLst>
+                <a:sym typeface="Wingdings" panose="05000000000000000000" pitchFamily="2" charset="2"/>
+              </a:rPr>
+              <a:t>각 </a:t>
+            </a:r>
+            <a:r>
+              <a:rPr lang="ko-KR" altLang="en-US" sz="1500" dirty="0" err="1" smtClean="0">
+                <a:ln w="0"/>
+                <a:solidFill>
+                  <a:schemeClr val="bg1"/>
+                </a:solidFill>
+                <a:effectLst>
+                  <a:outerShdw blurRad="38100" dist="19050" dir="2700000" algn="tl" rotWithShape="0">
+                    <a:schemeClr val="dk1">
+                      <a:alpha val="40000"/>
+                    </a:schemeClr>
+                  </a:outerShdw>
+                </a:effectLst>
+                <a:sym typeface="Wingdings" panose="05000000000000000000" pitchFamily="2" charset="2"/>
+              </a:rPr>
+              <a:t>각</a:t>
+            </a:r>
+            <a:r>
+              <a:rPr lang="ko-KR" altLang="en-US" sz="1500" dirty="0" smtClean="0">
+                <a:ln w="0"/>
+                <a:solidFill>
+                  <a:schemeClr val="bg1"/>
+                </a:solidFill>
+                <a:effectLst>
+                  <a:outerShdw blurRad="38100" dist="19050" dir="2700000" algn="tl" rotWithShape="0">
+                    <a:schemeClr val="dk1">
+                      <a:alpha val="40000"/>
+                    </a:schemeClr>
+                  </a:outerShdw>
+                </a:effectLst>
+                <a:sym typeface="Wingdings" panose="05000000000000000000" pitchFamily="2" charset="2"/>
+              </a:rPr>
+              <a:t> 데이터 처리를 해줌</a:t>
+            </a:r>
+            <a:endParaRPr lang="en-US" altLang="ko-KR" sz="1500" dirty="0" smtClean="0">
+              <a:ln w="0"/>
+              <a:solidFill>
+                <a:schemeClr val="bg1"/>
+              </a:solidFill>
+              <a:effectLst>
+                <a:outerShdw blurRad="38100" dist="19050" dir="2700000" algn="tl" rotWithShape="0">
+                  <a:schemeClr val="dk1">
+                    <a:alpha val="40000"/>
+                  </a:schemeClr>
+                </a:outerShdw>
+              </a:effectLst>
+              <a:sym typeface="Wingdings" panose="05000000000000000000" pitchFamily="2" charset="2"/>
+            </a:endParaRPr>
+          </a:p>
+        </p:txBody>
+      </p:sp>
+    </p:spTree>
+    <p:extLst>
+      <p:ext uri="{BB962C8B-B14F-4D97-AF65-F5344CB8AC3E}">
+        <p14:creationId xmlns:p14="http://schemas.microsoft.com/office/powerpoint/2010/main" val="4142921340"/>
+      </p:ext>
+    </p:extLst>
+  </p:cSld>
+  <p:clrMapOvr>
+    <a:masterClrMapping/>
+  </p:clrMapOvr>
+  <p:timing>
+    <p:tnLst>
+      <p:par>
+        <p:cTn id="1" dur="indefinite" restart="never" nodeType="tmRoot"/>
+      </p:par>
+    </p:tnLst>
+  </p:timing>
+</p:sld>
+</file>
+
+<file path=ppt/slides/slide21.xml><?xml version="1.0" encoding="utf-8"?>
+<p:sld xmlns:a="http://schemas.openxmlformats.org/drawingml/2006/main" xmlns:r="http://schemas.openxmlformats.org/officeDocument/2006/relationships" xmlns:p="http://schemas.openxmlformats.org/presentationml/2006/main">
+  <p:cSld>
+    <p:spTree>
+      <p:nvGrpSpPr>
+        <p:cNvPr id="1" name=""/>
+        <p:cNvGrpSpPr/>
+        <p:nvPr/>
+      </p:nvGrpSpPr>
+      <p:grpSpPr>
+        <a:xfrm>
+          <a:off x="0" y="0"/>
+          <a:ext cx="0" cy="0"/>
+          <a:chOff x="0" y="0"/>
+          <a:chExt cx="0" cy="0"/>
+        </a:xfrm>
+      </p:grpSpPr>
+      <p:pic>
+        <p:nvPicPr>
+          <p:cNvPr id="4" name="그림 3"/>
+          <p:cNvPicPr>
+            <a:picLocks noChangeAspect="1"/>
+          </p:cNvPicPr>
+          <p:nvPr/>
+        </p:nvPicPr>
+        <p:blipFill>
+          <a:blip r:embed="rId2"/>
+          <a:stretch>
+            <a:fillRect/>
+          </a:stretch>
+        </p:blipFill>
+        <p:spPr>
+          <a:xfrm>
+            <a:off x="323528" y="1059582"/>
+            <a:ext cx="6298748" cy="3024336"/>
+          </a:xfrm>
+          <a:prstGeom prst="rect">
+            <a:avLst/>
+          </a:prstGeom>
+        </p:spPr>
+      </p:pic>
+      <p:sp>
+        <p:nvSpPr>
+          <p:cNvPr id="2" name="텍스트 개체 틀 1"/>
+          <p:cNvSpPr>
+            <a:spLocks noGrp="1"/>
+          </p:cNvSpPr>
+          <p:nvPr>
+            <p:ph type="body" sz="quarter" idx="10"/>
+          </p:nvPr>
+        </p:nvSpPr>
+        <p:spPr/>
+        <p:txBody>
+          <a:bodyPr/>
+          <a:lstStyle/>
+          <a:p>
+            <a:r>
+              <a:rPr lang="en-US" altLang="ko-KR" dirty="0" smtClean="0"/>
+              <a:t>DAO (</a:t>
+            </a:r>
+            <a:r>
+              <a:rPr lang="en-US" altLang="ko-KR" dirty="0" err="1" smtClean="0"/>
+              <a:t>UpdateMemberCheck</a:t>
+            </a:r>
+            <a:r>
+              <a:rPr lang="en-US" altLang="ko-KR" dirty="0" smtClean="0"/>
+              <a:t>)</a:t>
+            </a:r>
+            <a:endParaRPr lang="ko-KR" altLang="en-US" dirty="0"/>
+          </a:p>
+        </p:txBody>
+      </p:sp>
+      <p:sp>
+        <p:nvSpPr>
+          <p:cNvPr id="5" name="직사각형 4"/>
+          <p:cNvSpPr/>
+          <p:nvPr/>
+        </p:nvSpPr>
+        <p:spPr>
+          <a:xfrm>
+            <a:off x="5868144" y="1131590"/>
+            <a:ext cx="3975957" cy="1246495"/>
+          </a:xfrm>
+          <a:prstGeom prst="rect">
+            <a:avLst/>
+          </a:prstGeom>
+          <a:noFill/>
+        </p:spPr>
+        <p:txBody>
+          <a:bodyPr wrap="square" lIns="91440" tIns="45720" rIns="91440" bIns="45720">
+            <a:spAutoFit/>
+          </a:bodyPr>
+          <a:lstStyle/>
+          <a:p>
+            <a:pPr algn="ctr"/>
+            <a:r>
+              <a:rPr lang="ko-KR" altLang="en-US" sz="1500" dirty="0" smtClean="0">
+                <a:ln w="0"/>
+                <a:solidFill>
+                  <a:schemeClr val="bg1"/>
+                </a:solidFill>
+                <a:effectLst>
+                  <a:outerShdw blurRad="38100" dist="19050" dir="2700000" algn="tl" rotWithShape="0">
+                    <a:schemeClr val="dk1">
+                      <a:alpha val="40000"/>
+                    </a:schemeClr>
+                  </a:outerShdw>
+                </a:effectLst>
+                <a:sym typeface="Wingdings" panose="05000000000000000000" pitchFamily="2" charset="2"/>
+              </a:rPr>
+              <a:t>회원 정보 수정을 위해</a:t>
+            </a:r>
+            <a:endParaRPr lang="en-US" altLang="ko-KR" sz="1500" dirty="0" smtClean="0">
+              <a:ln w="0"/>
+              <a:solidFill>
+                <a:schemeClr val="bg1"/>
+              </a:solidFill>
+              <a:effectLst>
+                <a:outerShdw blurRad="38100" dist="19050" dir="2700000" algn="tl" rotWithShape="0">
+                  <a:schemeClr val="dk1">
+                    <a:alpha val="40000"/>
+                  </a:schemeClr>
+                </a:outerShdw>
+              </a:effectLst>
+              <a:sym typeface="Wingdings" panose="05000000000000000000" pitchFamily="2" charset="2"/>
+            </a:endParaRPr>
+          </a:p>
+          <a:p>
+            <a:pPr algn="ctr"/>
+            <a:endParaRPr lang="en-US" altLang="ko-KR" sz="1500" dirty="0">
+              <a:ln w="0"/>
+              <a:solidFill>
+                <a:schemeClr val="bg1"/>
+              </a:solidFill>
+              <a:effectLst>
+                <a:outerShdw blurRad="38100" dist="19050" dir="2700000" algn="tl" rotWithShape="0">
+                  <a:schemeClr val="dk1">
+                    <a:alpha val="40000"/>
+                  </a:schemeClr>
+                </a:outerShdw>
+              </a:effectLst>
+              <a:sym typeface="Wingdings" panose="05000000000000000000" pitchFamily="2" charset="2"/>
+            </a:endParaRPr>
+          </a:p>
+          <a:p>
+            <a:pPr algn="ctr"/>
+            <a:r>
+              <a:rPr lang="ko-KR" altLang="en-US" sz="1500" dirty="0" smtClean="0">
+                <a:ln w="0"/>
+                <a:solidFill>
+                  <a:schemeClr val="bg1"/>
+                </a:solidFill>
+                <a:effectLst>
+                  <a:outerShdw blurRad="38100" dist="19050" dir="2700000" algn="tl" rotWithShape="0">
+                    <a:schemeClr val="dk1">
+                      <a:alpha val="40000"/>
+                    </a:schemeClr>
+                  </a:outerShdw>
+                </a:effectLst>
+                <a:sym typeface="Wingdings" panose="05000000000000000000" pitchFamily="2" charset="2"/>
+              </a:rPr>
+              <a:t>데이터베이스에서</a:t>
+            </a:r>
+            <a:endParaRPr lang="en-US" altLang="ko-KR" sz="1500" dirty="0" smtClean="0">
+              <a:ln w="0"/>
+              <a:solidFill>
+                <a:schemeClr val="bg1"/>
+              </a:solidFill>
+              <a:effectLst>
+                <a:outerShdw blurRad="38100" dist="19050" dir="2700000" algn="tl" rotWithShape="0">
+                  <a:schemeClr val="dk1">
+                    <a:alpha val="40000"/>
+                  </a:schemeClr>
+                </a:outerShdw>
+              </a:effectLst>
+              <a:sym typeface="Wingdings" panose="05000000000000000000" pitchFamily="2" charset="2"/>
+            </a:endParaRPr>
+          </a:p>
+          <a:p>
+            <a:pPr algn="ctr"/>
+            <a:endParaRPr lang="en-US" altLang="ko-KR" sz="1500" dirty="0" smtClean="0">
+              <a:ln w="0"/>
+              <a:solidFill>
+                <a:schemeClr val="bg1"/>
+              </a:solidFill>
+              <a:effectLst>
+                <a:outerShdw blurRad="38100" dist="19050" dir="2700000" algn="tl" rotWithShape="0">
+                  <a:schemeClr val="dk1">
+                    <a:alpha val="40000"/>
+                  </a:schemeClr>
+                </a:outerShdw>
+              </a:effectLst>
+              <a:sym typeface="Wingdings" panose="05000000000000000000" pitchFamily="2" charset="2"/>
+            </a:endParaRPr>
+          </a:p>
+          <a:p>
+            <a:pPr algn="ctr"/>
+            <a:r>
+              <a:rPr lang="ko-KR" altLang="en-US" sz="1500" dirty="0" smtClean="0">
+                <a:ln w="0"/>
+                <a:solidFill>
+                  <a:schemeClr val="bg1"/>
+                </a:solidFill>
+                <a:effectLst>
+                  <a:outerShdw blurRad="38100" dist="19050" dir="2700000" algn="tl" rotWithShape="0">
+                    <a:schemeClr val="dk1">
+                      <a:alpha val="40000"/>
+                    </a:schemeClr>
+                  </a:outerShdw>
+                </a:effectLst>
+                <a:sym typeface="Wingdings" panose="05000000000000000000" pitchFamily="2" charset="2"/>
+              </a:rPr>
+              <a:t>회원이 있는지 확인</a:t>
+            </a:r>
+            <a:endParaRPr lang="en-US" altLang="ko-KR" sz="1500" dirty="0" smtClean="0">
+              <a:ln w="0"/>
+              <a:solidFill>
+                <a:schemeClr val="bg1"/>
+              </a:solidFill>
+              <a:effectLst>
+                <a:outerShdw blurRad="38100" dist="19050" dir="2700000" algn="tl" rotWithShape="0">
+                  <a:schemeClr val="dk1">
+                    <a:alpha val="40000"/>
+                  </a:schemeClr>
+                </a:outerShdw>
+              </a:effectLst>
+              <a:sym typeface="Wingdings" panose="05000000000000000000" pitchFamily="2" charset="2"/>
+            </a:endParaRPr>
+          </a:p>
+        </p:txBody>
+      </p:sp>
+    </p:spTree>
+    <p:extLst>
+      <p:ext uri="{BB962C8B-B14F-4D97-AF65-F5344CB8AC3E}">
+        <p14:creationId xmlns:p14="http://schemas.microsoft.com/office/powerpoint/2010/main" val="2512683259"/>
+      </p:ext>
+    </p:extLst>
+  </p:cSld>
+  <p:clrMapOvr>
+    <a:masterClrMapping/>
+  </p:clrMapOvr>
+  <p:timing>
+    <p:tnLst>
+      <p:par>
+        <p:cTn id="1" dur="indefinite" restart="never" nodeType="tmRoot"/>
+      </p:par>
+    </p:tnLst>
+  </p:timing>
+</p:sld>
+</file>
+
+<file path=ppt/slides/slide22.xml><?xml version="1.0" encoding="utf-8"?>
+<p:sld xmlns:a="http://schemas.openxmlformats.org/drawingml/2006/main" xmlns:r="http://schemas.openxmlformats.org/officeDocument/2006/relationships" xmlns:p="http://schemas.openxmlformats.org/presentationml/2006/main">
+  <p:cSld>
+    <p:spTree>
+      <p:nvGrpSpPr>
+        <p:cNvPr id="1" name=""/>
+        <p:cNvGrpSpPr/>
+        <p:nvPr/>
+      </p:nvGrpSpPr>
+      <p:grpSpPr>
+        <a:xfrm>
+          <a:off x="0" y="0"/>
+          <a:ext cx="0" cy="0"/>
+          <a:chOff x="0" y="0"/>
+          <a:chExt cx="0" cy="0"/>
+        </a:xfrm>
+      </p:grpSpPr>
+      <p:sp>
+        <p:nvSpPr>
+          <p:cNvPr id="2" name="텍스트 개체 틀 1"/>
+          <p:cNvSpPr>
+            <a:spLocks noGrp="1"/>
+          </p:cNvSpPr>
+          <p:nvPr>
+            <p:ph type="body" sz="quarter" idx="10"/>
+          </p:nvPr>
+        </p:nvSpPr>
+        <p:spPr/>
+        <p:txBody>
+          <a:bodyPr/>
+          <a:lstStyle/>
+          <a:p>
+            <a:r>
+              <a:rPr lang="en-US" altLang="ko-KR" dirty="0" err="1" smtClean="0"/>
+              <a:t>DramaDAO</a:t>
+            </a:r>
+            <a:r>
+              <a:rPr lang="en-US" altLang="ko-KR" dirty="0" smtClean="0"/>
+              <a:t> (</a:t>
+            </a:r>
+            <a:r>
+              <a:rPr lang="en-US" altLang="ko-KR" dirty="0" err="1" smtClean="0"/>
+              <a:t>UpdateMember</a:t>
+            </a:r>
+            <a:r>
+              <a:rPr lang="en-US" altLang="ko-KR" dirty="0" smtClean="0"/>
+              <a:t>)</a:t>
+            </a:r>
+            <a:endParaRPr lang="ko-KR" altLang="en-US" dirty="0"/>
+          </a:p>
+        </p:txBody>
+      </p:sp>
+      <p:sp>
+        <p:nvSpPr>
+          <p:cNvPr id="5" name="직사각형 4"/>
+          <p:cNvSpPr/>
+          <p:nvPr/>
+        </p:nvSpPr>
+        <p:spPr>
+          <a:xfrm>
+            <a:off x="5940152" y="1995686"/>
+            <a:ext cx="3975957" cy="784830"/>
+          </a:xfrm>
+          <a:prstGeom prst="rect">
+            <a:avLst/>
+          </a:prstGeom>
+          <a:noFill/>
+        </p:spPr>
+        <p:txBody>
+          <a:bodyPr wrap="square" lIns="91440" tIns="45720" rIns="91440" bIns="45720">
+            <a:spAutoFit/>
+          </a:bodyPr>
+          <a:lstStyle/>
+          <a:p>
+            <a:pPr algn="ctr"/>
+            <a:r>
+              <a:rPr lang="ko-KR" altLang="en-US" sz="1500" dirty="0" smtClean="0">
+                <a:ln w="0"/>
+                <a:solidFill>
+                  <a:schemeClr val="bg1"/>
+                </a:solidFill>
+                <a:effectLst>
+                  <a:outerShdw blurRad="38100" dist="19050" dir="2700000" algn="tl" rotWithShape="0">
+                    <a:schemeClr val="dk1">
+                      <a:alpha val="40000"/>
+                    </a:schemeClr>
+                  </a:outerShdw>
+                </a:effectLst>
+                <a:sym typeface="Wingdings" panose="05000000000000000000" pitchFamily="2" charset="2"/>
+              </a:rPr>
+              <a:t>비밀번호와 이메일 값의</a:t>
+            </a:r>
+            <a:endParaRPr lang="en-US" altLang="ko-KR" sz="1500" dirty="0" smtClean="0">
+              <a:ln w="0"/>
+              <a:solidFill>
+                <a:schemeClr val="bg1"/>
+              </a:solidFill>
+              <a:effectLst>
+                <a:outerShdw blurRad="38100" dist="19050" dir="2700000" algn="tl" rotWithShape="0">
+                  <a:schemeClr val="dk1">
+                    <a:alpha val="40000"/>
+                  </a:schemeClr>
+                </a:outerShdw>
+              </a:effectLst>
+              <a:sym typeface="Wingdings" panose="05000000000000000000" pitchFamily="2" charset="2"/>
+            </a:endParaRPr>
+          </a:p>
+          <a:p>
+            <a:pPr algn="ctr"/>
+            <a:r>
+              <a:rPr lang="ko-KR" altLang="en-US" sz="1500" dirty="0" smtClean="0">
+                <a:ln w="0"/>
+                <a:solidFill>
+                  <a:schemeClr val="bg1"/>
+                </a:solidFill>
+                <a:effectLst>
+                  <a:outerShdw blurRad="38100" dist="19050" dir="2700000" algn="tl" rotWithShape="0">
+                    <a:schemeClr val="dk1">
+                      <a:alpha val="40000"/>
+                    </a:schemeClr>
+                  </a:outerShdw>
+                </a:effectLst>
+                <a:sym typeface="Wingdings" panose="05000000000000000000" pitchFamily="2" charset="2"/>
+              </a:rPr>
+              <a:t>데이터 정보를</a:t>
+            </a:r>
+            <a:endParaRPr lang="en-US" altLang="ko-KR" sz="1500" dirty="0" smtClean="0">
+              <a:ln w="0"/>
+              <a:solidFill>
+                <a:schemeClr val="bg1"/>
+              </a:solidFill>
+              <a:effectLst>
+                <a:outerShdw blurRad="38100" dist="19050" dir="2700000" algn="tl" rotWithShape="0">
+                  <a:schemeClr val="dk1">
+                    <a:alpha val="40000"/>
+                  </a:schemeClr>
+                </a:outerShdw>
+              </a:effectLst>
+              <a:sym typeface="Wingdings" panose="05000000000000000000" pitchFamily="2" charset="2"/>
+            </a:endParaRPr>
+          </a:p>
+          <a:p>
+            <a:pPr algn="ctr"/>
+            <a:r>
+              <a:rPr lang="ko-KR" altLang="en-US" sz="1500" dirty="0" smtClean="0">
+                <a:ln w="0"/>
+                <a:solidFill>
+                  <a:schemeClr val="bg1"/>
+                </a:solidFill>
+                <a:effectLst>
+                  <a:outerShdw blurRad="38100" dist="19050" dir="2700000" algn="tl" rotWithShape="0">
+                    <a:schemeClr val="dk1">
+                      <a:alpha val="40000"/>
+                    </a:schemeClr>
+                  </a:outerShdw>
+                </a:effectLst>
+                <a:sym typeface="Wingdings" panose="05000000000000000000" pitchFamily="2" charset="2"/>
+              </a:rPr>
+              <a:t>처리하는 코드</a:t>
+            </a:r>
+            <a:endParaRPr lang="en-US" altLang="ko-KR" sz="1500" dirty="0" smtClean="0">
+              <a:ln w="0"/>
+              <a:solidFill>
+                <a:schemeClr val="bg1"/>
+              </a:solidFill>
+              <a:effectLst>
+                <a:outerShdw blurRad="38100" dist="19050" dir="2700000" algn="tl" rotWithShape="0">
+                  <a:schemeClr val="dk1">
+                    <a:alpha val="40000"/>
+                  </a:schemeClr>
+                </a:outerShdw>
+              </a:effectLst>
+              <a:sym typeface="Wingdings" panose="05000000000000000000" pitchFamily="2" charset="2"/>
+            </a:endParaRPr>
+          </a:p>
+        </p:txBody>
+      </p:sp>
+      <p:pic>
+        <p:nvPicPr>
+          <p:cNvPr id="3" name="그림 2"/>
+          <p:cNvPicPr>
+            <a:picLocks noChangeAspect="1"/>
+          </p:cNvPicPr>
+          <p:nvPr/>
+        </p:nvPicPr>
+        <p:blipFill>
+          <a:blip r:embed="rId2"/>
+          <a:stretch>
+            <a:fillRect/>
+          </a:stretch>
+        </p:blipFill>
+        <p:spPr>
+          <a:xfrm>
+            <a:off x="179513" y="1131591"/>
+            <a:ext cx="6673858" cy="3024336"/>
+          </a:xfrm>
+          <a:prstGeom prst="rect">
+            <a:avLst/>
+          </a:prstGeom>
+        </p:spPr>
+      </p:pic>
+    </p:spTree>
+    <p:extLst>
+      <p:ext uri="{BB962C8B-B14F-4D97-AF65-F5344CB8AC3E}">
+        <p14:creationId xmlns:p14="http://schemas.microsoft.com/office/powerpoint/2010/main" val="3242848046"/>
+      </p:ext>
+    </p:extLst>
+  </p:cSld>
+  <p:clrMapOvr>
+    <a:masterClrMapping/>
+  </p:clrMapOvr>
+  <p:timing>
+    <p:tnLst>
+      <p:par>
+        <p:cTn id="1" dur="indefinite" restart="never" nodeType="tmRoot"/>
+      </p:par>
+    </p:tnLst>
+  </p:timing>
+</p:sld>
+</file>
+
+<file path=ppt/slides/slide23.xml><?xml version="1.0" encoding="utf-8"?>
+<p:sld xmlns:a="http://schemas.openxmlformats.org/drawingml/2006/main" xmlns:r="http://schemas.openxmlformats.org/officeDocument/2006/relationships" xmlns:p="http://schemas.openxmlformats.org/presentationml/2006/main">
+  <p:cSld>
+    <p:spTree>
+      <p:nvGrpSpPr>
+        <p:cNvPr id="1" name=""/>
+        <p:cNvGrpSpPr/>
+        <p:nvPr/>
+      </p:nvGrpSpPr>
+      <p:grpSpPr>
+        <a:xfrm>
+          <a:off x="0" y="0"/>
+          <a:ext cx="0" cy="0"/>
+          <a:chOff x="0" y="0"/>
+          <a:chExt cx="0" cy="0"/>
+        </a:xfrm>
+      </p:grpSpPr>
+      <p:pic>
+        <p:nvPicPr>
+          <p:cNvPr id="4" name="그림 3"/>
+          <p:cNvPicPr>
+            <a:picLocks noChangeAspect="1"/>
+          </p:cNvPicPr>
+          <p:nvPr/>
+        </p:nvPicPr>
+        <p:blipFill>
+          <a:blip r:embed="rId2"/>
+          <a:stretch>
+            <a:fillRect/>
+          </a:stretch>
+        </p:blipFill>
+        <p:spPr>
+          <a:xfrm>
+            <a:off x="251520" y="1059582"/>
+            <a:ext cx="6720612" cy="2736304"/>
+          </a:xfrm>
+          <a:prstGeom prst="rect">
+            <a:avLst/>
+          </a:prstGeom>
+        </p:spPr>
+      </p:pic>
+      <p:sp>
+        <p:nvSpPr>
+          <p:cNvPr id="2" name="텍스트 개체 틀 1"/>
+          <p:cNvSpPr>
+            <a:spLocks noGrp="1"/>
+          </p:cNvSpPr>
+          <p:nvPr>
+            <p:ph type="body" sz="quarter" idx="10"/>
+          </p:nvPr>
+        </p:nvSpPr>
+        <p:spPr/>
+        <p:txBody>
+          <a:bodyPr/>
+          <a:lstStyle/>
+          <a:p>
+            <a:r>
+              <a:rPr lang="en-US" altLang="ko-KR" dirty="0" smtClean="0"/>
+              <a:t>DAO (</a:t>
+            </a:r>
+            <a:r>
+              <a:rPr lang="en-US" altLang="ko-KR" dirty="0" err="1" smtClean="0"/>
+              <a:t>UpdateMailMember</a:t>
+            </a:r>
+            <a:r>
+              <a:rPr lang="en-US" altLang="ko-KR" dirty="0" smtClean="0"/>
+              <a:t>)</a:t>
+            </a:r>
+            <a:endParaRPr lang="ko-KR" altLang="en-US" dirty="0"/>
+          </a:p>
+        </p:txBody>
+      </p:sp>
+      <p:sp>
+        <p:nvSpPr>
+          <p:cNvPr id="5" name="직사각형 4"/>
+          <p:cNvSpPr/>
+          <p:nvPr/>
+        </p:nvSpPr>
+        <p:spPr>
+          <a:xfrm>
+            <a:off x="6012160" y="1563638"/>
+            <a:ext cx="3975957" cy="784830"/>
+          </a:xfrm>
+          <a:prstGeom prst="rect">
+            <a:avLst/>
+          </a:prstGeom>
+          <a:noFill/>
+        </p:spPr>
+        <p:txBody>
+          <a:bodyPr wrap="square" lIns="91440" tIns="45720" rIns="91440" bIns="45720">
+            <a:spAutoFit/>
+          </a:bodyPr>
+          <a:lstStyle/>
+          <a:p>
+            <a:pPr algn="ctr"/>
+            <a:r>
+              <a:rPr lang="ko-KR" altLang="en-US" sz="1500" dirty="0" smtClean="0">
+                <a:ln w="0"/>
+                <a:solidFill>
+                  <a:schemeClr val="bg1"/>
+                </a:solidFill>
+                <a:effectLst>
+                  <a:outerShdw blurRad="38100" dist="19050" dir="2700000" algn="tl" rotWithShape="0">
+                    <a:schemeClr val="dk1">
+                      <a:alpha val="40000"/>
+                    </a:schemeClr>
+                  </a:outerShdw>
+                </a:effectLst>
+                <a:sym typeface="Wingdings" panose="05000000000000000000" pitchFamily="2" charset="2"/>
+              </a:rPr>
+              <a:t>이메일 값의</a:t>
+            </a:r>
+            <a:endParaRPr lang="en-US" altLang="ko-KR" sz="1500" dirty="0" smtClean="0">
+              <a:ln w="0"/>
+              <a:solidFill>
+                <a:schemeClr val="bg1"/>
+              </a:solidFill>
+              <a:effectLst>
+                <a:outerShdw blurRad="38100" dist="19050" dir="2700000" algn="tl" rotWithShape="0">
+                  <a:schemeClr val="dk1">
+                    <a:alpha val="40000"/>
+                  </a:schemeClr>
+                </a:outerShdw>
+              </a:effectLst>
+              <a:sym typeface="Wingdings" panose="05000000000000000000" pitchFamily="2" charset="2"/>
+            </a:endParaRPr>
+          </a:p>
+          <a:p>
+            <a:pPr algn="ctr"/>
+            <a:r>
+              <a:rPr lang="ko-KR" altLang="en-US" sz="1500" dirty="0" smtClean="0">
+                <a:ln w="0"/>
+                <a:solidFill>
+                  <a:schemeClr val="bg1"/>
+                </a:solidFill>
+                <a:effectLst>
+                  <a:outerShdw blurRad="38100" dist="19050" dir="2700000" algn="tl" rotWithShape="0">
+                    <a:schemeClr val="dk1">
+                      <a:alpha val="40000"/>
+                    </a:schemeClr>
+                  </a:outerShdw>
+                </a:effectLst>
+                <a:sym typeface="Wingdings" panose="05000000000000000000" pitchFamily="2" charset="2"/>
+              </a:rPr>
+              <a:t>데이터 정보를</a:t>
+            </a:r>
+            <a:endParaRPr lang="en-US" altLang="ko-KR" sz="1500" dirty="0" smtClean="0">
+              <a:ln w="0"/>
+              <a:solidFill>
+                <a:schemeClr val="bg1"/>
+              </a:solidFill>
+              <a:effectLst>
+                <a:outerShdw blurRad="38100" dist="19050" dir="2700000" algn="tl" rotWithShape="0">
+                  <a:schemeClr val="dk1">
+                    <a:alpha val="40000"/>
+                  </a:schemeClr>
+                </a:outerShdw>
+              </a:effectLst>
+              <a:sym typeface="Wingdings" panose="05000000000000000000" pitchFamily="2" charset="2"/>
+            </a:endParaRPr>
+          </a:p>
+          <a:p>
+            <a:pPr algn="ctr"/>
+            <a:r>
+              <a:rPr lang="ko-KR" altLang="en-US" sz="1500" dirty="0" smtClean="0">
+                <a:ln w="0"/>
+                <a:solidFill>
+                  <a:schemeClr val="bg1"/>
+                </a:solidFill>
+                <a:effectLst>
+                  <a:outerShdw blurRad="38100" dist="19050" dir="2700000" algn="tl" rotWithShape="0">
+                    <a:schemeClr val="dk1">
+                      <a:alpha val="40000"/>
+                    </a:schemeClr>
+                  </a:outerShdw>
+                </a:effectLst>
+                <a:sym typeface="Wingdings" panose="05000000000000000000" pitchFamily="2" charset="2"/>
+              </a:rPr>
+              <a:t>처리하는 코드</a:t>
+            </a:r>
+            <a:endParaRPr lang="en-US" altLang="ko-KR" sz="1500" dirty="0" smtClean="0">
+              <a:ln w="0"/>
+              <a:solidFill>
+                <a:schemeClr val="bg1"/>
+              </a:solidFill>
+              <a:effectLst>
+                <a:outerShdw blurRad="38100" dist="19050" dir="2700000" algn="tl" rotWithShape="0">
+                  <a:schemeClr val="dk1">
+                    <a:alpha val="40000"/>
+                  </a:schemeClr>
+                </a:outerShdw>
+              </a:effectLst>
+              <a:sym typeface="Wingdings" panose="05000000000000000000" pitchFamily="2" charset="2"/>
+            </a:endParaRPr>
+          </a:p>
+        </p:txBody>
+      </p:sp>
+    </p:spTree>
+    <p:extLst>
+      <p:ext uri="{BB962C8B-B14F-4D97-AF65-F5344CB8AC3E}">
+        <p14:creationId xmlns:p14="http://schemas.microsoft.com/office/powerpoint/2010/main" val="3644552430"/>
+      </p:ext>
+    </p:extLst>
+  </p:cSld>
+  <p:clrMapOvr>
+    <a:masterClrMapping/>
+  </p:clrMapOvr>
+</p:sld>
+</file>
+
+<file path=ppt/slides/slide24.xml><?xml version="1.0" encoding="utf-8"?>
+<p:sld xmlns:a="http://schemas.openxmlformats.org/drawingml/2006/main" xmlns:r="http://schemas.openxmlformats.org/officeDocument/2006/relationships" xmlns:p="http://schemas.openxmlformats.org/presentationml/2006/main">
+  <p:cSld>
+    <p:spTree>
+      <p:nvGrpSpPr>
+        <p:cNvPr id="1" name=""/>
+        <p:cNvGrpSpPr/>
+        <p:nvPr/>
+      </p:nvGrpSpPr>
+      <p:grpSpPr>
+        <a:xfrm>
+          <a:off x="0" y="0"/>
+          <a:ext cx="0" cy="0"/>
+          <a:chOff x="0" y="0"/>
+          <a:chExt cx="0" cy="0"/>
+        </a:xfrm>
+      </p:grpSpPr>
+      <p:pic>
+        <p:nvPicPr>
+          <p:cNvPr id="3" name="그림 2"/>
+          <p:cNvPicPr>
+            <a:picLocks noChangeAspect="1"/>
+          </p:cNvPicPr>
+          <p:nvPr/>
+        </p:nvPicPr>
+        <p:blipFill>
+          <a:blip r:embed="rId2"/>
+          <a:stretch>
+            <a:fillRect/>
+          </a:stretch>
+        </p:blipFill>
+        <p:spPr>
+          <a:xfrm>
+            <a:off x="179512" y="1203598"/>
+            <a:ext cx="6933823" cy="2968015"/>
+          </a:xfrm>
+          <a:prstGeom prst="rect">
+            <a:avLst/>
+          </a:prstGeom>
+        </p:spPr>
+      </p:pic>
+      <p:sp>
+        <p:nvSpPr>
+          <p:cNvPr id="2" name="텍스트 개체 틀 1"/>
+          <p:cNvSpPr>
+            <a:spLocks noGrp="1"/>
+          </p:cNvSpPr>
+          <p:nvPr>
+            <p:ph type="body" sz="quarter" idx="10"/>
+          </p:nvPr>
+        </p:nvSpPr>
+        <p:spPr/>
+        <p:txBody>
+          <a:bodyPr/>
+          <a:lstStyle/>
+          <a:p>
+            <a:r>
+              <a:rPr lang="en-US" altLang="ko-KR" dirty="0" smtClean="0"/>
+              <a:t>DAO (</a:t>
+            </a:r>
+            <a:r>
+              <a:rPr lang="en-US" altLang="ko-KR" dirty="0" err="1" smtClean="0"/>
+              <a:t>UpdatePWMember</a:t>
+            </a:r>
+            <a:r>
+              <a:rPr lang="en-US" altLang="ko-KR" dirty="0" smtClean="0"/>
+              <a:t>)</a:t>
+            </a:r>
+            <a:endParaRPr lang="ko-KR" altLang="en-US" dirty="0"/>
+          </a:p>
+        </p:txBody>
+      </p:sp>
+      <p:sp>
+        <p:nvSpPr>
+          <p:cNvPr id="5" name="직사각형 4"/>
+          <p:cNvSpPr/>
+          <p:nvPr/>
+        </p:nvSpPr>
+        <p:spPr>
+          <a:xfrm>
+            <a:off x="6012160" y="1563638"/>
+            <a:ext cx="3975957" cy="784830"/>
+          </a:xfrm>
+          <a:prstGeom prst="rect">
+            <a:avLst/>
+          </a:prstGeom>
+          <a:noFill/>
+        </p:spPr>
+        <p:txBody>
+          <a:bodyPr wrap="square" lIns="91440" tIns="45720" rIns="91440" bIns="45720">
+            <a:spAutoFit/>
+          </a:bodyPr>
+          <a:lstStyle/>
+          <a:p>
+            <a:pPr algn="ctr"/>
+            <a:r>
+              <a:rPr lang="ko-KR" altLang="en-US" sz="1500" dirty="0" smtClean="0">
+                <a:ln w="0"/>
+                <a:solidFill>
+                  <a:schemeClr val="bg1"/>
+                </a:solidFill>
+                <a:effectLst>
+                  <a:outerShdw blurRad="38100" dist="19050" dir="2700000" algn="tl" rotWithShape="0">
+                    <a:schemeClr val="dk1">
+                      <a:alpha val="40000"/>
+                    </a:schemeClr>
+                  </a:outerShdw>
+                </a:effectLst>
+                <a:sym typeface="Wingdings" panose="05000000000000000000" pitchFamily="2" charset="2"/>
+              </a:rPr>
+              <a:t>비밀번호 값의</a:t>
+            </a:r>
+            <a:endParaRPr lang="en-US" altLang="ko-KR" sz="1500" dirty="0" smtClean="0">
+              <a:ln w="0"/>
+              <a:solidFill>
+                <a:schemeClr val="bg1"/>
+              </a:solidFill>
+              <a:effectLst>
+                <a:outerShdw blurRad="38100" dist="19050" dir="2700000" algn="tl" rotWithShape="0">
+                  <a:schemeClr val="dk1">
+                    <a:alpha val="40000"/>
+                  </a:schemeClr>
+                </a:outerShdw>
+              </a:effectLst>
+              <a:sym typeface="Wingdings" panose="05000000000000000000" pitchFamily="2" charset="2"/>
+            </a:endParaRPr>
+          </a:p>
+          <a:p>
+            <a:pPr algn="ctr"/>
+            <a:r>
+              <a:rPr lang="ko-KR" altLang="en-US" sz="1500" dirty="0" smtClean="0">
+                <a:ln w="0"/>
+                <a:solidFill>
+                  <a:schemeClr val="bg1"/>
+                </a:solidFill>
+                <a:effectLst>
+                  <a:outerShdw blurRad="38100" dist="19050" dir="2700000" algn="tl" rotWithShape="0">
+                    <a:schemeClr val="dk1">
+                      <a:alpha val="40000"/>
+                    </a:schemeClr>
+                  </a:outerShdw>
+                </a:effectLst>
+                <a:sym typeface="Wingdings" panose="05000000000000000000" pitchFamily="2" charset="2"/>
+              </a:rPr>
+              <a:t>데이터 정보를</a:t>
+            </a:r>
+            <a:endParaRPr lang="en-US" altLang="ko-KR" sz="1500" dirty="0" smtClean="0">
+              <a:ln w="0"/>
+              <a:solidFill>
+                <a:schemeClr val="bg1"/>
+              </a:solidFill>
+              <a:effectLst>
+                <a:outerShdw blurRad="38100" dist="19050" dir="2700000" algn="tl" rotWithShape="0">
+                  <a:schemeClr val="dk1">
+                    <a:alpha val="40000"/>
+                  </a:schemeClr>
+                </a:outerShdw>
+              </a:effectLst>
+              <a:sym typeface="Wingdings" panose="05000000000000000000" pitchFamily="2" charset="2"/>
+            </a:endParaRPr>
+          </a:p>
+          <a:p>
+            <a:pPr algn="ctr"/>
+            <a:r>
+              <a:rPr lang="ko-KR" altLang="en-US" sz="1500" dirty="0" smtClean="0">
+                <a:ln w="0"/>
+                <a:solidFill>
+                  <a:schemeClr val="bg1"/>
+                </a:solidFill>
+                <a:effectLst>
+                  <a:outerShdw blurRad="38100" dist="19050" dir="2700000" algn="tl" rotWithShape="0">
+                    <a:schemeClr val="dk1">
+                      <a:alpha val="40000"/>
+                    </a:schemeClr>
+                  </a:outerShdw>
+                </a:effectLst>
+                <a:sym typeface="Wingdings" panose="05000000000000000000" pitchFamily="2" charset="2"/>
+              </a:rPr>
+              <a:t>처리하는 코드</a:t>
+            </a:r>
+            <a:endParaRPr lang="en-US" altLang="ko-KR" sz="1500" dirty="0" smtClean="0">
+              <a:ln w="0"/>
+              <a:solidFill>
+                <a:schemeClr val="bg1"/>
+              </a:solidFill>
+              <a:effectLst>
+                <a:outerShdw blurRad="38100" dist="19050" dir="2700000" algn="tl" rotWithShape="0">
+                  <a:schemeClr val="dk1">
+                    <a:alpha val="40000"/>
+                  </a:schemeClr>
+                </a:outerShdw>
+              </a:effectLst>
+              <a:sym typeface="Wingdings" panose="05000000000000000000" pitchFamily="2" charset="2"/>
+            </a:endParaRPr>
+          </a:p>
+        </p:txBody>
+      </p:sp>
+    </p:spTree>
+    <p:extLst>
+      <p:ext uri="{BB962C8B-B14F-4D97-AF65-F5344CB8AC3E}">
+        <p14:creationId xmlns:p14="http://schemas.microsoft.com/office/powerpoint/2010/main" val="2793630661"/>
+      </p:ext>
+    </p:extLst>
+  </p:cSld>
+  <p:clrMapOvr>
+    <a:masterClrMapping/>
+  </p:clrMapOvr>
+</p:sld>
+</file>
+
+<file path=ppt/slides/slide25.xml><?xml version="1.0" encoding="utf-8"?>
+<p:sld xmlns:a="http://schemas.openxmlformats.org/drawingml/2006/main" xmlns:r="http://schemas.openxmlformats.org/officeDocument/2006/relationships" xmlns:p="http://schemas.openxmlformats.org/presentationml/2006/main">
+  <p:cSld>
+    <p:spTree>
+      <p:nvGrpSpPr>
+        <p:cNvPr id="1" name=""/>
+        <p:cNvGrpSpPr/>
+        <p:nvPr/>
+      </p:nvGrpSpPr>
+      <p:grpSpPr>
+        <a:xfrm>
+          <a:off x="0" y="0"/>
+          <a:ext cx="0" cy="0"/>
+          <a:chOff x="0" y="0"/>
+          <a:chExt cx="0" cy="0"/>
+        </a:xfrm>
+      </p:grpSpPr>
+      <p:sp>
+        <p:nvSpPr>
+          <p:cNvPr id="2" name="텍스트 개체 틀 1"/>
+          <p:cNvSpPr>
+            <a:spLocks noGrp="1"/>
+          </p:cNvSpPr>
+          <p:nvPr>
+            <p:ph type="body" sz="quarter" idx="10"/>
+          </p:nvPr>
+        </p:nvSpPr>
+        <p:spPr/>
+        <p:txBody>
+          <a:bodyPr/>
+          <a:lstStyle/>
+          <a:p>
+            <a:r>
+              <a:rPr lang="en-US" altLang="ko-KR" dirty="0" smtClean="0"/>
+              <a:t>DAO (</a:t>
+            </a:r>
+            <a:r>
+              <a:rPr lang="en-US" altLang="ko-KR" dirty="0" err="1" smtClean="0"/>
+              <a:t>UpdateMember</a:t>
+            </a:r>
+            <a:r>
+              <a:rPr lang="en-US" altLang="ko-KR" dirty="0" smtClean="0"/>
+              <a:t>)</a:t>
+            </a:r>
+            <a:endParaRPr lang="ko-KR" altLang="en-US" dirty="0"/>
+          </a:p>
+        </p:txBody>
+      </p:sp>
+      <p:sp>
+        <p:nvSpPr>
+          <p:cNvPr id="5" name="직사각형 4"/>
+          <p:cNvSpPr/>
+          <p:nvPr/>
+        </p:nvSpPr>
+        <p:spPr>
+          <a:xfrm>
+            <a:off x="5796136" y="1563638"/>
+            <a:ext cx="3975957" cy="1246495"/>
+          </a:xfrm>
+          <a:prstGeom prst="rect">
+            <a:avLst/>
+          </a:prstGeom>
+          <a:noFill/>
+        </p:spPr>
+        <p:txBody>
+          <a:bodyPr wrap="square" lIns="91440" tIns="45720" rIns="91440" bIns="45720">
+            <a:spAutoFit/>
+          </a:bodyPr>
+          <a:lstStyle/>
+          <a:p>
+            <a:pPr algn="ctr"/>
+            <a:r>
+              <a:rPr lang="ko-KR" altLang="en-US" sz="1500" dirty="0" smtClean="0">
+                <a:ln w="0"/>
+                <a:solidFill>
+                  <a:schemeClr val="bg1"/>
+                </a:solidFill>
+                <a:effectLst>
+                  <a:outerShdw blurRad="38100" dist="19050" dir="2700000" algn="tl" rotWithShape="0">
+                    <a:schemeClr val="dk1">
+                      <a:alpha val="40000"/>
+                    </a:schemeClr>
+                  </a:outerShdw>
+                </a:effectLst>
+                <a:sym typeface="Wingdings" panose="05000000000000000000" pitchFamily="2" charset="2"/>
+              </a:rPr>
+              <a:t> 비밀번호와 이메일</a:t>
+            </a:r>
+            <a:endParaRPr lang="en-US" altLang="ko-KR" sz="1500" dirty="0" smtClean="0">
+              <a:ln w="0"/>
+              <a:solidFill>
+                <a:schemeClr val="bg1"/>
+              </a:solidFill>
+              <a:effectLst>
+                <a:outerShdw blurRad="38100" dist="19050" dir="2700000" algn="tl" rotWithShape="0">
+                  <a:schemeClr val="dk1">
+                    <a:alpha val="40000"/>
+                  </a:schemeClr>
+                </a:outerShdw>
+              </a:effectLst>
+              <a:sym typeface="Wingdings" panose="05000000000000000000" pitchFamily="2" charset="2"/>
+            </a:endParaRPr>
+          </a:p>
+          <a:p>
+            <a:pPr algn="ctr"/>
+            <a:r>
+              <a:rPr lang="ko-KR" altLang="en-US" sz="1500" dirty="0" smtClean="0">
+                <a:ln w="0"/>
+                <a:solidFill>
+                  <a:schemeClr val="bg1"/>
+                </a:solidFill>
+                <a:effectLst>
+                  <a:outerShdw blurRad="38100" dist="19050" dir="2700000" algn="tl" rotWithShape="0">
+                    <a:schemeClr val="dk1">
+                      <a:alpha val="40000"/>
+                    </a:schemeClr>
+                  </a:outerShdw>
+                </a:effectLst>
+                <a:sym typeface="Wingdings" panose="05000000000000000000" pitchFamily="2" charset="2"/>
+              </a:rPr>
+              <a:t>값이 없는</a:t>
+            </a:r>
+            <a:r>
+              <a:rPr lang="en-US" altLang="ko-KR" sz="1500" dirty="0">
+                <a:ln w="0"/>
+                <a:solidFill>
+                  <a:schemeClr val="bg1"/>
+                </a:solidFill>
+                <a:effectLst>
+                  <a:outerShdw blurRad="38100" dist="19050" dir="2700000" algn="tl" rotWithShape="0">
+                    <a:schemeClr val="dk1">
+                      <a:alpha val="40000"/>
+                    </a:schemeClr>
+                  </a:outerShdw>
+                </a:effectLst>
+                <a:sym typeface="Wingdings" panose="05000000000000000000" pitchFamily="2" charset="2"/>
+              </a:rPr>
+              <a:t> </a:t>
+            </a:r>
+            <a:r>
+              <a:rPr lang="ko-KR" altLang="en-US" sz="1500" dirty="0" smtClean="0">
+                <a:ln w="0"/>
+                <a:solidFill>
+                  <a:schemeClr val="bg1"/>
+                </a:solidFill>
+                <a:effectLst>
+                  <a:outerShdw blurRad="38100" dist="19050" dir="2700000" algn="tl" rotWithShape="0">
+                    <a:schemeClr val="dk1">
+                      <a:alpha val="40000"/>
+                    </a:schemeClr>
+                  </a:outerShdw>
+                </a:effectLst>
+                <a:sym typeface="Wingdings" panose="05000000000000000000" pitchFamily="2" charset="2"/>
+              </a:rPr>
+              <a:t>데이터 정보를</a:t>
+            </a:r>
+            <a:endParaRPr lang="en-US" altLang="ko-KR" sz="1500" dirty="0" smtClean="0">
+              <a:ln w="0"/>
+              <a:solidFill>
+                <a:schemeClr val="bg1"/>
+              </a:solidFill>
+              <a:effectLst>
+                <a:outerShdw blurRad="38100" dist="19050" dir="2700000" algn="tl" rotWithShape="0">
+                  <a:schemeClr val="dk1">
+                    <a:alpha val="40000"/>
+                  </a:schemeClr>
+                </a:outerShdw>
+              </a:effectLst>
+              <a:sym typeface="Wingdings" panose="05000000000000000000" pitchFamily="2" charset="2"/>
+            </a:endParaRPr>
+          </a:p>
+          <a:p>
+            <a:pPr algn="ctr"/>
+            <a:r>
+              <a:rPr lang="ko-KR" altLang="en-US" sz="1500" dirty="0" smtClean="0">
+                <a:ln w="0"/>
+                <a:solidFill>
+                  <a:schemeClr val="bg1"/>
+                </a:solidFill>
+                <a:effectLst>
+                  <a:outerShdw blurRad="38100" dist="19050" dir="2700000" algn="tl" rotWithShape="0">
+                    <a:schemeClr val="dk1">
+                      <a:alpha val="40000"/>
+                    </a:schemeClr>
+                  </a:outerShdw>
+                </a:effectLst>
+                <a:sym typeface="Wingdings" panose="05000000000000000000" pitchFamily="2" charset="2"/>
+              </a:rPr>
+              <a:t>처리하는 코드</a:t>
+            </a:r>
+            <a:endParaRPr lang="en-US" altLang="ko-KR" sz="1500" dirty="0" smtClean="0">
+              <a:ln w="0"/>
+              <a:solidFill>
+                <a:schemeClr val="bg1"/>
+              </a:solidFill>
+              <a:effectLst>
+                <a:outerShdw blurRad="38100" dist="19050" dir="2700000" algn="tl" rotWithShape="0">
+                  <a:schemeClr val="dk1">
+                    <a:alpha val="40000"/>
+                  </a:schemeClr>
+                </a:outerShdw>
+              </a:effectLst>
+              <a:sym typeface="Wingdings" panose="05000000000000000000" pitchFamily="2" charset="2"/>
+            </a:endParaRPr>
+          </a:p>
+          <a:p>
+            <a:pPr algn="ctr"/>
+            <a:endParaRPr lang="en-US" altLang="ko-KR" sz="1500" dirty="0">
+              <a:ln w="0"/>
+              <a:solidFill>
+                <a:schemeClr val="bg1"/>
+              </a:solidFill>
+              <a:effectLst>
+                <a:outerShdw blurRad="38100" dist="19050" dir="2700000" algn="tl" rotWithShape="0">
+                  <a:schemeClr val="dk1">
+                    <a:alpha val="40000"/>
+                  </a:schemeClr>
+                </a:outerShdw>
+              </a:effectLst>
+              <a:sym typeface="Wingdings" panose="05000000000000000000" pitchFamily="2" charset="2"/>
+            </a:endParaRPr>
+          </a:p>
+          <a:p>
+            <a:pPr algn="ctr"/>
+            <a:r>
+              <a:rPr lang="ko-KR" altLang="en-US" sz="1500" dirty="0" err="1" smtClean="0">
+                <a:ln w="0"/>
+                <a:solidFill>
+                  <a:schemeClr val="bg1"/>
+                </a:solidFill>
+                <a:effectLst>
+                  <a:outerShdw blurRad="38100" dist="19050" dir="2700000" algn="tl" rotWithShape="0">
+                    <a:schemeClr val="dk1">
+                      <a:alpha val="40000"/>
+                    </a:schemeClr>
+                  </a:outerShdw>
+                </a:effectLst>
+                <a:sym typeface="Wingdings" panose="05000000000000000000" pitchFamily="2" charset="2"/>
+              </a:rPr>
+              <a:t>오버라이딩</a:t>
+            </a:r>
+            <a:r>
+              <a:rPr lang="ko-KR" altLang="en-US" sz="1500" dirty="0" smtClean="0">
+                <a:ln w="0"/>
+                <a:solidFill>
+                  <a:schemeClr val="bg1"/>
+                </a:solidFill>
+                <a:effectLst>
+                  <a:outerShdw blurRad="38100" dist="19050" dir="2700000" algn="tl" rotWithShape="0">
+                    <a:schemeClr val="dk1">
+                      <a:alpha val="40000"/>
+                    </a:schemeClr>
+                  </a:outerShdw>
+                </a:effectLst>
+                <a:sym typeface="Wingdings" panose="05000000000000000000" pitchFamily="2" charset="2"/>
+              </a:rPr>
+              <a:t> 이용</a:t>
+            </a:r>
+            <a:endParaRPr lang="en-US" altLang="ko-KR" sz="1500" dirty="0" smtClean="0">
+              <a:ln w="0"/>
+              <a:solidFill>
+                <a:schemeClr val="bg1"/>
+              </a:solidFill>
+              <a:effectLst>
+                <a:outerShdw blurRad="38100" dist="19050" dir="2700000" algn="tl" rotWithShape="0">
+                  <a:schemeClr val="dk1">
+                    <a:alpha val="40000"/>
+                  </a:schemeClr>
+                </a:outerShdw>
+              </a:effectLst>
+              <a:sym typeface="Wingdings" panose="05000000000000000000" pitchFamily="2" charset="2"/>
+            </a:endParaRPr>
+          </a:p>
+        </p:txBody>
+      </p:sp>
+      <p:pic>
+        <p:nvPicPr>
+          <p:cNvPr id="4" name="그림 3"/>
+          <p:cNvPicPr>
+            <a:picLocks noChangeAspect="1"/>
+          </p:cNvPicPr>
+          <p:nvPr/>
+        </p:nvPicPr>
+        <p:blipFill>
+          <a:blip r:embed="rId2"/>
+          <a:stretch>
+            <a:fillRect/>
+          </a:stretch>
+        </p:blipFill>
+        <p:spPr>
+          <a:xfrm>
+            <a:off x="235283" y="1203598"/>
+            <a:ext cx="6496957" cy="3229426"/>
+          </a:xfrm>
+          <a:prstGeom prst="rect">
+            <a:avLst/>
+          </a:prstGeom>
+        </p:spPr>
+      </p:pic>
+    </p:spTree>
+    <p:extLst>
+      <p:ext uri="{BB962C8B-B14F-4D97-AF65-F5344CB8AC3E}">
+        <p14:creationId xmlns:p14="http://schemas.microsoft.com/office/powerpoint/2010/main" val="1858982359"/>
+      </p:ext>
+    </p:extLst>
+  </p:cSld>
+  <p:clrMapOvr>
+    <a:masterClrMapping/>
+  </p:clrMapOvr>
+</p:sld>
+</file>
+
+<file path=ppt/slides/slide26.xml><?xml version="1.0" encoding="utf-8"?>
+<p:sld xmlns:a="http://schemas.openxmlformats.org/drawingml/2006/main" xmlns:r="http://schemas.openxmlformats.org/officeDocument/2006/relationships" xmlns:p="http://schemas.openxmlformats.org/presentationml/2006/main">
+  <p:cSld>
+    <p:spTree>
+      <p:nvGrpSpPr>
+        <p:cNvPr id="1" name=""/>
+        <p:cNvGrpSpPr/>
+        <p:nvPr/>
+      </p:nvGrpSpPr>
+      <p:grpSpPr>
+        <a:xfrm>
+          <a:off x="0" y="0"/>
+          <a:ext cx="0" cy="0"/>
+          <a:chOff x="0" y="0"/>
+          <a:chExt cx="0" cy="0"/>
+        </a:xfrm>
+      </p:grpSpPr>
+      <p:pic>
+        <p:nvPicPr>
+          <p:cNvPr id="6" name="그림 5"/>
+          <p:cNvPicPr>
+            <a:picLocks noChangeAspect="1"/>
+          </p:cNvPicPr>
+          <p:nvPr/>
+        </p:nvPicPr>
+        <p:blipFill>
+          <a:blip r:embed="rId2"/>
+          <a:stretch>
+            <a:fillRect/>
+          </a:stretch>
+        </p:blipFill>
+        <p:spPr>
+          <a:xfrm>
+            <a:off x="323528" y="1059582"/>
+            <a:ext cx="5328592" cy="3850647"/>
+          </a:xfrm>
+          <a:prstGeom prst="rect">
+            <a:avLst/>
+          </a:prstGeom>
+        </p:spPr>
+      </p:pic>
+      <p:sp>
+        <p:nvSpPr>
+          <p:cNvPr id="2" name="텍스트 개체 틀 1"/>
+          <p:cNvSpPr>
+            <a:spLocks noGrp="1"/>
+          </p:cNvSpPr>
+          <p:nvPr>
+            <p:ph type="body" sz="quarter" idx="10"/>
+          </p:nvPr>
+        </p:nvSpPr>
+        <p:spPr/>
+        <p:txBody>
+          <a:bodyPr/>
+          <a:lstStyle/>
+          <a:p>
+            <a:r>
+              <a:rPr lang="en-US" altLang="ko-KR" dirty="0" smtClean="0"/>
+              <a:t>DAO (</a:t>
+            </a:r>
+            <a:r>
+              <a:rPr lang="en-US" altLang="ko-KR" dirty="0" err="1" smtClean="0"/>
+              <a:t>addProduct</a:t>
+            </a:r>
+            <a:r>
+              <a:rPr lang="en-US" altLang="ko-KR" dirty="0" smtClean="0"/>
+              <a:t>) – Admin</a:t>
+            </a:r>
+            <a:endParaRPr lang="ko-KR" altLang="en-US" dirty="0"/>
+          </a:p>
+        </p:txBody>
+      </p:sp>
+      <p:sp>
+        <p:nvSpPr>
+          <p:cNvPr id="5" name="직사각형 4"/>
+          <p:cNvSpPr/>
+          <p:nvPr/>
+        </p:nvSpPr>
+        <p:spPr>
+          <a:xfrm>
+            <a:off x="5168043" y="1779662"/>
+            <a:ext cx="3975957" cy="784830"/>
+          </a:xfrm>
+          <a:prstGeom prst="rect">
+            <a:avLst/>
+          </a:prstGeom>
+          <a:noFill/>
+        </p:spPr>
+        <p:txBody>
+          <a:bodyPr wrap="square" lIns="91440" tIns="45720" rIns="91440" bIns="45720">
+            <a:spAutoFit/>
+          </a:bodyPr>
+          <a:lstStyle/>
+          <a:p>
+            <a:pPr algn="ctr"/>
+            <a:r>
+              <a:rPr lang="ko-KR" altLang="en-US" sz="1500" dirty="0" smtClean="0">
+                <a:ln w="0"/>
+                <a:solidFill>
+                  <a:schemeClr val="bg1"/>
+                </a:solidFill>
+                <a:effectLst>
+                  <a:outerShdw blurRad="38100" dist="19050" dir="2700000" algn="tl" rotWithShape="0">
+                    <a:schemeClr val="dk1">
+                      <a:alpha val="40000"/>
+                    </a:schemeClr>
+                  </a:outerShdw>
+                </a:effectLst>
+                <a:sym typeface="Wingdings" panose="05000000000000000000" pitchFamily="2" charset="2"/>
+              </a:rPr>
+              <a:t> 드라마를 업로드할 경우</a:t>
+            </a:r>
+            <a:endParaRPr lang="en-US" altLang="ko-KR" sz="1500" dirty="0" smtClean="0">
+              <a:ln w="0"/>
+              <a:solidFill>
+                <a:schemeClr val="bg1"/>
+              </a:solidFill>
+              <a:effectLst>
+                <a:outerShdw blurRad="38100" dist="19050" dir="2700000" algn="tl" rotWithShape="0">
+                  <a:schemeClr val="dk1">
+                    <a:alpha val="40000"/>
+                  </a:schemeClr>
+                </a:outerShdw>
+              </a:effectLst>
+              <a:sym typeface="Wingdings" panose="05000000000000000000" pitchFamily="2" charset="2"/>
+            </a:endParaRPr>
+          </a:p>
+          <a:p>
+            <a:pPr algn="ctr"/>
+            <a:r>
+              <a:rPr lang="ko-KR" altLang="en-US" sz="1500" dirty="0" smtClean="0">
+                <a:ln w="0"/>
+                <a:solidFill>
+                  <a:schemeClr val="bg1"/>
+                </a:solidFill>
+                <a:effectLst>
+                  <a:outerShdw blurRad="38100" dist="19050" dir="2700000" algn="tl" rotWithShape="0">
+                    <a:schemeClr val="dk1">
+                      <a:alpha val="40000"/>
+                    </a:schemeClr>
+                  </a:outerShdw>
+                </a:effectLst>
+                <a:sym typeface="Wingdings" panose="05000000000000000000" pitchFamily="2" charset="2"/>
+              </a:rPr>
+              <a:t>데이터베이스에서 </a:t>
+            </a:r>
+            <a:endParaRPr lang="en-US" altLang="ko-KR" sz="1500" dirty="0" smtClean="0">
+              <a:ln w="0"/>
+              <a:solidFill>
+                <a:schemeClr val="bg1"/>
+              </a:solidFill>
+              <a:effectLst>
+                <a:outerShdw blurRad="38100" dist="19050" dir="2700000" algn="tl" rotWithShape="0">
+                  <a:schemeClr val="dk1">
+                    <a:alpha val="40000"/>
+                  </a:schemeClr>
+                </a:outerShdw>
+              </a:effectLst>
+              <a:sym typeface="Wingdings" panose="05000000000000000000" pitchFamily="2" charset="2"/>
+            </a:endParaRPr>
+          </a:p>
+          <a:p>
+            <a:pPr algn="ctr"/>
+            <a:r>
+              <a:rPr lang="ko-KR" altLang="en-US" sz="1500" dirty="0" smtClean="0">
+                <a:ln w="0"/>
+                <a:solidFill>
+                  <a:schemeClr val="bg1"/>
+                </a:solidFill>
+                <a:effectLst>
+                  <a:outerShdw blurRad="38100" dist="19050" dir="2700000" algn="tl" rotWithShape="0">
+                    <a:schemeClr val="dk1">
+                      <a:alpha val="40000"/>
+                    </a:schemeClr>
+                  </a:outerShdw>
+                </a:effectLst>
+                <a:sym typeface="Wingdings" panose="05000000000000000000" pitchFamily="2" charset="2"/>
+              </a:rPr>
+              <a:t>처리하는 코드</a:t>
+            </a:r>
+            <a:endParaRPr lang="en-US" altLang="ko-KR" sz="1500" dirty="0" smtClean="0">
+              <a:ln w="0"/>
+              <a:solidFill>
+                <a:schemeClr val="bg1"/>
+              </a:solidFill>
+              <a:effectLst>
+                <a:outerShdw blurRad="38100" dist="19050" dir="2700000" algn="tl" rotWithShape="0">
+                  <a:schemeClr val="dk1">
+                    <a:alpha val="40000"/>
+                  </a:schemeClr>
+                </a:outerShdw>
+              </a:effectLst>
+              <a:sym typeface="Wingdings" panose="05000000000000000000" pitchFamily="2" charset="2"/>
+            </a:endParaRPr>
+          </a:p>
+        </p:txBody>
+      </p:sp>
+    </p:spTree>
+    <p:extLst>
+      <p:ext uri="{BB962C8B-B14F-4D97-AF65-F5344CB8AC3E}">
+        <p14:creationId xmlns:p14="http://schemas.microsoft.com/office/powerpoint/2010/main" val="837706340"/>
+      </p:ext>
+    </p:extLst>
+  </p:cSld>
+  <p:clrMapOvr>
+    <a:masterClrMapping/>
+  </p:clrMapOvr>
+</p:sld>
+</file>
+
+<file path=ppt/slides/slide27.xml><?xml version="1.0" encoding="utf-8"?>
+<p:sld xmlns:a="http://schemas.openxmlformats.org/drawingml/2006/main" xmlns:r="http://schemas.openxmlformats.org/officeDocument/2006/relationships" xmlns:p="http://schemas.openxmlformats.org/presentationml/2006/main">
+  <p:cSld>
+    <p:spTree>
+      <p:nvGrpSpPr>
+        <p:cNvPr id="1" name=""/>
+        <p:cNvGrpSpPr/>
+        <p:nvPr/>
+      </p:nvGrpSpPr>
+      <p:grpSpPr>
+        <a:xfrm>
+          <a:off x="0" y="0"/>
+          <a:ext cx="0" cy="0"/>
+          <a:chOff x="0" y="0"/>
+          <a:chExt cx="0" cy="0"/>
+        </a:xfrm>
+      </p:grpSpPr>
+      <p:pic>
+        <p:nvPicPr>
+          <p:cNvPr id="7" name="그림 6"/>
+          <p:cNvPicPr>
+            <a:picLocks noChangeAspect="1"/>
+          </p:cNvPicPr>
+          <p:nvPr/>
+        </p:nvPicPr>
+        <p:blipFill>
+          <a:blip r:embed="rId2"/>
+          <a:stretch>
+            <a:fillRect/>
+          </a:stretch>
+        </p:blipFill>
+        <p:spPr>
+          <a:xfrm>
+            <a:off x="251520" y="1059582"/>
+            <a:ext cx="6316523" cy="3994388"/>
+          </a:xfrm>
+          <a:prstGeom prst="rect">
+            <a:avLst/>
+          </a:prstGeom>
+        </p:spPr>
+      </p:pic>
+      <p:sp>
+        <p:nvSpPr>
+          <p:cNvPr id="2" name="텍스트 개체 틀 1"/>
+          <p:cNvSpPr>
+            <a:spLocks noGrp="1"/>
+          </p:cNvSpPr>
+          <p:nvPr>
+            <p:ph type="body" sz="quarter" idx="10"/>
+          </p:nvPr>
+        </p:nvSpPr>
+        <p:spPr/>
+        <p:txBody>
+          <a:bodyPr/>
+          <a:lstStyle/>
+          <a:p>
+            <a:r>
+              <a:rPr lang="en-US" altLang="ko-KR" dirty="0" smtClean="0"/>
+              <a:t>DAO (</a:t>
+            </a:r>
+            <a:r>
+              <a:rPr lang="en-US" altLang="ko-KR" dirty="0" err="1" smtClean="0"/>
+              <a:t>updateProduct</a:t>
+            </a:r>
+            <a:r>
+              <a:rPr lang="en-US" altLang="ko-KR" dirty="0" smtClean="0"/>
+              <a:t>)</a:t>
+            </a:r>
+            <a:endParaRPr lang="ko-KR" altLang="en-US" dirty="0"/>
+          </a:p>
+        </p:txBody>
+      </p:sp>
+      <p:sp>
+        <p:nvSpPr>
+          <p:cNvPr id="5" name="직사각형 4"/>
+          <p:cNvSpPr/>
+          <p:nvPr/>
+        </p:nvSpPr>
+        <p:spPr>
+          <a:xfrm>
+            <a:off x="5796136" y="1347614"/>
+            <a:ext cx="3975957" cy="2631490"/>
+          </a:xfrm>
+          <a:prstGeom prst="rect">
+            <a:avLst/>
+          </a:prstGeom>
+          <a:noFill/>
+        </p:spPr>
+        <p:txBody>
+          <a:bodyPr wrap="square" lIns="91440" tIns="45720" rIns="91440" bIns="45720">
+            <a:spAutoFit/>
+          </a:bodyPr>
+          <a:lstStyle/>
+          <a:p>
+            <a:pPr algn="ctr"/>
+            <a:r>
+              <a:rPr lang="ko-KR" altLang="en-US" sz="1500" dirty="0" smtClean="0">
+                <a:ln w="0"/>
+                <a:solidFill>
+                  <a:schemeClr val="bg1"/>
+                </a:solidFill>
+                <a:effectLst>
+                  <a:outerShdw blurRad="38100" dist="19050" dir="2700000" algn="tl" rotWithShape="0">
+                    <a:schemeClr val="dk1">
+                      <a:alpha val="40000"/>
+                    </a:schemeClr>
+                  </a:outerShdw>
+                </a:effectLst>
+                <a:sym typeface="Wingdings" panose="05000000000000000000" pitchFamily="2" charset="2"/>
+              </a:rPr>
+              <a:t>관리자가 상품을 수정 시</a:t>
+            </a:r>
+            <a:endParaRPr lang="en-US" altLang="ko-KR" sz="1500" dirty="0" smtClean="0">
+              <a:ln w="0"/>
+              <a:solidFill>
+                <a:schemeClr val="bg1"/>
+              </a:solidFill>
+              <a:effectLst>
+                <a:outerShdw blurRad="38100" dist="19050" dir="2700000" algn="tl" rotWithShape="0">
+                  <a:schemeClr val="dk1">
+                    <a:alpha val="40000"/>
+                  </a:schemeClr>
+                </a:outerShdw>
+              </a:effectLst>
+              <a:sym typeface="Wingdings" panose="05000000000000000000" pitchFamily="2" charset="2"/>
+            </a:endParaRPr>
+          </a:p>
+          <a:p>
+            <a:pPr algn="ctr"/>
+            <a:endParaRPr lang="en-US" altLang="ko-KR" sz="1500" dirty="0">
+              <a:ln w="0"/>
+              <a:solidFill>
+                <a:schemeClr val="bg1"/>
+              </a:solidFill>
+              <a:effectLst>
+                <a:outerShdw blurRad="38100" dist="19050" dir="2700000" algn="tl" rotWithShape="0">
+                  <a:schemeClr val="dk1">
+                    <a:alpha val="40000"/>
+                  </a:schemeClr>
+                </a:outerShdw>
+              </a:effectLst>
+              <a:sym typeface="Wingdings" panose="05000000000000000000" pitchFamily="2" charset="2"/>
+            </a:endParaRPr>
+          </a:p>
+          <a:p>
+            <a:pPr algn="ctr"/>
+            <a:r>
+              <a:rPr lang="ko-KR" altLang="en-US" sz="1500" dirty="0" smtClean="0">
+                <a:ln w="0"/>
+                <a:solidFill>
+                  <a:schemeClr val="bg1"/>
+                </a:solidFill>
+                <a:effectLst>
+                  <a:outerShdw blurRad="38100" dist="19050" dir="2700000" algn="tl" rotWithShape="0">
+                    <a:schemeClr val="dk1">
+                      <a:alpha val="40000"/>
+                    </a:schemeClr>
+                  </a:outerShdw>
+                </a:effectLst>
+                <a:sym typeface="Wingdings" panose="05000000000000000000" pitchFamily="2" charset="2"/>
+              </a:rPr>
+              <a:t>이미지 변경 할 경우</a:t>
+            </a:r>
+            <a:endParaRPr lang="en-US" altLang="ko-KR" sz="1500" dirty="0" smtClean="0">
+              <a:ln w="0"/>
+              <a:solidFill>
+                <a:schemeClr val="bg1"/>
+              </a:solidFill>
+              <a:effectLst>
+                <a:outerShdw blurRad="38100" dist="19050" dir="2700000" algn="tl" rotWithShape="0">
+                  <a:schemeClr val="dk1">
+                    <a:alpha val="40000"/>
+                  </a:schemeClr>
+                </a:outerShdw>
+              </a:effectLst>
+              <a:sym typeface="Wingdings" panose="05000000000000000000" pitchFamily="2" charset="2"/>
+            </a:endParaRPr>
+          </a:p>
+          <a:p>
+            <a:pPr algn="ctr"/>
+            <a:endParaRPr lang="en-US" altLang="ko-KR" sz="1500" dirty="0">
+              <a:ln w="0"/>
+              <a:solidFill>
+                <a:schemeClr val="bg1"/>
+              </a:solidFill>
+              <a:effectLst>
+                <a:outerShdw blurRad="38100" dist="19050" dir="2700000" algn="tl" rotWithShape="0">
+                  <a:schemeClr val="dk1">
+                    <a:alpha val="40000"/>
+                  </a:schemeClr>
+                </a:outerShdw>
+              </a:effectLst>
+              <a:sym typeface="Wingdings" panose="05000000000000000000" pitchFamily="2" charset="2"/>
+            </a:endParaRPr>
+          </a:p>
+          <a:p>
+            <a:pPr algn="ctr"/>
+            <a:r>
+              <a:rPr lang="en-US" altLang="ko-KR" sz="1500" dirty="0" smtClean="0">
+                <a:ln w="0"/>
+                <a:solidFill>
+                  <a:schemeClr val="bg1"/>
+                </a:solidFill>
+                <a:effectLst>
+                  <a:outerShdw blurRad="38100" dist="19050" dir="2700000" algn="tl" rotWithShape="0">
+                    <a:schemeClr val="dk1">
+                      <a:alpha val="40000"/>
+                    </a:schemeClr>
+                  </a:outerShdw>
+                </a:effectLst>
+                <a:sym typeface="Wingdings" panose="05000000000000000000" pitchFamily="2" charset="2"/>
+              </a:rPr>
+              <a:t> </a:t>
+            </a:r>
+            <a:r>
+              <a:rPr lang="ko-KR" altLang="en-US" sz="1500" dirty="0" smtClean="0">
+                <a:ln w="0"/>
+                <a:solidFill>
+                  <a:schemeClr val="bg1"/>
+                </a:solidFill>
+                <a:effectLst>
+                  <a:outerShdw blurRad="38100" dist="19050" dir="2700000" algn="tl" rotWithShape="0">
+                    <a:schemeClr val="dk1">
+                      <a:alpha val="40000"/>
+                    </a:schemeClr>
+                  </a:outerShdw>
+                </a:effectLst>
+                <a:sym typeface="Wingdings" panose="05000000000000000000" pitchFamily="2" charset="2"/>
+              </a:rPr>
+              <a:t>데이터베이스에서 </a:t>
+            </a:r>
+            <a:endParaRPr lang="en-US" altLang="ko-KR" sz="1500" dirty="0" smtClean="0">
+              <a:ln w="0"/>
+              <a:solidFill>
+                <a:schemeClr val="bg1"/>
+              </a:solidFill>
+              <a:effectLst>
+                <a:outerShdw blurRad="38100" dist="19050" dir="2700000" algn="tl" rotWithShape="0">
+                  <a:schemeClr val="dk1">
+                    <a:alpha val="40000"/>
+                  </a:schemeClr>
+                </a:outerShdw>
+              </a:effectLst>
+              <a:sym typeface="Wingdings" panose="05000000000000000000" pitchFamily="2" charset="2"/>
+            </a:endParaRPr>
+          </a:p>
+          <a:p>
+            <a:pPr algn="ctr"/>
+            <a:r>
+              <a:rPr lang="ko-KR" altLang="en-US" sz="1500" dirty="0" smtClean="0">
+                <a:ln w="0"/>
+                <a:solidFill>
+                  <a:schemeClr val="bg1"/>
+                </a:solidFill>
+                <a:effectLst>
+                  <a:outerShdw blurRad="38100" dist="19050" dir="2700000" algn="tl" rotWithShape="0">
+                    <a:schemeClr val="dk1">
+                      <a:alpha val="40000"/>
+                    </a:schemeClr>
+                  </a:outerShdw>
+                </a:effectLst>
+                <a:sym typeface="Wingdings" panose="05000000000000000000" pitchFamily="2" charset="2"/>
+              </a:rPr>
+              <a:t>이미지 값까지 수정</a:t>
+            </a:r>
+            <a:endParaRPr lang="en-US" altLang="ko-KR" sz="1500" dirty="0" smtClean="0">
+              <a:ln w="0"/>
+              <a:solidFill>
+                <a:schemeClr val="bg1"/>
+              </a:solidFill>
+              <a:effectLst>
+                <a:outerShdw blurRad="38100" dist="19050" dir="2700000" algn="tl" rotWithShape="0">
+                  <a:schemeClr val="dk1">
+                    <a:alpha val="40000"/>
+                  </a:schemeClr>
+                </a:outerShdw>
+              </a:effectLst>
+              <a:sym typeface="Wingdings" panose="05000000000000000000" pitchFamily="2" charset="2"/>
+            </a:endParaRPr>
+          </a:p>
+          <a:p>
+            <a:pPr algn="ctr"/>
+            <a:endParaRPr lang="en-US" altLang="ko-KR" sz="1500" dirty="0">
+              <a:ln w="0"/>
+              <a:solidFill>
+                <a:schemeClr val="bg1"/>
+              </a:solidFill>
+              <a:effectLst>
+                <a:outerShdw blurRad="38100" dist="19050" dir="2700000" algn="tl" rotWithShape="0">
+                  <a:schemeClr val="dk1">
+                    <a:alpha val="40000"/>
+                  </a:schemeClr>
+                </a:outerShdw>
+              </a:effectLst>
+              <a:sym typeface="Wingdings" panose="05000000000000000000" pitchFamily="2" charset="2"/>
+            </a:endParaRPr>
+          </a:p>
+          <a:p>
+            <a:pPr algn="ctr"/>
+            <a:r>
+              <a:rPr lang="ko-KR" altLang="en-US" sz="1500" dirty="0" smtClean="0">
+                <a:ln w="0"/>
+                <a:solidFill>
+                  <a:schemeClr val="bg1"/>
+                </a:solidFill>
+                <a:effectLst>
+                  <a:outerShdw blurRad="38100" dist="19050" dir="2700000" algn="tl" rotWithShape="0">
+                    <a:schemeClr val="dk1">
+                      <a:alpha val="40000"/>
+                    </a:schemeClr>
+                  </a:outerShdw>
+                </a:effectLst>
+                <a:sym typeface="Wingdings" panose="05000000000000000000" pitchFamily="2" charset="2"/>
+              </a:rPr>
+              <a:t>이미지를 변경하지 않을 경우</a:t>
+            </a:r>
+            <a:endParaRPr lang="en-US" altLang="ko-KR" sz="1500" dirty="0" smtClean="0">
+              <a:ln w="0"/>
+              <a:solidFill>
+                <a:schemeClr val="bg1"/>
+              </a:solidFill>
+              <a:effectLst>
+                <a:outerShdw blurRad="38100" dist="19050" dir="2700000" algn="tl" rotWithShape="0">
+                  <a:schemeClr val="dk1">
+                    <a:alpha val="40000"/>
+                  </a:schemeClr>
+                </a:outerShdw>
+              </a:effectLst>
+              <a:sym typeface="Wingdings" panose="05000000000000000000" pitchFamily="2" charset="2"/>
+            </a:endParaRPr>
+          </a:p>
+          <a:p>
+            <a:pPr algn="ctr"/>
+            <a:endParaRPr lang="en-US" altLang="ko-KR" sz="1500" dirty="0">
+              <a:ln w="0"/>
+              <a:solidFill>
+                <a:schemeClr val="bg1"/>
+              </a:solidFill>
+              <a:effectLst>
+                <a:outerShdw blurRad="38100" dist="19050" dir="2700000" algn="tl" rotWithShape="0">
+                  <a:schemeClr val="dk1">
+                    <a:alpha val="40000"/>
+                  </a:schemeClr>
+                </a:outerShdw>
+              </a:effectLst>
+              <a:sym typeface="Wingdings" panose="05000000000000000000" pitchFamily="2" charset="2"/>
+            </a:endParaRPr>
+          </a:p>
+          <a:p>
+            <a:pPr algn="ctr"/>
+            <a:r>
+              <a:rPr lang="en-US" altLang="ko-KR" sz="1500" dirty="0" smtClean="0">
+                <a:ln w="0"/>
+                <a:solidFill>
+                  <a:schemeClr val="bg1"/>
+                </a:solidFill>
+                <a:effectLst>
+                  <a:outerShdw blurRad="38100" dist="19050" dir="2700000" algn="tl" rotWithShape="0">
+                    <a:schemeClr val="dk1">
+                      <a:alpha val="40000"/>
+                    </a:schemeClr>
+                  </a:outerShdw>
+                </a:effectLst>
+                <a:sym typeface="Wingdings" panose="05000000000000000000" pitchFamily="2" charset="2"/>
+              </a:rPr>
+              <a:t></a:t>
+            </a:r>
+            <a:r>
+              <a:rPr lang="ko-KR" altLang="en-US" sz="1500" dirty="0" smtClean="0">
+                <a:ln w="0"/>
+                <a:solidFill>
+                  <a:schemeClr val="bg1"/>
+                </a:solidFill>
+                <a:effectLst>
+                  <a:outerShdw blurRad="38100" dist="19050" dir="2700000" algn="tl" rotWithShape="0">
+                    <a:schemeClr val="dk1">
+                      <a:alpha val="40000"/>
+                    </a:schemeClr>
+                  </a:outerShdw>
+                </a:effectLst>
+                <a:sym typeface="Wingdings" panose="05000000000000000000" pitchFamily="2" charset="2"/>
+              </a:rPr>
+              <a:t>데이터베이스에서</a:t>
+            </a:r>
+            <a:endParaRPr lang="en-US" altLang="ko-KR" sz="1500" dirty="0" smtClean="0">
+              <a:ln w="0"/>
+              <a:solidFill>
+                <a:schemeClr val="bg1"/>
+              </a:solidFill>
+              <a:effectLst>
+                <a:outerShdw blurRad="38100" dist="19050" dir="2700000" algn="tl" rotWithShape="0">
+                  <a:schemeClr val="dk1">
+                    <a:alpha val="40000"/>
+                  </a:schemeClr>
+                </a:outerShdw>
+              </a:effectLst>
+              <a:sym typeface="Wingdings" panose="05000000000000000000" pitchFamily="2" charset="2"/>
+            </a:endParaRPr>
+          </a:p>
+          <a:p>
+            <a:pPr algn="ctr"/>
+            <a:r>
+              <a:rPr lang="ko-KR" altLang="en-US" sz="1500" dirty="0" smtClean="0">
+                <a:ln w="0"/>
+                <a:solidFill>
+                  <a:schemeClr val="bg1"/>
+                </a:solidFill>
+                <a:effectLst>
+                  <a:outerShdw blurRad="38100" dist="19050" dir="2700000" algn="tl" rotWithShape="0">
+                    <a:schemeClr val="dk1">
+                      <a:alpha val="40000"/>
+                    </a:schemeClr>
+                  </a:outerShdw>
+                </a:effectLst>
+                <a:sym typeface="Wingdings" panose="05000000000000000000" pitchFamily="2" charset="2"/>
+              </a:rPr>
+              <a:t>이미지 값 없이 수정</a:t>
+            </a:r>
+            <a:endParaRPr lang="en-US" altLang="ko-KR" sz="1500" dirty="0" smtClean="0">
+              <a:ln w="0"/>
+              <a:solidFill>
+                <a:schemeClr val="bg1"/>
+              </a:solidFill>
+              <a:effectLst>
+                <a:outerShdw blurRad="38100" dist="19050" dir="2700000" algn="tl" rotWithShape="0">
+                  <a:schemeClr val="dk1">
+                    <a:alpha val="40000"/>
+                  </a:schemeClr>
+                </a:outerShdw>
+              </a:effectLst>
+              <a:sym typeface="Wingdings" panose="05000000000000000000" pitchFamily="2" charset="2"/>
+            </a:endParaRPr>
+          </a:p>
+        </p:txBody>
+      </p:sp>
+    </p:spTree>
+    <p:extLst>
+      <p:ext uri="{BB962C8B-B14F-4D97-AF65-F5344CB8AC3E}">
+        <p14:creationId xmlns:p14="http://schemas.microsoft.com/office/powerpoint/2010/main" val="3391188348"/>
+      </p:ext>
+    </p:extLst>
+  </p:cSld>
+  <p:clrMapOvr>
+    <a:masterClrMapping/>
+  </p:clrMapOvr>
+</p:sld>
+</file>
+
+<file path=ppt/slides/slide28.xml><?xml version="1.0" encoding="utf-8"?>
+<p:sld xmlns:a="http://schemas.openxmlformats.org/drawingml/2006/main" xmlns:r="http://schemas.openxmlformats.org/officeDocument/2006/relationships" xmlns:p="http://schemas.openxmlformats.org/presentationml/2006/main">
+  <p:cSld>
+    <p:spTree>
+      <p:nvGrpSpPr>
+        <p:cNvPr id="1" name=""/>
+        <p:cNvGrpSpPr/>
+        <p:nvPr/>
+      </p:nvGrpSpPr>
+      <p:grpSpPr>
+        <a:xfrm>
+          <a:off x="0" y="0"/>
+          <a:ext cx="0" cy="0"/>
+          <a:chOff x="0" y="0"/>
+          <a:chExt cx="0" cy="0"/>
+        </a:xfrm>
+      </p:grpSpPr>
+      <p:pic>
+        <p:nvPicPr>
+          <p:cNvPr id="3" name="그림 2"/>
+          <p:cNvPicPr>
+            <a:picLocks noChangeAspect="1"/>
+          </p:cNvPicPr>
+          <p:nvPr/>
+        </p:nvPicPr>
+        <p:blipFill>
+          <a:blip r:embed="rId2"/>
+          <a:stretch>
+            <a:fillRect/>
+          </a:stretch>
+        </p:blipFill>
+        <p:spPr>
+          <a:xfrm>
+            <a:off x="320615" y="1059582"/>
+            <a:ext cx="5855456" cy="3983554"/>
+          </a:xfrm>
+          <a:prstGeom prst="rect">
+            <a:avLst/>
+          </a:prstGeom>
+        </p:spPr>
+      </p:pic>
+      <p:sp>
+        <p:nvSpPr>
+          <p:cNvPr id="2" name="텍스트 개체 틀 1"/>
+          <p:cNvSpPr>
+            <a:spLocks noGrp="1"/>
+          </p:cNvSpPr>
+          <p:nvPr>
+            <p:ph type="body" sz="quarter" idx="10"/>
+          </p:nvPr>
+        </p:nvSpPr>
+        <p:spPr/>
+        <p:txBody>
+          <a:bodyPr/>
+          <a:lstStyle/>
+          <a:p>
+            <a:r>
+              <a:rPr lang="en-US" altLang="ko-KR" dirty="0" smtClean="0"/>
+              <a:t>DAO (</a:t>
+            </a:r>
+            <a:r>
+              <a:rPr lang="en-US" altLang="ko-KR" dirty="0" err="1" smtClean="0"/>
+              <a:t>deleteProduct</a:t>
+            </a:r>
+            <a:r>
+              <a:rPr lang="en-US" altLang="ko-KR" dirty="0" smtClean="0"/>
+              <a:t>)</a:t>
+            </a:r>
+            <a:endParaRPr lang="ko-KR" altLang="en-US" dirty="0"/>
+          </a:p>
+        </p:txBody>
+      </p:sp>
+      <p:sp>
+        <p:nvSpPr>
+          <p:cNvPr id="5" name="직사각형 4"/>
+          <p:cNvSpPr/>
+          <p:nvPr/>
+        </p:nvSpPr>
+        <p:spPr>
+          <a:xfrm>
+            <a:off x="5652120" y="1419622"/>
+            <a:ext cx="3975957" cy="784830"/>
+          </a:xfrm>
+          <a:prstGeom prst="rect">
+            <a:avLst/>
+          </a:prstGeom>
+          <a:noFill/>
+        </p:spPr>
+        <p:txBody>
+          <a:bodyPr wrap="square" lIns="91440" tIns="45720" rIns="91440" bIns="45720">
+            <a:spAutoFit/>
+          </a:bodyPr>
+          <a:lstStyle/>
+          <a:p>
+            <a:pPr algn="ctr"/>
+            <a:r>
+              <a:rPr lang="ko-KR" altLang="en-US" sz="1500" dirty="0" smtClean="0">
+                <a:ln w="0"/>
+                <a:solidFill>
+                  <a:schemeClr val="bg1"/>
+                </a:solidFill>
+                <a:effectLst>
+                  <a:outerShdw blurRad="38100" dist="19050" dir="2700000" algn="tl" rotWithShape="0">
+                    <a:schemeClr val="dk1">
+                      <a:alpha val="40000"/>
+                    </a:schemeClr>
+                  </a:outerShdw>
+                </a:effectLst>
+                <a:sym typeface="Wingdings" panose="05000000000000000000" pitchFamily="2" charset="2"/>
+              </a:rPr>
+              <a:t>관리자가 상품을 삭제 시</a:t>
+            </a:r>
+            <a:endParaRPr lang="en-US" altLang="ko-KR" sz="1500" dirty="0" smtClean="0">
+              <a:ln w="0"/>
+              <a:solidFill>
+                <a:schemeClr val="bg1"/>
+              </a:solidFill>
+              <a:effectLst>
+                <a:outerShdw blurRad="38100" dist="19050" dir="2700000" algn="tl" rotWithShape="0">
+                  <a:schemeClr val="dk1">
+                    <a:alpha val="40000"/>
+                  </a:schemeClr>
+                </a:outerShdw>
+              </a:effectLst>
+              <a:sym typeface="Wingdings" panose="05000000000000000000" pitchFamily="2" charset="2"/>
+            </a:endParaRPr>
+          </a:p>
+          <a:p>
+            <a:pPr algn="ctr"/>
+            <a:endParaRPr lang="en-US" altLang="ko-KR" sz="1500" dirty="0">
+              <a:ln w="0"/>
+              <a:solidFill>
+                <a:schemeClr val="bg1"/>
+              </a:solidFill>
+              <a:effectLst>
+                <a:outerShdw blurRad="38100" dist="19050" dir="2700000" algn="tl" rotWithShape="0">
+                  <a:schemeClr val="dk1">
+                    <a:alpha val="40000"/>
+                  </a:schemeClr>
+                </a:outerShdw>
+              </a:effectLst>
+              <a:sym typeface="Wingdings" panose="05000000000000000000" pitchFamily="2" charset="2"/>
+            </a:endParaRPr>
+          </a:p>
+          <a:p>
+            <a:pPr algn="ctr"/>
+            <a:r>
+              <a:rPr lang="ko-KR" altLang="en-US" sz="1500" dirty="0" smtClean="0">
+                <a:ln w="0"/>
+                <a:solidFill>
+                  <a:schemeClr val="bg1"/>
+                </a:solidFill>
+                <a:effectLst>
+                  <a:outerShdw blurRad="38100" dist="19050" dir="2700000" algn="tl" rotWithShape="0">
+                    <a:schemeClr val="dk1">
+                      <a:alpha val="40000"/>
+                    </a:schemeClr>
+                  </a:outerShdw>
+                </a:effectLst>
+                <a:sym typeface="Wingdings" panose="05000000000000000000" pitchFamily="2" charset="2"/>
+              </a:rPr>
+              <a:t>코드 번호가 같은 상품을 삭제</a:t>
+            </a:r>
+            <a:endParaRPr lang="en-US" altLang="ko-KR" sz="1500" dirty="0" smtClean="0">
+              <a:ln w="0"/>
+              <a:solidFill>
+                <a:schemeClr val="bg1"/>
+              </a:solidFill>
+              <a:effectLst>
+                <a:outerShdw blurRad="38100" dist="19050" dir="2700000" algn="tl" rotWithShape="0">
+                  <a:schemeClr val="dk1">
+                    <a:alpha val="40000"/>
+                  </a:schemeClr>
+                </a:outerShdw>
+              </a:effectLst>
+              <a:sym typeface="Wingdings" panose="05000000000000000000" pitchFamily="2" charset="2"/>
+            </a:endParaRPr>
+          </a:p>
+        </p:txBody>
+      </p:sp>
+    </p:spTree>
+    <p:extLst>
+      <p:ext uri="{BB962C8B-B14F-4D97-AF65-F5344CB8AC3E}">
+        <p14:creationId xmlns:p14="http://schemas.microsoft.com/office/powerpoint/2010/main" val="1090652986"/>
+      </p:ext>
+    </p:extLst>
+  </p:cSld>
+  <p:clrMapOvr>
+    <a:masterClrMapping/>
+  </p:clrMapOvr>
+</p:sld>
+</file>
+
+<file path=ppt/slides/slide29.xml><?xml version="1.0" encoding="utf-8"?>
+<p:sld xmlns:a="http://schemas.openxmlformats.org/drawingml/2006/main" xmlns:r="http://schemas.openxmlformats.org/officeDocument/2006/relationships" xmlns:p="http://schemas.openxmlformats.org/presentationml/2006/main">
+  <p:cSld>
+    <p:spTree>
+      <p:nvGrpSpPr>
+        <p:cNvPr id="1" name=""/>
+        <p:cNvGrpSpPr/>
+        <p:nvPr/>
+      </p:nvGrpSpPr>
+      <p:grpSpPr>
+        <a:xfrm>
+          <a:off x="0" y="0"/>
+          <a:ext cx="0" cy="0"/>
+          <a:chOff x="0" y="0"/>
+          <a:chExt cx="0" cy="0"/>
+        </a:xfrm>
+      </p:grpSpPr>
+      <p:sp>
+        <p:nvSpPr>
+          <p:cNvPr id="2" name="텍스트 개체 틀 1"/>
+          <p:cNvSpPr>
+            <a:spLocks noGrp="1"/>
+          </p:cNvSpPr>
+          <p:nvPr>
+            <p:ph type="body" sz="quarter" idx="10"/>
+          </p:nvPr>
+        </p:nvSpPr>
+        <p:spPr>
+          <a:xfrm>
+            <a:off x="323528" y="153958"/>
+            <a:ext cx="6624736" cy="576064"/>
+          </a:xfrm>
+        </p:spPr>
+        <p:txBody>
+          <a:bodyPr/>
+          <a:lstStyle/>
+          <a:p>
+            <a:r>
+              <a:rPr lang="en-US" altLang="ko-KR" dirty="0" smtClean="0"/>
+              <a:t>DAO (</a:t>
+            </a:r>
+            <a:r>
+              <a:rPr lang="en-US" altLang="ko-KR" dirty="0" err="1" smtClean="0"/>
+              <a:t>getDramaList</a:t>
+            </a:r>
+            <a:r>
+              <a:rPr lang="en-US" altLang="ko-KR" dirty="0" smtClean="0"/>
+              <a:t>)	-Product</a:t>
+            </a:r>
+            <a:endParaRPr lang="ko-KR" altLang="en-US" dirty="0"/>
+          </a:p>
+        </p:txBody>
+      </p:sp>
+      <p:sp>
+        <p:nvSpPr>
+          <p:cNvPr id="5" name="직사각형 4"/>
+          <p:cNvSpPr/>
+          <p:nvPr/>
+        </p:nvSpPr>
+        <p:spPr>
+          <a:xfrm>
+            <a:off x="4920826" y="1563638"/>
+            <a:ext cx="3975957" cy="553998"/>
+          </a:xfrm>
+          <a:prstGeom prst="rect">
+            <a:avLst/>
+          </a:prstGeom>
+          <a:noFill/>
+        </p:spPr>
+        <p:txBody>
+          <a:bodyPr wrap="square" lIns="91440" tIns="45720" rIns="91440" bIns="45720">
+            <a:spAutoFit/>
+          </a:bodyPr>
+          <a:lstStyle/>
+          <a:p>
+            <a:pPr algn="ctr"/>
+            <a:r>
+              <a:rPr lang="ko-KR" altLang="en-US" sz="1500" dirty="0" smtClean="0">
+                <a:ln w="0"/>
+                <a:solidFill>
+                  <a:schemeClr val="bg1"/>
+                </a:solidFill>
+                <a:effectLst>
+                  <a:outerShdw blurRad="38100" dist="19050" dir="2700000" algn="tl" rotWithShape="0">
+                    <a:schemeClr val="dk1">
+                      <a:alpha val="40000"/>
+                    </a:schemeClr>
+                  </a:outerShdw>
+                </a:effectLst>
+                <a:sym typeface="Wingdings" panose="05000000000000000000" pitchFamily="2" charset="2"/>
+              </a:rPr>
+              <a:t>데이터베이스에 있는 모든 드라마  데이터를</a:t>
+            </a:r>
+            <a:endParaRPr lang="en-US" altLang="ko-KR" sz="1500" dirty="0" smtClean="0">
+              <a:ln w="0"/>
+              <a:solidFill>
+                <a:schemeClr val="bg1"/>
+              </a:solidFill>
+              <a:effectLst>
+                <a:outerShdw blurRad="38100" dist="19050" dir="2700000" algn="tl" rotWithShape="0">
+                  <a:schemeClr val="dk1">
+                    <a:alpha val="40000"/>
+                  </a:schemeClr>
+                </a:outerShdw>
+              </a:effectLst>
+              <a:sym typeface="Wingdings" panose="05000000000000000000" pitchFamily="2" charset="2"/>
+            </a:endParaRPr>
+          </a:p>
+          <a:p>
+            <a:pPr algn="ctr"/>
+            <a:r>
+              <a:rPr lang="ko-KR" altLang="en-US" sz="1500" dirty="0" smtClean="0">
+                <a:ln w="0"/>
+                <a:solidFill>
+                  <a:schemeClr val="bg1"/>
+                </a:solidFill>
+                <a:effectLst>
+                  <a:outerShdw blurRad="38100" dist="19050" dir="2700000" algn="tl" rotWithShape="0">
+                    <a:schemeClr val="dk1">
+                      <a:alpha val="40000"/>
+                    </a:schemeClr>
+                  </a:outerShdw>
+                </a:effectLst>
+                <a:sym typeface="Wingdings" panose="05000000000000000000" pitchFamily="2" charset="2"/>
+              </a:rPr>
+              <a:t>가져와서 뿌려주는 작업</a:t>
+            </a:r>
+            <a:endParaRPr lang="en-US" altLang="ko-KR" sz="1500" dirty="0" smtClean="0">
+              <a:ln w="0"/>
+              <a:solidFill>
+                <a:schemeClr val="bg1"/>
+              </a:solidFill>
+              <a:effectLst>
+                <a:outerShdw blurRad="38100" dist="19050" dir="2700000" algn="tl" rotWithShape="0">
+                  <a:schemeClr val="dk1">
+                    <a:alpha val="40000"/>
+                  </a:schemeClr>
+                </a:outerShdw>
+              </a:effectLst>
+              <a:sym typeface="Wingdings" panose="05000000000000000000" pitchFamily="2" charset="2"/>
+            </a:endParaRPr>
+          </a:p>
+        </p:txBody>
+      </p:sp>
+      <p:pic>
+        <p:nvPicPr>
+          <p:cNvPr id="3" name="그림 2"/>
+          <p:cNvPicPr>
+            <a:picLocks noChangeAspect="1"/>
+          </p:cNvPicPr>
+          <p:nvPr/>
+        </p:nvPicPr>
+        <p:blipFill>
+          <a:blip r:embed="rId2"/>
+          <a:stretch>
+            <a:fillRect/>
+          </a:stretch>
+        </p:blipFill>
+        <p:spPr>
+          <a:xfrm>
+            <a:off x="467544" y="1131590"/>
+            <a:ext cx="4453282" cy="3877634"/>
+          </a:xfrm>
+          <a:prstGeom prst="rect">
+            <a:avLst/>
+          </a:prstGeom>
+        </p:spPr>
+      </p:pic>
+    </p:spTree>
+    <p:extLst>
+      <p:ext uri="{BB962C8B-B14F-4D97-AF65-F5344CB8AC3E}">
+        <p14:creationId xmlns:p14="http://schemas.microsoft.com/office/powerpoint/2010/main" val="623614660"/>
+      </p:ext>
+    </p:extLst>
+  </p:cSld>
+  <p:clrMapOvr>
+    <a:masterClrMapping/>
+  </p:clrMapOvr>
 </p:sld>
 </file>
 
@@ -9767,6 +13595,1903 @@
     <p:extLst>
       <p:ext uri="{BB962C8B-B14F-4D97-AF65-F5344CB8AC3E}">
         <p14:creationId xmlns:p14="http://schemas.microsoft.com/office/powerpoint/2010/main" val="4202310746"/>
+      </p:ext>
+    </p:extLst>
+  </p:cSld>
+  <p:clrMapOvr>
+    <a:masterClrMapping/>
+  </p:clrMapOvr>
+  <p:timing>
+    <p:tnLst>
+      <p:par>
+        <p:cTn id="1" dur="indefinite" restart="never" nodeType="tmRoot"/>
+      </p:par>
+    </p:tnLst>
+  </p:timing>
+</p:sld>
+</file>
+
+<file path=ppt/slides/slide30.xml><?xml version="1.0" encoding="utf-8"?>
+<p:sld xmlns:a="http://schemas.openxmlformats.org/drawingml/2006/main" xmlns:r="http://schemas.openxmlformats.org/officeDocument/2006/relationships" xmlns:p="http://schemas.openxmlformats.org/presentationml/2006/main">
+  <p:cSld>
+    <p:spTree>
+      <p:nvGrpSpPr>
+        <p:cNvPr id="1" name=""/>
+        <p:cNvGrpSpPr/>
+        <p:nvPr/>
+      </p:nvGrpSpPr>
+      <p:grpSpPr>
+        <a:xfrm>
+          <a:off x="0" y="0"/>
+          <a:ext cx="0" cy="0"/>
+          <a:chOff x="0" y="0"/>
+          <a:chExt cx="0" cy="0"/>
+        </a:xfrm>
+      </p:grpSpPr>
+      <p:sp>
+        <p:nvSpPr>
+          <p:cNvPr id="2" name="텍스트 개체 틀 1"/>
+          <p:cNvSpPr>
+            <a:spLocks noGrp="1"/>
+          </p:cNvSpPr>
+          <p:nvPr>
+            <p:ph type="body" sz="quarter" idx="10"/>
+          </p:nvPr>
+        </p:nvSpPr>
+        <p:spPr>
+          <a:xfrm>
+            <a:off x="323528" y="153958"/>
+            <a:ext cx="6624736" cy="576064"/>
+          </a:xfrm>
+        </p:spPr>
+        <p:txBody>
+          <a:bodyPr/>
+          <a:lstStyle/>
+          <a:p>
+            <a:r>
+              <a:rPr lang="en-US" altLang="ko-KR" dirty="0" smtClean="0"/>
+              <a:t>DAO (</a:t>
+            </a:r>
+            <a:r>
+              <a:rPr lang="en-US" altLang="ko-KR" dirty="0" err="1" smtClean="0"/>
+              <a:t>getDetailList</a:t>
+            </a:r>
+            <a:r>
+              <a:rPr lang="en-US" altLang="ko-KR" dirty="0" smtClean="0"/>
+              <a:t>)	</a:t>
+            </a:r>
+            <a:endParaRPr lang="ko-KR" altLang="en-US" dirty="0"/>
+          </a:p>
+        </p:txBody>
+      </p:sp>
+      <p:sp>
+        <p:nvSpPr>
+          <p:cNvPr id="5" name="직사각형 4"/>
+          <p:cNvSpPr/>
+          <p:nvPr/>
+        </p:nvSpPr>
+        <p:spPr>
+          <a:xfrm>
+            <a:off x="4920826" y="1563638"/>
+            <a:ext cx="3975957" cy="553998"/>
+          </a:xfrm>
+          <a:prstGeom prst="rect">
+            <a:avLst/>
+          </a:prstGeom>
+          <a:noFill/>
+        </p:spPr>
+        <p:txBody>
+          <a:bodyPr wrap="square" lIns="91440" tIns="45720" rIns="91440" bIns="45720">
+            <a:spAutoFit/>
+          </a:bodyPr>
+          <a:lstStyle/>
+          <a:p>
+            <a:pPr algn="ctr"/>
+            <a:r>
+              <a:rPr lang="ko-KR" altLang="en-US" sz="1500" dirty="0" smtClean="0">
+                <a:ln w="0"/>
+                <a:solidFill>
+                  <a:schemeClr val="bg1"/>
+                </a:solidFill>
+                <a:effectLst>
+                  <a:outerShdw blurRad="38100" dist="19050" dir="2700000" algn="tl" rotWithShape="0">
+                    <a:schemeClr val="dk1">
+                      <a:alpha val="40000"/>
+                    </a:schemeClr>
+                  </a:outerShdw>
+                </a:effectLst>
+                <a:sym typeface="Wingdings" panose="05000000000000000000" pitchFamily="2" charset="2"/>
+              </a:rPr>
+              <a:t>데이터베이스에서 선택한 드라마  데이터를</a:t>
+            </a:r>
+            <a:endParaRPr lang="en-US" altLang="ko-KR" sz="1500" dirty="0" smtClean="0">
+              <a:ln w="0"/>
+              <a:solidFill>
+                <a:schemeClr val="bg1"/>
+              </a:solidFill>
+              <a:effectLst>
+                <a:outerShdw blurRad="38100" dist="19050" dir="2700000" algn="tl" rotWithShape="0">
+                  <a:schemeClr val="dk1">
+                    <a:alpha val="40000"/>
+                  </a:schemeClr>
+                </a:outerShdw>
+              </a:effectLst>
+              <a:sym typeface="Wingdings" panose="05000000000000000000" pitchFamily="2" charset="2"/>
+            </a:endParaRPr>
+          </a:p>
+          <a:p>
+            <a:pPr algn="ctr"/>
+            <a:r>
+              <a:rPr lang="ko-KR" altLang="en-US" sz="1500" dirty="0" smtClean="0">
+                <a:ln w="0"/>
+                <a:solidFill>
+                  <a:schemeClr val="bg1"/>
+                </a:solidFill>
+                <a:effectLst>
+                  <a:outerShdw blurRad="38100" dist="19050" dir="2700000" algn="tl" rotWithShape="0">
+                    <a:schemeClr val="dk1">
+                      <a:alpha val="40000"/>
+                    </a:schemeClr>
+                  </a:outerShdw>
+                </a:effectLst>
+                <a:sym typeface="Wingdings" panose="05000000000000000000" pitchFamily="2" charset="2"/>
+              </a:rPr>
+              <a:t>가져와서 뿌려주는 작업</a:t>
+            </a:r>
+            <a:endParaRPr lang="en-US" altLang="ko-KR" sz="1500" dirty="0" smtClean="0">
+              <a:ln w="0"/>
+              <a:solidFill>
+                <a:schemeClr val="bg1"/>
+              </a:solidFill>
+              <a:effectLst>
+                <a:outerShdw blurRad="38100" dist="19050" dir="2700000" algn="tl" rotWithShape="0">
+                  <a:schemeClr val="dk1">
+                    <a:alpha val="40000"/>
+                  </a:schemeClr>
+                </a:outerShdw>
+              </a:effectLst>
+              <a:sym typeface="Wingdings" panose="05000000000000000000" pitchFamily="2" charset="2"/>
+            </a:endParaRPr>
+          </a:p>
+        </p:txBody>
+      </p:sp>
+      <p:pic>
+        <p:nvPicPr>
+          <p:cNvPr id="4" name="그림 3"/>
+          <p:cNvPicPr>
+            <a:picLocks noChangeAspect="1"/>
+          </p:cNvPicPr>
+          <p:nvPr/>
+        </p:nvPicPr>
+        <p:blipFill>
+          <a:blip r:embed="rId2"/>
+          <a:stretch>
+            <a:fillRect/>
+          </a:stretch>
+        </p:blipFill>
+        <p:spPr>
+          <a:xfrm>
+            <a:off x="323528" y="987574"/>
+            <a:ext cx="4744957" cy="3978339"/>
+          </a:xfrm>
+          <a:prstGeom prst="rect">
+            <a:avLst/>
+          </a:prstGeom>
+        </p:spPr>
+      </p:pic>
+    </p:spTree>
+    <p:extLst>
+      <p:ext uri="{BB962C8B-B14F-4D97-AF65-F5344CB8AC3E}">
+        <p14:creationId xmlns:p14="http://schemas.microsoft.com/office/powerpoint/2010/main" val="3346019359"/>
+      </p:ext>
+    </p:extLst>
+  </p:cSld>
+  <p:clrMapOvr>
+    <a:masterClrMapping/>
+  </p:clrMapOvr>
+</p:sld>
+</file>
+
+<file path=ppt/slides/slide31.xml><?xml version="1.0" encoding="utf-8"?>
+<p:sld xmlns:a="http://schemas.openxmlformats.org/drawingml/2006/main" xmlns:r="http://schemas.openxmlformats.org/officeDocument/2006/relationships" xmlns:p="http://schemas.openxmlformats.org/presentationml/2006/main">
+  <p:cSld>
+    <p:spTree>
+      <p:nvGrpSpPr>
+        <p:cNvPr id="1" name=""/>
+        <p:cNvGrpSpPr/>
+        <p:nvPr/>
+      </p:nvGrpSpPr>
+      <p:grpSpPr>
+        <a:xfrm>
+          <a:off x="0" y="0"/>
+          <a:ext cx="0" cy="0"/>
+          <a:chOff x="0" y="0"/>
+          <a:chExt cx="0" cy="0"/>
+        </a:xfrm>
+      </p:grpSpPr>
+      <p:pic>
+        <p:nvPicPr>
+          <p:cNvPr id="4" name="그림 3"/>
+          <p:cNvPicPr>
+            <a:picLocks noChangeAspect="1"/>
+          </p:cNvPicPr>
+          <p:nvPr/>
+        </p:nvPicPr>
+        <p:blipFill>
+          <a:blip r:embed="rId2"/>
+          <a:stretch>
+            <a:fillRect/>
+          </a:stretch>
+        </p:blipFill>
+        <p:spPr>
+          <a:xfrm>
+            <a:off x="323528" y="1131590"/>
+            <a:ext cx="5450381" cy="3168352"/>
+          </a:xfrm>
+          <a:prstGeom prst="rect">
+            <a:avLst/>
+          </a:prstGeom>
+        </p:spPr>
+      </p:pic>
+      <p:sp>
+        <p:nvSpPr>
+          <p:cNvPr id="2" name="텍스트 개체 틀 1"/>
+          <p:cNvSpPr>
+            <a:spLocks noGrp="1"/>
+          </p:cNvSpPr>
+          <p:nvPr>
+            <p:ph type="body" sz="quarter" idx="10"/>
+          </p:nvPr>
+        </p:nvSpPr>
+        <p:spPr/>
+        <p:txBody>
+          <a:bodyPr/>
+          <a:lstStyle/>
+          <a:p>
+            <a:r>
+              <a:rPr lang="en-US" altLang="ko-KR" dirty="0" smtClean="0"/>
+              <a:t>DAO (</a:t>
+            </a:r>
+            <a:r>
+              <a:rPr lang="en-US" altLang="ko-KR" dirty="0" err="1" smtClean="0"/>
+              <a:t>addCart</a:t>
+            </a:r>
+            <a:r>
+              <a:rPr lang="en-US" altLang="ko-KR" dirty="0" smtClean="0"/>
+              <a:t>)	</a:t>
+            </a:r>
+            <a:endParaRPr lang="ko-KR" altLang="en-US" dirty="0"/>
+          </a:p>
+        </p:txBody>
+      </p:sp>
+      <p:sp>
+        <p:nvSpPr>
+          <p:cNvPr id="5" name="직사각형 4"/>
+          <p:cNvSpPr/>
+          <p:nvPr/>
+        </p:nvSpPr>
+        <p:spPr>
+          <a:xfrm>
+            <a:off x="5436096" y="1419622"/>
+            <a:ext cx="3975957" cy="784830"/>
+          </a:xfrm>
+          <a:prstGeom prst="rect">
+            <a:avLst/>
+          </a:prstGeom>
+          <a:noFill/>
+        </p:spPr>
+        <p:txBody>
+          <a:bodyPr wrap="square" lIns="91440" tIns="45720" rIns="91440" bIns="45720">
+            <a:spAutoFit/>
+          </a:bodyPr>
+          <a:lstStyle/>
+          <a:p>
+            <a:pPr algn="ctr"/>
+            <a:r>
+              <a:rPr lang="ko-KR" altLang="en-US" sz="1500" dirty="0" err="1" smtClean="0">
+                <a:ln w="0"/>
+                <a:solidFill>
+                  <a:schemeClr val="bg1"/>
+                </a:solidFill>
+                <a:effectLst>
+                  <a:outerShdw blurRad="38100" dist="19050" dir="2700000" algn="tl" rotWithShape="0">
+                    <a:schemeClr val="dk1">
+                      <a:alpha val="40000"/>
+                    </a:schemeClr>
+                  </a:outerShdw>
+                </a:effectLst>
+                <a:sym typeface="Wingdings" panose="05000000000000000000" pitchFamily="2" charset="2"/>
+              </a:rPr>
+              <a:t>찜목록에서</a:t>
+            </a:r>
+            <a:r>
+              <a:rPr lang="ko-KR" altLang="en-US" sz="1500" dirty="0" smtClean="0">
+                <a:ln w="0"/>
+                <a:solidFill>
+                  <a:schemeClr val="bg1"/>
+                </a:solidFill>
+                <a:effectLst>
+                  <a:outerShdw blurRad="38100" dist="19050" dir="2700000" algn="tl" rotWithShape="0">
+                    <a:schemeClr val="dk1">
+                      <a:alpha val="40000"/>
+                    </a:schemeClr>
+                  </a:outerShdw>
+                </a:effectLst>
+                <a:sym typeface="Wingdings" panose="05000000000000000000" pitchFamily="2" charset="2"/>
+              </a:rPr>
+              <a:t> 상품을 추가 시</a:t>
+            </a:r>
+            <a:endParaRPr lang="en-US" altLang="ko-KR" sz="1500" dirty="0" smtClean="0">
+              <a:ln w="0"/>
+              <a:solidFill>
+                <a:schemeClr val="bg1"/>
+              </a:solidFill>
+              <a:effectLst>
+                <a:outerShdw blurRad="38100" dist="19050" dir="2700000" algn="tl" rotWithShape="0">
+                  <a:schemeClr val="dk1">
+                    <a:alpha val="40000"/>
+                  </a:schemeClr>
+                </a:outerShdw>
+              </a:effectLst>
+              <a:sym typeface="Wingdings" panose="05000000000000000000" pitchFamily="2" charset="2"/>
+            </a:endParaRPr>
+          </a:p>
+          <a:p>
+            <a:pPr algn="ctr"/>
+            <a:endParaRPr lang="en-US" altLang="ko-KR" sz="1500" dirty="0">
+              <a:ln w="0"/>
+              <a:solidFill>
+                <a:schemeClr val="bg1"/>
+              </a:solidFill>
+              <a:effectLst>
+                <a:outerShdw blurRad="38100" dist="19050" dir="2700000" algn="tl" rotWithShape="0">
+                  <a:schemeClr val="dk1">
+                    <a:alpha val="40000"/>
+                  </a:schemeClr>
+                </a:outerShdw>
+              </a:effectLst>
+              <a:sym typeface="Wingdings" panose="05000000000000000000" pitchFamily="2" charset="2"/>
+            </a:endParaRPr>
+          </a:p>
+          <a:p>
+            <a:pPr algn="ctr"/>
+            <a:r>
+              <a:rPr lang="ko-KR" altLang="en-US" sz="1500" dirty="0" smtClean="0">
+                <a:ln w="0"/>
+                <a:solidFill>
+                  <a:schemeClr val="bg1"/>
+                </a:solidFill>
+                <a:effectLst>
+                  <a:outerShdw blurRad="38100" dist="19050" dir="2700000" algn="tl" rotWithShape="0">
+                    <a:schemeClr val="dk1">
+                      <a:alpha val="40000"/>
+                    </a:schemeClr>
+                  </a:outerShdw>
+                </a:effectLst>
+                <a:sym typeface="Wingdings" panose="05000000000000000000" pitchFamily="2" charset="2"/>
+              </a:rPr>
+              <a:t>데이터베이스에 데이터 추가</a:t>
+            </a:r>
+            <a:endParaRPr lang="en-US" altLang="ko-KR" sz="1500" dirty="0">
+              <a:ln w="0"/>
+              <a:solidFill>
+                <a:schemeClr val="bg1"/>
+              </a:solidFill>
+              <a:effectLst>
+                <a:outerShdw blurRad="38100" dist="19050" dir="2700000" algn="tl" rotWithShape="0">
+                  <a:schemeClr val="dk1">
+                    <a:alpha val="40000"/>
+                  </a:schemeClr>
+                </a:outerShdw>
+              </a:effectLst>
+              <a:sym typeface="Wingdings" panose="05000000000000000000" pitchFamily="2" charset="2"/>
+            </a:endParaRPr>
+          </a:p>
+        </p:txBody>
+      </p:sp>
+    </p:spTree>
+    <p:extLst>
+      <p:ext uri="{BB962C8B-B14F-4D97-AF65-F5344CB8AC3E}">
+        <p14:creationId xmlns:p14="http://schemas.microsoft.com/office/powerpoint/2010/main" val="2815119500"/>
+      </p:ext>
+    </p:extLst>
+  </p:cSld>
+  <p:clrMapOvr>
+    <a:masterClrMapping/>
+  </p:clrMapOvr>
+</p:sld>
+</file>
+
+<file path=ppt/slides/slide32.xml><?xml version="1.0" encoding="utf-8"?>
+<p:sld xmlns:a="http://schemas.openxmlformats.org/drawingml/2006/main" xmlns:r="http://schemas.openxmlformats.org/officeDocument/2006/relationships" xmlns:p="http://schemas.openxmlformats.org/presentationml/2006/main">
+  <p:cSld>
+    <p:spTree>
+      <p:nvGrpSpPr>
+        <p:cNvPr id="1" name=""/>
+        <p:cNvGrpSpPr/>
+        <p:nvPr/>
+      </p:nvGrpSpPr>
+      <p:grpSpPr>
+        <a:xfrm>
+          <a:off x="0" y="0"/>
+          <a:ext cx="0" cy="0"/>
+          <a:chOff x="0" y="0"/>
+          <a:chExt cx="0" cy="0"/>
+        </a:xfrm>
+      </p:grpSpPr>
+      <p:sp>
+        <p:nvSpPr>
+          <p:cNvPr id="2" name="텍스트 개체 틀 1"/>
+          <p:cNvSpPr>
+            <a:spLocks noGrp="1"/>
+          </p:cNvSpPr>
+          <p:nvPr>
+            <p:ph type="body" sz="quarter" idx="10"/>
+          </p:nvPr>
+        </p:nvSpPr>
+        <p:spPr/>
+        <p:txBody>
+          <a:bodyPr/>
+          <a:lstStyle/>
+          <a:p>
+            <a:r>
+              <a:rPr lang="en-US" altLang="ko-KR" dirty="0" smtClean="0"/>
+              <a:t>DAO (Cart)	</a:t>
+            </a:r>
+            <a:endParaRPr lang="ko-KR" altLang="en-US" dirty="0"/>
+          </a:p>
+        </p:txBody>
+      </p:sp>
+      <p:sp>
+        <p:nvSpPr>
+          <p:cNvPr id="5" name="직사각형 4"/>
+          <p:cNvSpPr/>
+          <p:nvPr/>
+        </p:nvSpPr>
+        <p:spPr>
+          <a:xfrm>
+            <a:off x="5436096" y="1419622"/>
+            <a:ext cx="3975957" cy="553998"/>
+          </a:xfrm>
+          <a:prstGeom prst="rect">
+            <a:avLst/>
+          </a:prstGeom>
+          <a:noFill/>
+        </p:spPr>
+        <p:txBody>
+          <a:bodyPr wrap="square" lIns="91440" tIns="45720" rIns="91440" bIns="45720">
+            <a:spAutoFit/>
+          </a:bodyPr>
+          <a:lstStyle/>
+          <a:p>
+            <a:pPr algn="ctr"/>
+            <a:r>
+              <a:rPr lang="ko-KR" altLang="en-US" sz="1500" dirty="0" smtClean="0">
+                <a:ln w="0"/>
+                <a:solidFill>
+                  <a:schemeClr val="bg1"/>
+                </a:solidFill>
+                <a:effectLst>
+                  <a:outerShdw blurRad="38100" dist="19050" dir="2700000" algn="tl" rotWithShape="0">
+                    <a:schemeClr val="dk1">
+                      <a:alpha val="40000"/>
+                    </a:schemeClr>
+                  </a:outerShdw>
+                </a:effectLst>
+                <a:sym typeface="Wingdings" panose="05000000000000000000" pitchFamily="2" charset="2"/>
+              </a:rPr>
+              <a:t>데이터베이스에서</a:t>
+            </a:r>
+            <a:r>
+              <a:rPr lang="en-US" altLang="ko-KR" sz="1500" dirty="0">
+                <a:ln w="0"/>
+                <a:solidFill>
+                  <a:schemeClr val="bg1"/>
+                </a:solidFill>
+                <a:effectLst>
+                  <a:outerShdw blurRad="38100" dist="19050" dir="2700000" algn="tl" rotWithShape="0">
+                    <a:schemeClr val="dk1">
+                      <a:alpha val="40000"/>
+                    </a:schemeClr>
+                  </a:outerShdw>
+                </a:effectLst>
+                <a:sym typeface="Wingdings" panose="05000000000000000000" pitchFamily="2" charset="2"/>
+              </a:rPr>
+              <a:t> </a:t>
+            </a:r>
+            <a:r>
+              <a:rPr lang="ko-KR" altLang="en-US" sz="1500" dirty="0" smtClean="0">
+                <a:ln w="0"/>
+                <a:solidFill>
+                  <a:schemeClr val="bg1"/>
+                </a:solidFill>
+                <a:effectLst>
+                  <a:outerShdw blurRad="38100" dist="19050" dir="2700000" algn="tl" rotWithShape="0">
+                    <a:schemeClr val="dk1">
+                      <a:alpha val="40000"/>
+                    </a:schemeClr>
+                  </a:outerShdw>
+                </a:effectLst>
+                <a:sym typeface="Wingdings" panose="05000000000000000000" pitchFamily="2" charset="2"/>
+              </a:rPr>
+              <a:t>아이디가 동일한</a:t>
+            </a:r>
+            <a:endParaRPr lang="en-US" altLang="ko-KR" sz="1500" dirty="0" smtClean="0">
+              <a:ln w="0"/>
+              <a:solidFill>
+                <a:schemeClr val="bg1"/>
+              </a:solidFill>
+              <a:effectLst>
+                <a:outerShdw blurRad="38100" dist="19050" dir="2700000" algn="tl" rotWithShape="0">
+                  <a:schemeClr val="dk1">
+                    <a:alpha val="40000"/>
+                  </a:schemeClr>
+                </a:outerShdw>
+              </a:effectLst>
+              <a:sym typeface="Wingdings" panose="05000000000000000000" pitchFamily="2" charset="2"/>
+            </a:endParaRPr>
+          </a:p>
+          <a:p>
+            <a:pPr algn="ctr"/>
+            <a:r>
+              <a:rPr lang="ko-KR" altLang="en-US" sz="1500" dirty="0" err="1" smtClean="0">
+                <a:ln w="0"/>
+                <a:solidFill>
+                  <a:schemeClr val="bg1"/>
+                </a:solidFill>
+                <a:effectLst>
+                  <a:outerShdw blurRad="38100" dist="19050" dir="2700000" algn="tl" rotWithShape="0">
+                    <a:schemeClr val="dk1">
+                      <a:alpha val="40000"/>
+                    </a:schemeClr>
+                  </a:outerShdw>
+                </a:effectLst>
+                <a:sym typeface="Wingdings" panose="05000000000000000000" pitchFamily="2" charset="2"/>
+              </a:rPr>
+              <a:t>찜목록을</a:t>
+            </a:r>
+            <a:r>
+              <a:rPr lang="ko-KR" altLang="en-US" sz="1500" dirty="0" smtClean="0">
+                <a:ln w="0"/>
+                <a:solidFill>
+                  <a:schemeClr val="bg1"/>
+                </a:solidFill>
+                <a:effectLst>
+                  <a:outerShdw blurRad="38100" dist="19050" dir="2700000" algn="tl" rotWithShape="0">
+                    <a:schemeClr val="dk1">
+                      <a:alpha val="40000"/>
+                    </a:schemeClr>
+                  </a:outerShdw>
+                </a:effectLst>
+                <a:sym typeface="Wingdings" panose="05000000000000000000" pitchFamily="2" charset="2"/>
+              </a:rPr>
+              <a:t> 뿌려주는 코드</a:t>
+            </a:r>
+            <a:endParaRPr lang="en-US" altLang="ko-KR" sz="1500" dirty="0" smtClean="0">
+              <a:ln w="0"/>
+              <a:solidFill>
+                <a:schemeClr val="bg1"/>
+              </a:solidFill>
+              <a:effectLst>
+                <a:outerShdw blurRad="38100" dist="19050" dir="2700000" algn="tl" rotWithShape="0">
+                  <a:schemeClr val="dk1">
+                    <a:alpha val="40000"/>
+                  </a:schemeClr>
+                </a:outerShdw>
+              </a:effectLst>
+              <a:sym typeface="Wingdings" panose="05000000000000000000" pitchFamily="2" charset="2"/>
+            </a:endParaRPr>
+          </a:p>
+        </p:txBody>
+      </p:sp>
+      <p:pic>
+        <p:nvPicPr>
+          <p:cNvPr id="3" name="그림 2"/>
+          <p:cNvPicPr>
+            <a:picLocks noChangeAspect="1"/>
+          </p:cNvPicPr>
+          <p:nvPr/>
+        </p:nvPicPr>
+        <p:blipFill>
+          <a:blip r:embed="rId2"/>
+          <a:stretch>
+            <a:fillRect/>
+          </a:stretch>
+        </p:blipFill>
+        <p:spPr>
+          <a:xfrm>
+            <a:off x="467544" y="1059582"/>
+            <a:ext cx="5115639" cy="3848637"/>
+          </a:xfrm>
+          <a:prstGeom prst="rect">
+            <a:avLst/>
+          </a:prstGeom>
+        </p:spPr>
+      </p:pic>
+    </p:spTree>
+    <p:extLst>
+      <p:ext uri="{BB962C8B-B14F-4D97-AF65-F5344CB8AC3E}">
+        <p14:creationId xmlns:p14="http://schemas.microsoft.com/office/powerpoint/2010/main" val="3116776311"/>
+      </p:ext>
+    </p:extLst>
+  </p:cSld>
+  <p:clrMapOvr>
+    <a:masterClrMapping/>
+  </p:clrMapOvr>
+</p:sld>
+</file>
+
+<file path=ppt/slides/slide33.xml><?xml version="1.0" encoding="utf-8"?>
+<p:sld xmlns:a="http://schemas.openxmlformats.org/drawingml/2006/main" xmlns:r="http://schemas.openxmlformats.org/officeDocument/2006/relationships" xmlns:p="http://schemas.openxmlformats.org/presentationml/2006/main">
+  <p:cSld>
+    <p:spTree>
+      <p:nvGrpSpPr>
+        <p:cNvPr id="1" name=""/>
+        <p:cNvGrpSpPr/>
+        <p:nvPr/>
+      </p:nvGrpSpPr>
+      <p:grpSpPr>
+        <a:xfrm>
+          <a:off x="0" y="0"/>
+          <a:ext cx="0" cy="0"/>
+          <a:chOff x="0" y="0"/>
+          <a:chExt cx="0" cy="0"/>
+        </a:xfrm>
+      </p:grpSpPr>
+      <p:pic>
+        <p:nvPicPr>
+          <p:cNvPr id="4" name="그림 3"/>
+          <p:cNvPicPr>
+            <a:picLocks noChangeAspect="1"/>
+          </p:cNvPicPr>
+          <p:nvPr/>
+        </p:nvPicPr>
+        <p:blipFill>
+          <a:blip r:embed="rId2"/>
+          <a:stretch>
+            <a:fillRect/>
+          </a:stretch>
+        </p:blipFill>
+        <p:spPr>
+          <a:xfrm>
+            <a:off x="323528" y="1131590"/>
+            <a:ext cx="5945940" cy="2376264"/>
+          </a:xfrm>
+          <a:prstGeom prst="rect">
+            <a:avLst/>
+          </a:prstGeom>
+        </p:spPr>
+      </p:pic>
+      <p:sp>
+        <p:nvSpPr>
+          <p:cNvPr id="2" name="텍스트 개체 틀 1"/>
+          <p:cNvSpPr>
+            <a:spLocks noGrp="1"/>
+          </p:cNvSpPr>
+          <p:nvPr>
+            <p:ph type="body" sz="quarter" idx="10"/>
+          </p:nvPr>
+        </p:nvSpPr>
+        <p:spPr>
+          <a:xfrm>
+            <a:off x="323528" y="153958"/>
+            <a:ext cx="6696744" cy="576064"/>
+          </a:xfrm>
+        </p:spPr>
+        <p:txBody>
+          <a:bodyPr/>
+          <a:lstStyle/>
+          <a:p>
+            <a:r>
+              <a:rPr lang="en-US" altLang="ko-KR" dirty="0" smtClean="0"/>
+              <a:t>DAO (</a:t>
+            </a:r>
+            <a:r>
+              <a:rPr lang="en-US" altLang="ko-KR" dirty="0" err="1" smtClean="0"/>
+              <a:t>RemoveWish</a:t>
+            </a:r>
+            <a:r>
+              <a:rPr lang="en-US" altLang="ko-KR" dirty="0" smtClean="0"/>
+              <a:t>)	</a:t>
+            </a:r>
+            <a:endParaRPr lang="ko-KR" altLang="en-US" dirty="0"/>
+          </a:p>
+        </p:txBody>
+      </p:sp>
+      <p:sp>
+        <p:nvSpPr>
+          <p:cNvPr id="5" name="직사각형 4"/>
+          <p:cNvSpPr/>
+          <p:nvPr/>
+        </p:nvSpPr>
+        <p:spPr>
+          <a:xfrm>
+            <a:off x="611560" y="4011910"/>
+            <a:ext cx="3975957" cy="784830"/>
+          </a:xfrm>
+          <a:prstGeom prst="rect">
+            <a:avLst/>
+          </a:prstGeom>
+          <a:noFill/>
+        </p:spPr>
+        <p:txBody>
+          <a:bodyPr wrap="square" lIns="91440" tIns="45720" rIns="91440" bIns="45720">
+            <a:spAutoFit/>
+          </a:bodyPr>
+          <a:lstStyle/>
+          <a:p>
+            <a:pPr algn="ctr"/>
+            <a:r>
+              <a:rPr lang="ko-KR" altLang="en-US" sz="1500" dirty="0" err="1" smtClean="0">
+                <a:ln w="0"/>
+                <a:solidFill>
+                  <a:schemeClr val="bg1"/>
+                </a:solidFill>
+                <a:effectLst>
+                  <a:outerShdw blurRad="38100" dist="19050" dir="2700000" algn="tl" rotWithShape="0">
+                    <a:schemeClr val="dk1">
+                      <a:alpha val="40000"/>
+                    </a:schemeClr>
+                  </a:outerShdw>
+                </a:effectLst>
+                <a:sym typeface="Wingdings" panose="05000000000000000000" pitchFamily="2" charset="2"/>
+              </a:rPr>
+              <a:t>찜목록에서</a:t>
+            </a:r>
+            <a:r>
+              <a:rPr lang="ko-KR" altLang="en-US" sz="1500" dirty="0" smtClean="0">
+                <a:ln w="0"/>
+                <a:solidFill>
+                  <a:schemeClr val="bg1"/>
+                </a:solidFill>
+                <a:effectLst>
+                  <a:outerShdw blurRad="38100" dist="19050" dir="2700000" algn="tl" rotWithShape="0">
+                    <a:schemeClr val="dk1">
+                      <a:alpha val="40000"/>
+                    </a:schemeClr>
+                  </a:outerShdw>
+                </a:effectLst>
+                <a:sym typeface="Wingdings" panose="05000000000000000000" pitchFamily="2" charset="2"/>
+              </a:rPr>
+              <a:t> 아이디와 상품의 이름이</a:t>
+            </a:r>
+            <a:endParaRPr lang="en-US" altLang="ko-KR" sz="1500" dirty="0" smtClean="0">
+              <a:ln w="0"/>
+              <a:solidFill>
+                <a:schemeClr val="bg1"/>
+              </a:solidFill>
+              <a:effectLst>
+                <a:outerShdw blurRad="38100" dist="19050" dir="2700000" algn="tl" rotWithShape="0">
+                  <a:schemeClr val="dk1">
+                    <a:alpha val="40000"/>
+                  </a:schemeClr>
+                </a:outerShdw>
+              </a:effectLst>
+              <a:sym typeface="Wingdings" panose="05000000000000000000" pitchFamily="2" charset="2"/>
+            </a:endParaRPr>
+          </a:p>
+          <a:p>
+            <a:pPr algn="ctr"/>
+            <a:r>
+              <a:rPr lang="ko-KR" altLang="en-US" sz="1500" dirty="0" smtClean="0">
+                <a:ln w="0"/>
+                <a:solidFill>
+                  <a:schemeClr val="bg1"/>
+                </a:solidFill>
+                <a:effectLst>
+                  <a:outerShdw blurRad="38100" dist="19050" dir="2700000" algn="tl" rotWithShape="0">
+                    <a:schemeClr val="dk1">
+                      <a:alpha val="40000"/>
+                    </a:schemeClr>
+                  </a:outerShdw>
+                </a:effectLst>
+                <a:sym typeface="Wingdings" panose="05000000000000000000" pitchFamily="2" charset="2"/>
+              </a:rPr>
+              <a:t>동일한 상품을 삭제 하는 코드</a:t>
+            </a:r>
+            <a:endParaRPr lang="en-US" altLang="ko-KR" sz="1500" dirty="0" smtClean="0">
+              <a:ln w="0"/>
+              <a:solidFill>
+                <a:schemeClr val="bg1"/>
+              </a:solidFill>
+              <a:effectLst>
+                <a:outerShdw blurRad="38100" dist="19050" dir="2700000" algn="tl" rotWithShape="0">
+                  <a:schemeClr val="dk1">
+                    <a:alpha val="40000"/>
+                  </a:schemeClr>
+                </a:outerShdw>
+              </a:effectLst>
+              <a:sym typeface="Wingdings" panose="05000000000000000000" pitchFamily="2" charset="2"/>
+            </a:endParaRPr>
+          </a:p>
+          <a:p>
+            <a:pPr algn="ctr"/>
+            <a:r>
+              <a:rPr lang="en-US" altLang="ko-KR" sz="1500" dirty="0" smtClean="0">
+                <a:ln w="0"/>
+                <a:solidFill>
+                  <a:schemeClr val="bg1"/>
+                </a:solidFill>
+                <a:effectLst>
+                  <a:outerShdw blurRad="38100" dist="19050" dir="2700000" algn="tl" rotWithShape="0">
+                    <a:schemeClr val="dk1">
+                      <a:alpha val="40000"/>
+                    </a:schemeClr>
+                  </a:outerShdw>
+                </a:effectLst>
+                <a:sym typeface="Wingdings" panose="05000000000000000000" pitchFamily="2" charset="2"/>
+              </a:rPr>
+              <a:t>(</a:t>
+            </a:r>
+            <a:r>
+              <a:rPr lang="ko-KR" altLang="en-US" sz="1500" dirty="0" smtClean="0">
+                <a:ln w="0"/>
+                <a:solidFill>
+                  <a:schemeClr val="bg1"/>
+                </a:solidFill>
+                <a:effectLst>
+                  <a:outerShdw blurRad="38100" dist="19050" dir="2700000" algn="tl" rotWithShape="0">
+                    <a:schemeClr val="dk1">
+                      <a:alpha val="40000"/>
+                    </a:schemeClr>
+                  </a:outerShdw>
+                </a:effectLst>
+                <a:sym typeface="Wingdings" panose="05000000000000000000" pitchFamily="2" charset="2"/>
+              </a:rPr>
+              <a:t>선택 삭제</a:t>
+            </a:r>
+            <a:r>
+              <a:rPr lang="en-US" altLang="ko-KR" sz="1500" dirty="0" smtClean="0">
+                <a:ln w="0"/>
+                <a:solidFill>
+                  <a:schemeClr val="bg1"/>
+                </a:solidFill>
+                <a:effectLst>
+                  <a:outerShdw blurRad="38100" dist="19050" dir="2700000" algn="tl" rotWithShape="0">
+                    <a:schemeClr val="dk1">
+                      <a:alpha val="40000"/>
+                    </a:schemeClr>
+                  </a:outerShdw>
+                </a:effectLst>
+                <a:sym typeface="Wingdings" panose="05000000000000000000" pitchFamily="2" charset="2"/>
+              </a:rPr>
+              <a:t>)</a:t>
+            </a:r>
+          </a:p>
+        </p:txBody>
+      </p:sp>
+    </p:spTree>
+    <p:extLst>
+      <p:ext uri="{BB962C8B-B14F-4D97-AF65-F5344CB8AC3E}">
+        <p14:creationId xmlns:p14="http://schemas.microsoft.com/office/powerpoint/2010/main" val="2798996336"/>
+      </p:ext>
+    </p:extLst>
+  </p:cSld>
+  <p:clrMapOvr>
+    <a:masterClrMapping/>
+  </p:clrMapOvr>
+</p:sld>
+</file>
+
+<file path=ppt/slides/slide34.xml><?xml version="1.0" encoding="utf-8"?>
+<p:sld xmlns:a="http://schemas.openxmlformats.org/drawingml/2006/main" xmlns:r="http://schemas.openxmlformats.org/officeDocument/2006/relationships" xmlns:p="http://schemas.openxmlformats.org/presentationml/2006/main">
+  <p:cSld>
+    <p:spTree>
+      <p:nvGrpSpPr>
+        <p:cNvPr id="1" name=""/>
+        <p:cNvGrpSpPr/>
+        <p:nvPr/>
+      </p:nvGrpSpPr>
+      <p:grpSpPr>
+        <a:xfrm>
+          <a:off x="0" y="0"/>
+          <a:ext cx="0" cy="0"/>
+          <a:chOff x="0" y="0"/>
+          <a:chExt cx="0" cy="0"/>
+        </a:xfrm>
+      </p:grpSpPr>
+      <p:pic>
+        <p:nvPicPr>
+          <p:cNvPr id="6" name="그림 5"/>
+          <p:cNvPicPr>
+            <a:picLocks noChangeAspect="1"/>
+          </p:cNvPicPr>
+          <p:nvPr/>
+        </p:nvPicPr>
+        <p:blipFill>
+          <a:blip r:embed="rId2"/>
+          <a:stretch>
+            <a:fillRect/>
+          </a:stretch>
+        </p:blipFill>
+        <p:spPr>
+          <a:xfrm>
+            <a:off x="395536" y="1131590"/>
+            <a:ext cx="5472608" cy="2804712"/>
+          </a:xfrm>
+          <a:prstGeom prst="rect">
+            <a:avLst/>
+          </a:prstGeom>
+        </p:spPr>
+      </p:pic>
+      <p:sp>
+        <p:nvSpPr>
+          <p:cNvPr id="2" name="텍스트 개체 틀 1"/>
+          <p:cNvSpPr>
+            <a:spLocks noGrp="1"/>
+          </p:cNvSpPr>
+          <p:nvPr>
+            <p:ph type="body" sz="quarter" idx="10"/>
+          </p:nvPr>
+        </p:nvSpPr>
+        <p:spPr>
+          <a:xfrm>
+            <a:off x="323528" y="153958"/>
+            <a:ext cx="6696744" cy="576064"/>
+          </a:xfrm>
+        </p:spPr>
+        <p:txBody>
+          <a:bodyPr/>
+          <a:lstStyle/>
+          <a:p>
+            <a:r>
+              <a:rPr lang="en-US" altLang="ko-KR" dirty="0" smtClean="0"/>
+              <a:t>DAO </a:t>
+            </a:r>
+            <a:r>
+              <a:rPr lang="en-US" altLang="ko-KR" dirty="0" smtClean="0"/>
+              <a:t>(</a:t>
+            </a:r>
+            <a:r>
+              <a:rPr lang="en-US" altLang="ko-KR" dirty="0" err="1" smtClean="0"/>
+              <a:t>DeleteWish</a:t>
+            </a:r>
+            <a:r>
+              <a:rPr lang="en-US" altLang="ko-KR" dirty="0" smtClean="0"/>
+              <a:t>)	</a:t>
+            </a:r>
+            <a:endParaRPr lang="ko-KR" altLang="en-US" dirty="0"/>
+          </a:p>
+        </p:txBody>
+      </p:sp>
+      <p:sp>
+        <p:nvSpPr>
+          <p:cNvPr id="5" name="직사각형 4"/>
+          <p:cNvSpPr/>
+          <p:nvPr/>
+        </p:nvSpPr>
+        <p:spPr>
+          <a:xfrm>
+            <a:off x="611560" y="4011910"/>
+            <a:ext cx="3975957" cy="323165"/>
+          </a:xfrm>
+          <a:prstGeom prst="rect">
+            <a:avLst/>
+          </a:prstGeom>
+          <a:noFill/>
+        </p:spPr>
+        <p:txBody>
+          <a:bodyPr wrap="square" lIns="91440" tIns="45720" rIns="91440" bIns="45720">
+            <a:spAutoFit/>
+          </a:bodyPr>
+          <a:lstStyle/>
+          <a:p>
+            <a:pPr algn="ctr"/>
+            <a:r>
+              <a:rPr lang="ko-KR" altLang="en-US" sz="1500" dirty="0" err="1" smtClean="0">
+                <a:ln w="0"/>
+                <a:solidFill>
+                  <a:schemeClr val="bg1"/>
+                </a:solidFill>
+                <a:effectLst>
+                  <a:outerShdw blurRad="38100" dist="19050" dir="2700000" algn="tl" rotWithShape="0">
+                    <a:schemeClr val="dk1">
+                      <a:alpha val="40000"/>
+                    </a:schemeClr>
+                  </a:outerShdw>
+                </a:effectLst>
+                <a:sym typeface="Wingdings" panose="05000000000000000000" pitchFamily="2" charset="2"/>
+              </a:rPr>
+              <a:t>찜한</a:t>
+            </a:r>
+            <a:r>
+              <a:rPr lang="ko-KR" altLang="en-US" sz="1500" dirty="0" smtClean="0">
+                <a:ln w="0"/>
+                <a:solidFill>
+                  <a:schemeClr val="bg1"/>
+                </a:solidFill>
+                <a:effectLst>
+                  <a:outerShdw blurRad="38100" dist="19050" dir="2700000" algn="tl" rotWithShape="0">
+                    <a:schemeClr val="dk1">
+                      <a:alpha val="40000"/>
+                    </a:schemeClr>
+                  </a:outerShdw>
+                </a:effectLst>
+                <a:sym typeface="Wingdings" panose="05000000000000000000" pitchFamily="2" charset="2"/>
+              </a:rPr>
+              <a:t> 아이디의 모든  상품을 삭제 하는 코드</a:t>
+            </a:r>
+            <a:endParaRPr lang="en-US" altLang="ko-KR" sz="1500" dirty="0" smtClean="0">
+              <a:ln w="0"/>
+              <a:solidFill>
+                <a:schemeClr val="bg1"/>
+              </a:solidFill>
+              <a:effectLst>
+                <a:outerShdw blurRad="38100" dist="19050" dir="2700000" algn="tl" rotWithShape="0">
+                  <a:schemeClr val="dk1">
+                    <a:alpha val="40000"/>
+                  </a:schemeClr>
+                </a:outerShdw>
+              </a:effectLst>
+              <a:sym typeface="Wingdings" panose="05000000000000000000" pitchFamily="2" charset="2"/>
+            </a:endParaRPr>
+          </a:p>
+        </p:txBody>
+      </p:sp>
+    </p:spTree>
+    <p:extLst>
+      <p:ext uri="{BB962C8B-B14F-4D97-AF65-F5344CB8AC3E}">
+        <p14:creationId xmlns:p14="http://schemas.microsoft.com/office/powerpoint/2010/main" val="1550861183"/>
+      </p:ext>
+    </p:extLst>
+  </p:cSld>
+  <p:clrMapOvr>
+    <a:masterClrMapping/>
+  </p:clrMapOvr>
+</p:sld>
+</file>
+
+<file path=ppt/slides/slide35.xml><?xml version="1.0" encoding="utf-8"?>
+<p:sld xmlns:a="http://schemas.openxmlformats.org/drawingml/2006/main" xmlns:r="http://schemas.openxmlformats.org/officeDocument/2006/relationships" xmlns:p="http://schemas.openxmlformats.org/presentationml/2006/main">
+  <p:cSld>
+    <p:spTree>
+      <p:nvGrpSpPr>
+        <p:cNvPr id="1" name=""/>
+        <p:cNvGrpSpPr/>
+        <p:nvPr/>
+      </p:nvGrpSpPr>
+      <p:grpSpPr>
+        <a:xfrm>
+          <a:off x="0" y="0"/>
+          <a:ext cx="0" cy="0"/>
+          <a:chOff x="0" y="0"/>
+          <a:chExt cx="0" cy="0"/>
+        </a:xfrm>
+      </p:grpSpPr>
+      <p:pic>
+        <p:nvPicPr>
+          <p:cNvPr id="6" name="그림 5"/>
+          <p:cNvPicPr>
+            <a:picLocks noChangeAspect="1"/>
+          </p:cNvPicPr>
+          <p:nvPr/>
+        </p:nvPicPr>
+        <p:blipFill>
+          <a:blip r:embed="rId2"/>
+          <a:stretch>
+            <a:fillRect/>
+          </a:stretch>
+        </p:blipFill>
+        <p:spPr>
+          <a:xfrm>
+            <a:off x="395536" y="1131590"/>
+            <a:ext cx="5472608" cy="2804712"/>
+          </a:xfrm>
+          <a:prstGeom prst="rect">
+            <a:avLst/>
+          </a:prstGeom>
+        </p:spPr>
+      </p:pic>
+      <p:sp>
+        <p:nvSpPr>
+          <p:cNvPr id="2" name="텍스트 개체 틀 1"/>
+          <p:cNvSpPr>
+            <a:spLocks noGrp="1"/>
+          </p:cNvSpPr>
+          <p:nvPr>
+            <p:ph type="body" sz="quarter" idx="10"/>
+          </p:nvPr>
+        </p:nvSpPr>
+        <p:spPr>
+          <a:xfrm>
+            <a:off x="323528" y="153958"/>
+            <a:ext cx="6696744" cy="576064"/>
+          </a:xfrm>
+        </p:spPr>
+        <p:txBody>
+          <a:bodyPr/>
+          <a:lstStyle/>
+          <a:p>
+            <a:r>
+              <a:rPr lang="en-US" altLang="ko-KR" dirty="0" smtClean="0"/>
+              <a:t>DAO </a:t>
+            </a:r>
+            <a:r>
+              <a:rPr lang="en-US" altLang="ko-KR" dirty="0" smtClean="0"/>
+              <a:t>(</a:t>
+            </a:r>
+            <a:r>
+              <a:rPr lang="en-US" altLang="ko-KR" dirty="0" err="1" smtClean="0"/>
+              <a:t>DeleteWish</a:t>
+            </a:r>
+            <a:r>
+              <a:rPr lang="en-US" altLang="ko-KR" dirty="0" smtClean="0"/>
+              <a:t>)	</a:t>
+            </a:r>
+            <a:endParaRPr lang="ko-KR" altLang="en-US" dirty="0"/>
+          </a:p>
+        </p:txBody>
+      </p:sp>
+      <p:sp>
+        <p:nvSpPr>
+          <p:cNvPr id="5" name="직사각형 4"/>
+          <p:cNvSpPr/>
+          <p:nvPr/>
+        </p:nvSpPr>
+        <p:spPr>
+          <a:xfrm>
+            <a:off x="611560" y="4011910"/>
+            <a:ext cx="3975957" cy="323165"/>
+          </a:xfrm>
+          <a:prstGeom prst="rect">
+            <a:avLst/>
+          </a:prstGeom>
+          <a:noFill/>
+        </p:spPr>
+        <p:txBody>
+          <a:bodyPr wrap="square" lIns="91440" tIns="45720" rIns="91440" bIns="45720">
+            <a:spAutoFit/>
+          </a:bodyPr>
+          <a:lstStyle/>
+          <a:p>
+            <a:pPr algn="ctr"/>
+            <a:r>
+              <a:rPr lang="ko-KR" altLang="en-US" sz="1500" dirty="0" err="1" smtClean="0">
+                <a:ln w="0"/>
+                <a:solidFill>
+                  <a:schemeClr val="bg1"/>
+                </a:solidFill>
+                <a:effectLst>
+                  <a:outerShdw blurRad="38100" dist="19050" dir="2700000" algn="tl" rotWithShape="0">
+                    <a:schemeClr val="dk1">
+                      <a:alpha val="40000"/>
+                    </a:schemeClr>
+                  </a:outerShdw>
+                </a:effectLst>
+                <a:sym typeface="Wingdings" panose="05000000000000000000" pitchFamily="2" charset="2"/>
+              </a:rPr>
+              <a:t>찜한</a:t>
+            </a:r>
+            <a:r>
+              <a:rPr lang="ko-KR" altLang="en-US" sz="1500" dirty="0" smtClean="0">
+                <a:ln w="0"/>
+                <a:solidFill>
+                  <a:schemeClr val="bg1"/>
+                </a:solidFill>
+                <a:effectLst>
+                  <a:outerShdw blurRad="38100" dist="19050" dir="2700000" algn="tl" rotWithShape="0">
+                    <a:schemeClr val="dk1">
+                      <a:alpha val="40000"/>
+                    </a:schemeClr>
+                  </a:outerShdw>
+                </a:effectLst>
+                <a:sym typeface="Wingdings" panose="05000000000000000000" pitchFamily="2" charset="2"/>
+              </a:rPr>
+              <a:t> 아이디의 모든  상품을 삭제 하는 코드</a:t>
+            </a:r>
+            <a:endParaRPr lang="en-US" altLang="ko-KR" sz="1500" dirty="0" smtClean="0">
+              <a:ln w="0"/>
+              <a:solidFill>
+                <a:schemeClr val="bg1"/>
+              </a:solidFill>
+              <a:effectLst>
+                <a:outerShdw blurRad="38100" dist="19050" dir="2700000" algn="tl" rotWithShape="0">
+                  <a:schemeClr val="dk1">
+                    <a:alpha val="40000"/>
+                  </a:schemeClr>
+                </a:outerShdw>
+              </a:effectLst>
+              <a:sym typeface="Wingdings" panose="05000000000000000000" pitchFamily="2" charset="2"/>
+            </a:endParaRPr>
+          </a:p>
+        </p:txBody>
+      </p:sp>
+    </p:spTree>
+    <p:extLst>
+      <p:ext uri="{BB962C8B-B14F-4D97-AF65-F5344CB8AC3E}">
+        <p14:creationId xmlns:p14="http://schemas.microsoft.com/office/powerpoint/2010/main" val="1323622066"/>
+      </p:ext>
+    </p:extLst>
+  </p:cSld>
+  <p:clrMapOvr>
+    <a:masterClrMapping/>
+  </p:clrMapOvr>
+</p:sld>
+</file>
+
+<file path=ppt/slides/slide36.xml><?xml version="1.0" encoding="utf-8"?>
+<p:sld xmlns:a="http://schemas.openxmlformats.org/drawingml/2006/main" xmlns:r="http://schemas.openxmlformats.org/officeDocument/2006/relationships" xmlns:p="http://schemas.openxmlformats.org/presentationml/2006/main">
+  <p:cSld>
+    <p:spTree>
+      <p:nvGrpSpPr>
+        <p:cNvPr id="1" name=""/>
+        <p:cNvGrpSpPr/>
+        <p:nvPr/>
+      </p:nvGrpSpPr>
+      <p:grpSpPr>
+        <a:xfrm>
+          <a:off x="0" y="0"/>
+          <a:ext cx="0" cy="0"/>
+          <a:chOff x="0" y="0"/>
+          <a:chExt cx="0" cy="0"/>
+        </a:xfrm>
+      </p:grpSpPr>
+      <p:pic>
+        <p:nvPicPr>
+          <p:cNvPr id="4" name="그림 3"/>
+          <p:cNvPicPr>
+            <a:picLocks noChangeAspect="1"/>
+          </p:cNvPicPr>
+          <p:nvPr/>
+        </p:nvPicPr>
+        <p:blipFill>
+          <a:blip r:embed="rId2"/>
+          <a:stretch>
+            <a:fillRect/>
+          </a:stretch>
+        </p:blipFill>
+        <p:spPr>
+          <a:xfrm>
+            <a:off x="323528" y="1059582"/>
+            <a:ext cx="4590854" cy="3742959"/>
+          </a:xfrm>
+          <a:prstGeom prst="rect">
+            <a:avLst/>
+          </a:prstGeom>
+        </p:spPr>
+      </p:pic>
+      <p:sp>
+        <p:nvSpPr>
+          <p:cNvPr id="2" name="텍스트 개체 틀 1"/>
+          <p:cNvSpPr>
+            <a:spLocks noGrp="1"/>
+          </p:cNvSpPr>
+          <p:nvPr>
+            <p:ph type="body" sz="quarter" idx="10"/>
+          </p:nvPr>
+        </p:nvSpPr>
+        <p:spPr>
+          <a:xfrm>
+            <a:off x="323528" y="153958"/>
+            <a:ext cx="6696744" cy="576064"/>
+          </a:xfrm>
+        </p:spPr>
+        <p:txBody>
+          <a:bodyPr/>
+          <a:lstStyle/>
+          <a:p>
+            <a:r>
+              <a:rPr lang="en-US" altLang="ko-KR" dirty="0" smtClean="0"/>
+              <a:t>DAO </a:t>
+            </a:r>
+            <a:r>
+              <a:rPr lang="en-US" altLang="ko-KR" dirty="0" smtClean="0"/>
+              <a:t>(</a:t>
+            </a:r>
+            <a:r>
+              <a:rPr lang="en-US" altLang="ko-KR" dirty="0" err="1" smtClean="0"/>
+              <a:t>insertDrama</a:t>
+            </a:r>
+            <a:r>
+              <a:rPr lang="en-US" altLang="ko-KR" dirty="0" smtClean="0"/>
+              <a:t>) - </a:t>
+            </a:r>
+            <a:r>
+              <a:rPr lang="en-US" altLang="ko-KR" dirty="0" err="1" smtClean="0"/>
+              <a:t>rvdrama</a:t>
+            </a:r>
+            <a:r>
+              <a:rPr lang="en-US" altLang="ko-KR" dirty="0" smtClean="0"/>
+              <a:t>	</a:t>
+            </a:r>
+            <a:endParaRPr lang="ko-KR" altLang="en-US" dirty="0"/>
+          </a:p>
+        </p:txBody>
+      </p:sp>
+      <p:sp>
+        <p:nvSpPr>
+          <p:cNvPr id="5" name="직사각형 4"/>
+          <p:cNvSpPr/>
+          <p:nvPr/>
+        </p:nvSpPr>
+        <p:spPr>
+          <a:xfrm>
+            <a:off x="4914382" y="1707654"/>
+            <a:ext cx="3975957" cy="553998"/>
+          </a:xfrm>
+          <a:prstGeom prst="rect">
+            <a:avLst/>
+          </a:prstGeom>
+          <a:noFill/>
+        </p:spPr>
+        <p:txBody>
+          <a:bodyPr wrap="square" lIns="91440" tIns="45720" rIns="91440" bIns="45720">
+            <a:spAutoFit/>
+          </a:bodyPr>
+          <a:lstStyle/>
+          <a:p>
+            <a:pPr algn="ctr"/>
+            <a:r>
+              <a:rPr lang="ko-KR" altLang="en-US" sz="1500" dirty="0" smtClean="0">
+                <a:ln w="0"/>
+                <a:solidFill>
+                  <a:schemeClr val="bg1"/>
+                </a:solidFill>
+                <a:effectLst>
+                  <a:outerShdw blurRad="38100" dist="19050" dir="2700000" algn="tl" rotWithShape="0">
+                    <a:schemeClr val="dk1">
+                      <a:alpha val="40000"/>
+                    </a:schemeClr>
+                  </a:outerShdw>
+                </a:effectLst>
+                <a:sym typeface="Wingdings" panose="05000000000000000000" pitchFamily="2" charset="2"/>
+              </a:rPr>
+              <a:t>드라마의 리뷰를 폼에서 받아서</a:t>
+            </a:r>
+            <a:endParaRPr lang="en-US" altLang="ko-KR" sz="1500" dirty="0" smtClean="0">
+              <a:ln w="0"/>
+              <a:solidFill>
+                <a:schemeClr val="bg1"/>
+              </a:solidFill>
+              <a:effectLst>
+                <a:outerShdw blurRad="38100" dist="19050" dir="2700000" algn="tl" rotWithShape="0">
+                  <a:schemeClr val="dk1">
+                    <a:alpha val="40000"/>
+                  </a:schemeClr>
+                </a:outerShdw>
+              </a:effectLst>
+              <a:sym typeface="Wingdings" panose="05000000000000000000" pitchFamily="2" charset="2"/>
+            </a:endParaRPr>
+          </a:p>
+          <a:p>
+            <a:pPr algn="ctr"/>
+            <a:r>
+              <a:rPr lang="ko-KR" altLang="en-US" sz="1500" dirty="0" smtClean="0">
+                <a:ln w="0"/>
+                <a:solidFill>
+                  <a:schemeClr val="bg1"/>
+                </a:solidFill>
+                <a:effectLst>
+                  <a:outerShdw blurRad="38100" dist="19050" dir="2700000" algn="tl" rotWithShape="0">
+                    <a:schemeClr val="dk1">
+                      <a:alpha val="40000"/>
+                    </a:schemeClr>
+                  </a:outerShdw>
+                </a:effectLst>
+                <a:sym typeface="Wingdings" panose="05000000000000000000" pitchFamily="2" charset="2"/>
+              </a:rPr>
+              <a:t>데이터베이스에 저장하는</a:t>
+            </a:r>
+            <a:r>
+              <a:rPr lang="en-US" altLang="ko-KR" sz="1500" dirty="0">
+                <a:ln w="0"/>
+                <a:solidFill>
+                  <a:schemeClr val="bg1"/>
+                </a:solidFill>
+                <a:effectLst>
+                  <a:outerShdw blurRad="38100" dist="19050" dir="2700000" algn="tl" rotWithShape="0">
+                    <a:schemeClr val="dk1">
+                      <a:alpha val="40000"/>
+                    </a:schemeClr>
+                  </a:outerShdw>
+                </a:effectLst>
+                <a:sym typeface="Wingdings" panose="05000000000000000000" pitchFamily="2" charset="2"/>
+              </a:rPr>
+              <a:t> </a:t>
+            </a:r>
+            <a:r>
+              <a:rPr lang="ko-KR" altLang="en-US" sz="1500" dirty="0" smtClean="0">
+                <a:ln w="0"/>
+                <a:solidFill>
+                  <a:schemeClr val="bg1"/>
+                </a:solidFill>
+                <a:effectLst>
+                  <a:outerShdw blurRad="38100" dist="19050" dir="2700000" algn="tl" rotWithShape="0">
+                    <a:schemeClr val="dk1">
+                      <a:alpha val="40000"/>
+                    </a:schemeClr>
+                  </a:outerShdw>
+                </a:effectLst>
+                <a:sym typeface="Wingdings" panose="05000000000000000000" pitchFamily="2" charset="2"/>
+              </a:rPr>
+              <a:t>코드</a:t>
+            </a:r>
+            <a:endParaRPr lang="en-US" altLang="ko-KR" sz="1500" dirty="0" smtClean="0">
+              <a:ln w="0"/>
+              <a:solidFill>
+                <a:schemeClr val="bg1"/>
+              </a:solidFill>
+              <a:effectLst>
+                <a:outerShdw blurRad="38100" dist="19050" dir="2700000" algn="tl" rotWithShape="0">
+                  <a:schemeClr val="dk1">
+                    <a:alpha val="40000"/>
+                  </a:schemeClr>
+                </a:outerShdw>
+              </a:effectLst>
+              <a:sym typeface="Wingdings" panose="05000000000000000000" pitchFamily="2" charset="2"/>
+            </a:endParaRPr>
+          </a:p>
+        </p:txBody>
+      </p:sp>
+    </p:spTree>
+    <p:extLst>
+      <p:ext uri="{BB962C8B-B14F-4D97-AF65-F5344CB8AC3E}">
+        <p14:creationId xmlns:p14="http://schemas.microsoft.com/office/powerpoint/2010/main" val="677025126"/>
+      </p:ext>
+    </p:extLst>
+  </p:cSld>
+  <p:clrMapOvr>
+    <a:masterClrMapping/>
+  </p:clrMapOvr>
+</p:sld>
+</file>
+
+<file path=ppt/slides/slide37.xml><?xml version="1.0" encoding="utf-8"?>
+<p:sld xmlns:a="http://schemas.openxmlformats.org/drawingml/2006/main" xmlns:r="http://schemas.openxmlformats.org/officeDocument/2006/relationships" xmlns:p="http://schemas.openxmlformats.org/presentationml/2006/main">
+  <p:cSld>
+    <p:spTree>
+      <p:nvGrpSpPr>
+        <p:cNvPr id="1" name=""/>
+        <p:cNvGrpSpPr/>
+        <p:nvPr/>
+      </p:nvGrpSpPr>
+      <p:grpSpPr>
+        <a:xfrm>
+          <a:off x="0" y="0"/>
+          <a:ext cx="0" cy="0"/>
+          <a:chOff x="0" y="0"/>
+          <a:chExt cx="0" cy="0"/>
+        </a:xfrm>
+      </p:grpSpPr>
+      <p:pic>
+        <p:nvPicPr>
+          <p:cNvPr id="3" name="그림 2"/>
+          <p:cNvPicPr>
+            <a:picLocks noChangeAspect="1"/>
+          </p:cNvPicPr>
+          <p:nvPr/>
+        </p:nvPicPr>
+        <p:blipFill>
+          <a:blip r:embed="rId2"/>
+          <a:stretch>
+            <a:fillRect/>
+          </a:stretch>
+        </p:blipFill>
+        <p:spPr>
+          <a:xfrm>
+            <a:off x="323528" y="1131590"/>
+            <a:ext cx="5022902" cy="3627187"/>
+          </a:xfrm>
+          <a:prstGeom prst="rect">
+            <a:avLst/>
+          </a:prstGeom>
+        </p:spPr>
+      </p:pic>
+      <p:sp>
+        <p:nvSpPr>
+          <p:cNvPr id="2" name="텍스트 개체 틀 1"/>
+          <p:cNvSpPr>
+            <a:spLocks noGrp="1"/>
+          </p:cNvSpPr>
+          <p:nvPr>
+            <p:ph type="body" sz="quarter" idx="10"/>
+          </p:nvPr>
+        </p:nvSpPr>
+        <p:spPr>
+          <a:xfrm>
+            <a:off x="323528" y="153958"/>
+            <a:ext cx="6696744" cy="576064"/>
+          </a:xfrm>
+        </p:spPr>
+        <p:txBody>
+          <a:bodyPr/>
+          <a:lstStyle/>
+          <a:p>
+            <a:r>
+              <a:rPr lang="en-US" altLang="ko-KR" dirty="0" smtClean="0"/>
+              <a:t>DAO </a:t>
+            </a:r>
+            <a:r>
+              <a:rPr lang="en-US" altLang="ko-KR" dirty="0" smtClean="0"/>
+              <a:t>(</a:t>
+            </a:r>
+            <a:r>
+              <a:rPr lang="en-US" altLang="ko-KR" dirty="0" err="1" smtClean="0"/>
+              <a:t>UpdateViewDrama</a:t>
+            </a:r>
+            <a:r>
+              <a:rPr lang="en-US" altLang="ko-KR" dirty="0" smtClean="0"/>
+              <a:t>) </a:t>
+            </a:r>
+            <a:r>
+              <a:rPr lang="en-US" altLang="ko-KR" dirty="0" smtClean="0"/>
+              <a:t>	</a:t>
+            </a:r>
+            <a:endParaRPr lang="ko-KR" altLang="en-US" dirty="0"/>
+          </a:p>
+        </p:txBody>
+      </p:sp>
+      <p:sp>
+        <p:nvSpPr>
+          <p:cNvPr id="5" name="직사각형 4"/>
+          <p:cNvSpPr/>
+          <p:nvPr/>
+        </p:nvSpPr>
+        <p:spPr>
+          <a:xfrm>
+            <a:off x="4914382" y="1707654"/>
+            <a:ext cx="3975957" cy="323165"/>
+          </a:xfrm>
+          <a:prstGeom prst="rect">
+            <a:avLst/>
+          </a:prstGeom>
+          <a:noFill/>
+        </p:spPr>
+        <p:txBody>
+          <a:bodyPr wrap="square" lIns="91440" tIns="45720" rIns="91440" bIns="45720">
+            <a:spAutoFit/>
+          </a:bodyPr>
+          <a:lstStyle/>
+          <a:p>
+            <a:pPr algn="ctr"/>
+            <a:r>
+              <a:rPr lang="ko-KR" altLang="en-US" sz="1500" dirty="0" smtClean="0">
+                <a:ln w="0"/>
+                <a:solidFill>
+                  <a:schemeClr val="bg1"/>
+                </a:solidFill>
+                <a:effectLst>
+                  <a:outerShdw blurRad="38100" dist="19050" dir="2700000" algn="tl" rotWithShape="0">
+                    <a:schemeClr val="dk1">
+                      <a:alpha val="40000"/>
+                    </a:schemeClr>
+                  </a:outerShdw>
+                </a:effectLst>
+                <a:sym typeface="Wingdings" panose="05000000000000000000" pitchFamily="2" charset="2"/>
+              </a:rPr>
+              <a:t>드라마의 리뷰를 수정하는 코드</a:t>
+            </a:r>
+            <a:endParaRPr lang="en-US" altLang="ko-KR" sz="1500" dirty="0" smtClean="0">
+              <a:ln w="0"/>
+              <a:solidFill>
+                <a:schemeClr val="bg1"/>
+              </a:solidFill>
+              <a:effectLst>
+                <a:outerShdw blurRad="38100" dist="19050" dir="2700000" algn="tl" rotWithShape="0">
+                  <a:schemeClr val="dk1">
+                    <a:alpha val="40000"/>
+                  </a:schemeClr>
+                </a:outerShdw>
+              </a:effectLst>
+              <a:sym typeface="Wingdings" panose="05000000000000000000" pitchFamily="2" charset="2"/>
+            </a:endParaRPr>
+          </a:p>
+        </p:txBody>
+      </p:sp>
+    </p:spTree>
+    <p:extLst>
+      <p:ext uri="{BB962C8B-B14F-4D97-AF65-F5344CB8AC3E}">
+        <p14:creationId xmlns:p14="http://schemas.microsoft.com/office/powerpoint/2010/main" val="1271779709"/>
+      </p:ext>
+    </p:extLst>
+  </p:cSld>
+  <p:clrMapOvr>
+    <a:masterClrMapping/>
+  </p:clrMapOvr>
+</p:sld>
+</file>
+
+<file path=ppt/slides/slide38.xml><?xml version="1.0" encoding="utf-8"?>
+<p:sld xmlns:a="http://schemas.openxmlformats.org/drawingml/2006/main" xmlns:r="http://schemas.openxmlformats.org/officeDocument/2006/relationships" xmlns:p="http://schemas.openxmlformats.org/presentationml/2006/main">
+  <p:cSld>
+    <p:spTree>
+      <p:nvGrpSpPr>
+        <p:cNvPr id="1" name=""/>
+        <p:cNvGrpSpPr/>
+        <p:nvPr/>
+      </p:nvGrpSpPr>
+      <p:grpSpPr>
+        <a:xfrm>
+          <a:off x="0" y="0"/>
+          <a:ext cx="0" cy="0"/>
+          <a:chOff x="0" y="0"/>
+          <a:chExt cx="0" cy="0"/>
+        </a:xfrm>
+      </p:grpSpPr>
+      <p:pic>
+        <p:nvPicPr>
+          <p:cNvPr id="4" name="그림 3"/>
+          <p:cNvPicPr>
+            <a:picLocks noChangeAspect="1"/>
+          </p:cNvPicPr>
+          <p:nvPr/>
+        </p:nvPicPr>
+        <p:blipFill>
+          <a:blip r:embed="rId2"/>
+          <a:stretch>
+            <a:fillRect/>
+          </a:stretch>
+        </p:blipFill>
+        <p:spPr>
+          <a:xfrm>
+            <a:off x="179512" y="1131589"/>
+            <a:ext cx="6552728" cy="2697381"/>
+          </a:xfrm>
+          <a:prstGeom prst="rect">
+            <a:avLst/>
+          </a:prstGeom>
+        </p:spPr>
+      </p:pic>
+      <p:sp>
+        <p:nvSpPr>
+          <p:cNvPr id="2" name="텍스트 개체 틀 1"/>
+          <p:cNvSpPr>
+            <a:spLocks noGrp="1"/>
+          </p:cNvSpPr>
+          <p:nvPr>
+            <p:ph type="body" sz="quarter" idx="10"/>
+          </p:nvPr>
+        </p:nvSpPr>
+        <p:spPr>
+          <a:xfrm>
+            <a:off x="323528" y="153958"/>
+            <a:ext cx="6696744" cy="576064"/>
+          </a:xfrm>
+        </p:spPr>
+        <p:txBody>
+          <a:bodyPr/>
+          <a:lstStyle/>
+          <a:p>
+            <a:r>
+              <a:rPr lang="en-US" altLang="ko-KR" dirty="0" smtClean="0"/>
+              <a:t>DAO </a:t>
+            </a:r>
+            <a:r>
+              <a:rPr lang="en-US" altLang="ko-KR" dirty="0" smtClean="0"/>
+              <a:t>(</a:t>
+            </a:r>
+            <a:r>
+              <a:rPr lang="en-US" altLang="ko-KR" dirty="0" err="1" smtClean="0"/>
+              <a:t>UpdateViewDrama</a:t>
+            </a:r>
+            <a:r>
+              <a:rPr lang="en-US" altLang="ko-KR" dirty="0" smtClean="0"/>
+              <a:t>) </a:t>
+            </a:r>
+            <a:r>
+              <a:rPr lang="en-US" altLang="ko-KR" dirty="0" smtClean="0"/>
+              <a:t>	</a:t>
+            </a:r>
+            <a:endParaRPr lang="ko-KR" altLang="en-US" dirty="0"/>
+          </a:p>
+        </p:txBody>
+      </p:sp>
+      <p:sp>
+        <p:nvSpPr>
+          <p:cNvPr id="5" name="직사각형 4"/>
+          <p:cNvSpPr/>
+          <p:nvPr/>
+        </p:nvSpPr>
+        <p:spPr>
+          <a:xfrm>
+            <a:off x="971600" y="4196710"/>
+            <a:ext cx="3975957" cy="323165"/>
+          </a:xfrm>
+          <a:prstGeom prst="rect">
+            <a:avLst/>
+          </a:prstGeom>
+          <a:noFill/>
+        </p:spPr>
+        <p:txBody>
+          <a:bodyPr wrap="square" lIns="91440" tIns="45720" rIns="91440" bIns="45720">
+            <a:spAutoFit/>
+          </a:bodyPr>
+          <a:lstStyle/>
+          <a:p>
+            <a:pPr algn="ctr"/>
+            <a:r>
+              <a:rPr lang="ko-KR" altLang="en-US" sz="1500" dirty="0" smtClean="0">
+                <a:ln w="0"/>
+                <a:solidFill>
+                  <a:schemeClr val="bg1"/>
+                </a:solidFill>
+                <a:effectLst>
+                  <a:outerShdw blurRad="38100" dist="19050" dir="2700000" algn="tl" rotWithShape="0">
+                    <a:schemeClr val="dk1">
+                      <a:alpha val="40000"/>
+                    </a:schemeClr>
+                  </a:outerShdw>
+                </a:effectLst>
+                <a:sym typeface="Wingdings" panose="05000000000000000000" pitchFamily="2" charset="2"/>
+              </a:rPr>
+              <a:t>드라마의 리뷰를 삭제하는 코드</a:t>
+            </a:r>
+            <a:endParaRPr lang="en-US" altLang="ko-KR" sz="1500" dirty="0" smtClean="0">
+              <a:ln w="0"/>
+              <a:solidFill>
+                <a:schemeClr val="bg1"/>
+              </a:solidFill>
+              <a:effectLst>
+                <a:outerShdw blurRad="38100" dist="19050" dir="2700000" algn="tl" rotWithShape="0">
+                  <a:schemeClr val="dk1">
+                    <a:alpha val="40000"/>
+                  </a:schemeClr>
+                </a:outerShdw>
+              </a:effectLst>
+              <a:sym typeface="Wingdings" panose="05000000000000000000" pitchFamily="2" charset="2"/>
+            </a:endParaRPr>
+          </a:p>
+        </p:txBody>
+      </p:sp>
+    </p:spTree>
+    <p:extLst>
+      <p:ext uri="{BB962C8B-B14F-4D97-AF65-F5344CB8AC3E}">
+        <p14:creationId xmlns:p14="http://schemas.microsoft.com/office/powerpoint/2010/main" val="160073986"/>
+      </p:ext>
+    </p:extLst>
+  </p:cSld>
+  <p:clrMapOvr>
+    <a:masterClrMapping/>
+  </p:clrMapOvr>
+</p:sld>
+</file>
+
+<file path=ppt/slides/slide39.xml><?xml version="1.0" encoding="utf-8"?>
+<p:sld xmlns:a="http://schemas.openxmlformats.org/drawingml/2006/main" xmlns:r="http://schemas.openxmlformats.org/officeDocument/2006/relationships" xmlns:p="http://schemas.openxmlformats.org/presentationml/2006/main">
+  <p:cSld>
+    <p:spTree>
+      <p:nvGrpSpPr>
+        <p:cNvPr id="1" name=""/>
+        <p:cNvGrpSpPr/>
+        <p:nvPr/>
+      </p:nvGrpSpPr>
+      <p:grpSpPr>
+        <a:xfrm>
+          <a:off x="0" y="0"/>
+          <a:ext cx="0" cy="0"/>
+          <a:chOff x="0" y="0"/>
+          <a:chExt cx="0" cy="0"/>
+        </a:xfrm>
+      </p:grpSpPr>
+      <p:pic>
+        <p:nvPicPr>
+          <p:cNvPr id="6" name="그림 5"/>
+          <p:cNvPicPr>
+            <a:picLocks noChangeAspect="1"/>
+          </p:cNvPicPr>
+          <p:nvPr/>
+        </p:nvPicPr>
+        <p:blipFill>
+          <a:blip r:embed="rId2"/>
+          <a:stretch>
+            <a:fillRect/>
+          </a:stretch>
+        </p:blipFill>
+        <p:spPr>
+          <a:xfrm>
+            <a:off x="323528" y="1059582"/>
+            <a:ext cx="5544616" cy="3116430"/>
+          </a:xfrm>
+          <a:prstGeom prst="rect">
+            <a:avLst/>
+          </a:prstGeom>
+        </p:spPr>
+      </p:pic>
+      <p:sp>
+        <p:nvSpPr>
+          <p:cNvPr id="2" name="텍스트 개체 틀 1"/>
+          <p:cNvSpPr>
+            <a:spLocks noGrp="1"/>
+          </p:cNvSpPr>
+          <p:nvPr>
+            <p:ph type="body" sz="quarter" idx="10"/>
+          </p:nvPr>
+        </p:nvSpPr>
+        <p:spPr>
+          <a:xfrm>
+            <a:off x="323528" y="153958"/>
+            <a:ext cx="6696744" cy="576064"/>
+          </a:xfrm>
+        </p:spPr>
+        <p:txBody>
+          <a:bodyPr/>
+          <a:lstStyle/>
+          <a:p>
+            <a:r>
+              <a:rPr lang="en-US" altLang="ko-KR" dirty="0" smtClean="0"/>
+              <a:t>DAO </a:t>
+            </a:r>
+            <a:r>
+              <a:rPr lang="en-US" altLang="ko-KR" dirty="0" smtClean="0"/>
+              <a:t>(</a:t>
+            </a:r>
+            <a:r>
+              <a:rPr lang="en-US" altLang="ko-KR" dirty="0" err="1" smtClean="0"/>
+              <a:t>reInsertReview</a:t>
+            </a:r>
+            <a:r>
+              <a:rPr lang="en-US" altLang="ko-KR" dirty="0" smtClean="0"/>
+              <a:t>) </a:t>
+            </a:r>
+            <a:r>
+              <a:rPr lang="en-US" altLang="ko-KR" dirty="0" smtClean="0"/>
+              <a:t>	</a:t>
+            </a:r>
+            <a:endParaRPr lang="ko-KR" altLang="en-US" dirty="0"/>
+          </a:p>
+        </p:txBody>
+      </p:sp>
+      <p:sp>
+        <p:nvSpPr>
+          <p:cNvPr id="5" name="직사각형 4"/>
+          <p:cNvSpPr/>
+          <p:nvPr/>
+        </p:nvSpPr>
+        <p:spPr>
+          <a:xfrm>
+            <a:off x="5508104" y="1275606"/>
+            <a:ext cx="3975957" cy="323165"/>
+          </a:xfrm>
+          <a:prstGeom prst="rect">
+            <a:avLst/>
+          </a:prstGeom>
+          <a:noFill/>
+        </p:spPr>
+        <p:txBody>
+          <a:bodyPr wrap="square" lIns="91440" tIns="45720" rIns="91440" bIns="45720">
+            <a:spAutoFit/>
+          </a:bodyPr>
+          <a:lstStyle/>
+          <a:p>
+            <a:pPr algn="ctr"/>
+            <a:r>
+              <a:rPr lang="ko-KR" altLang="en-US" sz="1500" dirty="0" smtClean="0">
+                <a:ln w="0"/>
+                <a:solidFill>
+                  <a:schemeClr val="bg1"/>
+                </a:solidFill>
+                <a:effectLst>
+                  <a:outerShdw blurRad="38100" dist="19050" dir="2700000" algn="tl" rotWithShape="0">
+                    <a:schemeClr val="dk1">
+                      <a:alpha val="40000"/>
+                    </a:schemeClr>
+                  </a:outerShdw>
+                </a:effectLst>
+                <a:sym typeface="Wingdings" panose="05000000000000000000" pitchFamily="2" charset="2"/>
+              </a:rPr>
+              <a:t>답글을 작성하기 위해 값을 계산</a:t>
+            </a:r>
+            <a:endParaRPr lang="en-US" altLang="ko-KR" sz="1500" dirty="0" smtClean="0">
+              <a:ln w="0"/>
+              <a:solidFill>
+                <a:schemeClr val="bg1"/>
+              </a:solidFill>
+              <a:effectLst>
+                <a:outerShdw blurRad="38100" dist="19050" dir="2700000" algn="tl" rotWithShape="0">
+                  <a:schemeClr val="dk1">
+                    <a:alpha val="40000"/>
+                  </a:schemeClr>
+                </a:outerShdw>
+              </a:effectLst>
+              <a:sym typeface="Wingdings" panose="05000000000000000000" pitchFamily="2" charset="2"/>
+            </a:endParaRPr>
+          </a:p>
+        </p:txBody>
+      </p:sp>
+    </p:spTree>
+    <p:extLst>
+      <p:ext uri="{BB962C8B-B14F-4D97-AF65-F5344CB8AC3E}">
+        <p14:creationId xmlns:p14="http://schemas.microsoft.com/office/powerpoint/2010/main" val="3712738407"/>
       </p:ext>
     </p:extLst>
   </p:cSld>
@@ -9955,20 +15680,7 @@
                   </a:outerShdw>
                 </a:effectLst>
               </a:rPr>
-              <a:t>연결하기 위한 </a:t>
-            </a:r>
-            <a:r>
-              <a:rPr lang="ko-KR" altLang="en-US" sz="2000" dirty="0" smtClean="0">
-                <a:ln w="0"/>
-                <a:effectLst>
-                  <a:outerShdw blurRad="38100" dist="19050" dir="2700000" algn="tl" rotWithShape="0">
-                    <a:schemeClr val="dk1">
-                      <a:alpha val="40000"/>
-                    </a:schemeClr>
-                  </a:outerShdw>
-                </a:effectLst>
-              </a:rPr>
-              <a:t>코드</a:t>
+              <a:t>연결하기 위한 코드</a:t>
             </a:r>
             <a:endParaRPr lang="en-US" altLang="ko-KR" sz="2000" dirty="0" smtClean="0">
               <a:ln w="0"/>
@@ -10039,6 +15751,471 @@
       </p:par>
     </p:tnLst>
   </p:timing>
+</p:sld>
+</file>
+
+<file path=ppt/slides/slide40.xml><?xml version="1.0" encoding="utf-8"?>
+<p:sld xmlns:a="http://schemas.openxmlformats.org/drawingml/2006/main" xmlns:r="http://schemas.openxmlformats.org/officeDocument/2006/relationships" xmlns:p="http://schemas.openxmlformats.org/presentationml/2006/main">
+  <p:cSld>
+    <p:spTree>
+      <p:nvGrpSpPr>
+        <p:cNvPr id="1" name=""/>
+        <p:cNvGrpSpPr/>
+        <p:nvPr/>
+      </p:nvGrpSpPr>
+      <p:grpSpPr>
+        <a:xfrm>
+          <a:off x="0" y="0"/>
+          <a:ext cx="0" cy="0"/>
+          <a:chOff x="0" y="0"/>
+          <a:chExt cx="0" cy="0"/>
+        </a:xfrm>
+      </p:grpSpPr>
+      <p:pic>
+        <p:nvPicPr>
+          <p:cNvPr id="3" name="그림 2"/>
+          <p:cNvPicPr>
+            <a:picLocks noChangeAspect="1"/>
+          </p:cNvPicPr>
+          <p:nvPr/>
+        </p:nvPicPr>
+        <p:blipFill>
+          <a:blip r:embed="rId3"/>
+          <a:stretch>
+            <a:fillRect/>
+          </a:stretch>
+        </p:blipFill>
+        <p:spPr>
+          <a:xfrm>
+            <a:off x="323528" y="1275606"/>
+            <a:ext cx="7979242" cy="2088232"/>
+          </a:xfrm>
+          <a:prstGeom prst="rect">
+            <a:avLst/>
+          </a:prstGeom>
+        </p:spPr>
+      </p:pic>
+      <p:sp>
+        <p:nvSpPr>
+          <p:cNvPr id="2" name="텍스트 개체 틀 1"/>
+          <p:cNvSpPr>
+            <a:spLocks noGrp="1"/>
+          </p:cNvSpPr>
+          <p:nvPr>
+            <p:ph type="body" sz="quarter" idx="10"/>
+          </p:nvPr>
+        </p:nvSpPr>
+        <p:spPr>
+          <a:xfrm>
+            <a:off x="323528" y="153958"/>
+            <a:ext cx="6696744" cy="576064"/>
+          </a:xfrm>
+        </p:spPr>
+        <p:txBody>
+          <a:bodyPr/>
+          <a:lstStyle/>
+          <a:p>
+            <a:r>
+              <a:rPr lang="en-US" altLang="ko-KR" dirty="0" smtClean="0"/>
+              <a:t>DAO </a:t>
+            </a:r>
+            <a:r>
+              <a:rPr lang="en-US" altLang="ko-KR" dirty="0" smtClean="0"/>
+              <a:t>(</a:t>
+            </a:r>
+            <a:r>
+              <a:rPr lang="en-US" altLang="ko-KR" dirty="0" err="1" smtClean="0"/>
+              <a:t>reInsertReview</a:t>
+            </a:r>
+            <a:r>
+              <a:rPr lang="en-US" altLang="ko-KR" dirty="0" smtClean="0"/>
+              <a:t>) </a:t>
+            </a:r>
+            <a:r>
+              <a:rPr lang="en-US" altLang="ko-KR" dirty="0" smtClean="0"/>
+              <a:t>	</a:t>
+            </a:r>
+            <a:endParaRPr lang="ko-KR" altLang="en-US" dirty="0"/>
+          </a:p>
+        </p:txBody>
+      </p:sp>
+      <p:sp>
+        <p:nvSpPr>
+          <p:cNvPr id="5" name="직사각형 4"/>
+          <p:cNvSpPr/>
+          <p:nvPr/>
+        </p:nvSpPr>
+        <p:spPr>
+          <a:xfrm>
+            <a:off x="755576" y="3747839"/>
+            <a:ext cx="3975957" cy="323165"/>
+          </a:xfrm>
+          <a:prstGeom prst="rect">
+            <a:avLst/>
+          </a:prstGeom>
+          <a:noFill/>
+        </p:spPr>
+        <p:txBody>
+          <a:bodyPr wrap="square" lIns="91440" tIns="45720" rIns="91440" bIns="45720">
+            <a:spAutoFit/>
+          </a:bodyPr>
+          <a:lstStyle/>
+          <a:p>
+            <a:pPr algn="ctr"/>
+            <a:r>
+              <a:rPr lang="ko-KR" altLang="en-US" sz="1500" dirty="0" smtClean="0">
+                <a:ln w="0"/>
+                <a:solidFill>
+                  <a:schemeClr val="bg1"/>
+                </a:solidFill>
+                <a:effectLst>
+                  <a:outerShdw blurRad="38100" dist="19050" dir="2700000" algn="tl" rotWithShape="0">
+                    <a:schemeClr val="dk1">
+                      <a:alpha val="40000"/>
+                    </a:schemeClr>
+                  </a:outerShdw>
+                </a:effectLst>
+                <a:sym typeface="Wingdings" panose="05000000000000000000" pitchFamily="2" charset="2"/>
+              </a:rPr>
+              <a:t>답글을 작성 할 경우 댓글을 하나 올림 </a:t>
+            </a:r>
+            <a:endParaRPr lang="en-US" altLang="ko-KR" sz="1500" dirty="0" smtClean="0">
+              <a:ln w="0"/>
+              <a:solidFill>
+                <a:schemeClr val="bg1"/>
+              </a:solidFill>
+              <a:effectLst>
+                <a:outerShdw blurRad="38100" dist="19050" dir="2700000" algn="tl" rotWithShape="0">
+                  <a:schemeClr val="dk1">
+                    <a:alpha val="40000"/>
+                  </a:schemeClr>
+                </a:outerShdw>
+              </a:effectLst>
+              <a:sym typeface="Wingdings" panose="05000000000000000000" pitchFamily="2" charset="2"/>
+            </a:endParaRPr>
+          </a:p>
+        </p:txBody>
+      </p:sp>
+    </p:spTree>
+    <p:extLst>
+      <p:ext uri="{BB962C8B-B14F-4D97-AF65-F5344CB8AC3E}">
+        <p14:creationId xmlns:p14="http://schemas.microsoft.com/office/powerpoint/2010/main" val="511648055"/>
+      </p:ext>
+    </p:extLst>
+  </p:cSld>
+  <p:clrMapOvr>
+    <a:masterClrMapping/>
+  </p:clrMapOvr>
+</p:sld>
+</file>
+
+<file path=ppt/slides/slide41.xml><?xml version="1.0" encoding="utf-8"?>
+<p:sld xmlns:a="http://schemas.openxmlformats.org/drawingml/2006/main" xmlns:r="http://schemas.openxmlformats.org/officeDocument/2006/relationships" xmlns:p="http://schemas.openxmlformats.org/presentationml/2006/main">
+  <p:cSld>
+    <p:spTree>
+      <p:nvGrpSpPr>
+        <p:cNvPr id="1" name=""/>
+        <p:cNvGrpSpPr/>
+        <p:nvPr/>
+      </p:nvGrpSpPr>
+      <p:grpSpPr>
+        <a:xfrm>
+          <a:off x="0" y="0"/>
+          <a:ext cx="0" cy="0"/>
+          <a:chOff x="0" y="0"/>
+          <a:chExt cx="0" cy="0"/>
+        </a:xfrm>
+      </p:grpSpPr>
+      <p:pic>
+        <p:nvPicPr>
+          <p:cNvPr id="4" name="그림 3"/>
+          <p:cNvPicPr>
+            <a:picLocks noChangeAspect="1"/>
+          </p:cNvPicPr>
+          <p:nvPr/>
+        </p:nvPicPr>
+        <p:blipFill>
+          <a:blip r:embed="rId3"/>
+          <a:stretch>
+            <a:fillRect/>
+          </a:stretch>
+        </p:blipFill>
+        <p:spPr>
+          <a:xfrm>
+            <a:off x="323528" y="1131590"/>
+            <a:ext cx="5832647" cy="2751135"/>
+          </a:xfrm>
+          <a:prstGeom prst="rect">
+            <a:avLst/>
+          </a:prstGeom>
+        </p:spPr>
+      </p:pic>
+      <p:sp>
+        <p:nvSpPr>
+          <p:cNvPr id="2" name="텍스트 개체 틀 1"/>
+          <p:cNvSpPr>
+            <a:spLocks noGrp="1"/>
+          </p:cNvSpPr>
+          <p:nvPr>
+            <p:ph type="body" sz="quarter" idx="10"/>
+          </p:nvPr>
+        </p:nvSpPr>
+        <p:spPr>
+          <a:xfrm>
+            <a:off x="323528" y="153958"/>
+            <a:ext cx="6696744" cy="576064"/>
+          </a:xfrm>
+        </p:spPr>
+        <p:txBody>
+          <a:bodyPr/>
+          <a:lstStyle/>
+          <a:p>
+            <a:r>
+              <a:rPr lang="en-US" altLang="ko-KR" dirty="0" smtClean="0"/>
+              <a:t>DAO </a:t>
+            </a:r>
+            <a:r>
+              <a:rPr lang="en-US" altLang="ko-KR" dirty="0" smtClean="0"/>
+              <a:t>(</a:t>
+            </a:r>
+            <a:r>
+              <a:rPr lang="en-US" altLang="ko-KR" dirty="0" err="1" smtClean="0"/>
+              <a:t>reInsertReview</a:t>
+            </a:r>
+            <a:r>
+              <a:rPr lang="en-US" altLang="ko-KR" dirty="0" smtClean="0"/>
+              <a:t>) </a:t>
+            </a:r>
+            <a:r>
+              <a:rPr lang="en-US" altLang="ko-KR" dirty="0" smtClean="0"/>
+              <a:t>	</a:t>
+            </a:r>
+            <a:endParaRPr lang="ko-KR" altLang="en-US" dirty="0"/>
+          </a:p>
+        </p:txBody>
+      </p:sp>
+      <p:sp>
+        <p:nvSpPr>
+          <p:cNvPr id="5" name="직사각형 4"/>
+          <p:cNvSpPr/>
+          <p:nvPr/>
+        </p:nvSpPr>
+        <p:spPr>
+          <a:xfrm>
+            <a:off x="683568" y="4083918"/>
+            <a:ext cx="3975957" cy="323165"/>
+          </a:xfrm>
+          <a:prstGeom prst="rect">
+            <a:avLst/>
+          </a:prstGeom>
+          <a:noFill/>
+        </p:spPr>
+        <p:txBody>
+          <a:bodyPr wrap="square" lIns="91440" tIns="45720" rIns="91440" bIns="45720">
+            <a:spAutoFit/>
+          </a:bodyPr>
+          <a:lstStyle/>
+          <a:p>
+            <a:pPr algn="ctr"/>
+            <a:r>
+              <a:rPr lang="ko-KR" altLang="en-US" sz="1500" dirty="0" smtClean="0">
+                <a:ln w="0"/>
+                <a:solidFill>
+                  <a:schemeClr val="bg1"/>
+                </a:solidFill>
+                <a:effectLst>
+                  <a:outerShdw blurRad="38100" dist="19050" dir="2700000" algn="tl" rotWithShape="0">
+                    <a:schemeClr val="dk1">
+                      <a:alpha val="40000"/>
+                    </a:schemeClr>
+                  </a:outerShdw>
+                </a:effectLst>
+                <a:sym typeface="Wingdings" panose="05000000000000000000" pitchFamily="2" charset="2"/>
+              </a:rPr>
+              <a:t>답글을 작성한 부분을 데이터베이스에 저장</a:t>
+            </a:r>
+            <a:endParaRPr lang="en-US" altLang="ko-KR" sz="1500" dirty="0" smtClean="0">
+              <a:ln w="0"/>
+              <a:solidFill>
+                <a:schemeClr val="bg1"/>
+              </a:solidFill>
+              <a:effectLst>
+                <a:outerShdw blurRad="38100" dist="19050" dir="2700000" algn="tl" rotWithShape="0">
+                  <a:schemeClr val="dk1">
+                    <a:alpha val="40000"/>
+                  </a:schemeClr>
+                </a:outerShdw>
+              </a:effectLst>
+              <a:sym typeface="Wingdings" panose="05000000000000000000" pitchFamily="2" charset="2"/>
+            </a:endParaRPr>
+          </a:p>
+        </p:txBody>
+      </p:sp>
+    </p:spTree>
+    <p:extLst>
+      <p:ext uri="{BB962C8B-B14F-4D97-AF65-F5344CB8AC3E}">
+        <p14:creationId xmlns:p14="http://schemas.microsoft.com/office/powerpoint/2010/main" val="722980852"/>
+      </p:ext>
+    </p:extLst>
+  </p:cSld>
+  <p:clrMapOvr>
+    <a:masterClrMapping/>
+  </p:clrMapOvr>
+</p:sld>
+</file>
+
+<file path=ppt/slides/slide42.xml><?xml version="1.0" encoding="utf-8"?>
+<p:sld xmlns:a="http://schemas.openxmlformats.org/drawingml/2006/main" xmlns:r="http://schemas.openxmlformats.org/officeDocument/2006/relationships" xmlns:p="http://schemas.openxmlformats.org/presentationml/2006/main">
+  <p:cSld>
+    <p:spTree>
+      <p:nvGrpSpPr>
+        <p:cNvPr id="1" name=""/>
+        <p:cNvGrpSpPr/>
+        <p:nvPr/>
+      </p:nvGrpSpPr>
+      <p:grpSpPr>
+        <a:xfrm>
+          <a:off x="0" y="0"/>
+          <a:ext cx="0" cy="0"/>
+          <a:chOff x="0" y="0"/>
+          <a:chExt cx="0" cy="0"/>
+        </a:xfrm>
+      </p:grpSpPr>
+      <p:pic>
+        <p:nvPicPr>
+          <p:cNvPr id="3" name="그림 2"/>
+          <p:cNvPicPr>
+            <a:picLocks noChangeAspect="1"/>
+          </p:cNvPicPr>
+          <p:nvPr/>
+        </p:nvPicPr>
+        <p:blipFill>
+          <a:blip r:embed="rId3"/>
+          <a:stretch>
+            <a:fillRect/>
+          </a:stretch>
+        </p:blipFill>
+        <p:spPr>
+          <a:xfrm>
+            <a:off x="323528" y="1067867"/>
+            <a:ext cx="4896544" cy="3538190"/>
+          </a:xfrm>
+          <a:prstGeom prst="rect">
+            <a:avLst/>
+          </a:prstGeom>
+        </p:spPr>
+      </p:pic>
+      <p:sp>
+        <p:nvSpPr>
+          <p:cNvPr id="2" name="텍스트 개체 틀 1"/>
+          <p:cNvSpPr>
+            <a:spLocks noGrp="1"/>
+          </p:cNvSpPr>
+          <p:nvPr>
+            <p:ph type="body" sz="quarter" idx="10"/>
+          </p:nvPr>
+        </p:nvSpPr>
+        <p:spPr>
+          <a:xfrm>
+            <a:off x="323528" y="153958"/>
+            <a:ext cx="6696744" cy="576064"/>
+          </a:xfrm>
+        </p:spPr>
+        <p:txBody>
+          <a:bodyPr/>
+          <a:lstStyle/>
+          <a:p>
+            <a:r>
+              <a:rPr lang="en-US" altLang="ko-KR" dirty="0" smtClean="0"/>
+              <a:t>DAO </a:t>
+            </a:r>
+            <a:r>
+              <a:rPr lang="en-US" altLang="ko-KR" dirty="0" smtClean="0"/>
+              <a:t>(</a:t>
+            </a:r>
+            <a:r>
+              <a:rPr lang="en-US" altLang="ko-KR" dirty="0" err="1" smtClean="0"/>
+              <a:t>reupdateViewDrama</a:t>
+            </a:r>
+            <a:r>
+              <a:rPr lang="en-US" altLang="ko-KR" dirty="0" smtClean="0"/>
+              <a:t>) </a:t>
+            </a:r>
+            <a:r>
+              <a:rPr lang="en-US" altLang="ko-KR" dirty="0" smtClean="0"/>
+              <a:t>	</a:t>
+            </a:r>
+            <a:endParaRPr lang="ko-KR" altLang="en-US" dirty="0"/>
+          </a:p>
+        </p:txBody>
+      </p:sp>
+      <p:sp>
+        <p:nvSpPr>
+          <p:cNvPr id="5" name="직사각형 4"/>
+          <p:cNvSpPr/>
+          <p:nvPr/>
+        </p:nvSpPr>
+        <p:spPr>
+          <a:xfrm>
+            <a:off x="4788024" y="1275606"/>
+            <a:ext cx="3975957" cy="323165"/>
+          </a:xfrm>
+          <a:prstGeom prst="rect">
+            <a:avLst/>
+          </a:prstGeom>
+          <a:noFill/>
+        </p:spPr>
+        <p:txBody>
+          <a:bodyPr wrap="square" lIns="91440" tIns="45720" rIns="91440" bIns="45720">
+            <a:spAutoFit/>
+          </a:bodyPr>
+          <a:lstStyle/>
+          <a:p>
+            <a:pPr algn="ctr"/>
+            <a:r>
+              <a:rPr lang="ko-KR" altLang="en-US" sz="1500" dirty="0" smtClean="0">
+                <a:ln w="0"/>
+                <a:solidFill>
+                  <a:schemeClr val="bg1"/>
+                </a:solidFill>
+                <a:effectLst>
+                  <a:outerShdw blurRad="38100" dist="19050" dir="2700000" algn="tl" rotWithShape="0">
+                    <a:schemeClr val="dk1">
+                      <a:alpha val="40000"/>
+                    </a:schemeClr>
+                  </a:outerShdw>
+                </a:effectLst>
+                <a:sym typeface="Wingdings" panose="05000000000000000000" pitchFamily="2" charset="2"/>
+              </a:rPr>
+              <a:t>리뷰에 대한 답글 수정 코드</a:t>
+            </a:r>
+            <a:endParaRPr lang="en-US" altLang="ko-KR" sz="1500" dirty="0" smtClean="0">
+              <a:ln w="0"/>
+              <a:solidFill>
+                <a:schemeClr val="bg1"/>
+              </a:solidFill>
+              <a:effectLst>
+                <a:outerShdw blurRad="38100" dist="19050" dir="2700000" algn="tl" rotWithShape="0">
+                  <a:schemeClr val="dk1">
+                    <a:alpha val="40000"/>
+                  </a:schemeClr>
+                </a:outerShdw>
+              </a:effectLst>
+              <a:sym typeface="Wingdings" panose="05000000000000000000" pitchFamily="2" charset="2"/>
+            </a:endParaRPr>
+          </a:p>
+        </p:txBody>
+      </p:sp>
+    </p:spTree>
+    <p:extLst>
+      <p:ext uri="{BB962C8B-B14F-4D97-AF65-F5344CB8AC3E}">
+        <p14:creationId xmlns:p14="http://schemas.microsoft.com/office/powerpoint/2010/main" val="2728496739"/>
+      </p:ext>
+    </p:extLst>
+  </p:cSld>
+  <p:clrMapOvr>
+    <a:masterClrMapping/>
+  </p:clrMapOvr>
 </p:sld>
 </file>
 
@@ -10221,33 +16398,7 @@
                   </a:outerShdw>
                 </a:effectLst>
               </a:rPr>
-              <a:t>자원 해제하기 </a:t>
-            </a:r>
-            <a:r>
-              <a:rPr lang="ko-KR" altLang="en-US" sz="2000" dirty="0" smtClean="0">
-                <a:ln w="0"/>
-                <a:effectLst>
-                  <a:outerShdw blurRad="38100" dist="19050" dir="2700000" algn="tl" rotWithShape="0">
-                    <a:schemeClr val="dk1">
-                      <a:alpha val="40000"/>
-                    </a:schemeClr>
-                  </a:outerShdw>
-                </a:effectLst>
-              </a:rPr>
-              <a:t>위한 </a:t>
-            </a:r>
-            <a:r>
-              <a:rPr lang="ko-KR" altLang="en-US" sz="2000" dirty="0" smtClean="0">
-                <a:ln w="0"/>
-                <a:effectLst>
-                  <a:outerShdw blurRad="38100" dist="19050" dir="2700000" algn="tl" rotWithShape="0">
-                    <a:schemeClr val="dk1">
-                      <a:alpha val="40000"/>
-                    </a:schemeClr>
-                  </a:outerShdw>
-                </a:effectLst>
-              </a:rPr>
-              <a:t>코드</a:t>
+              <a:t>자원 해제하기 위한 코드</a:t>
             </a:r>
             <a:endParaRPr lang="en-US" altLang="ko-KR" sz="2000" dirty="0" smtClean="0">
               <a:ln w="0"/>
@@ -10666,6 +16817,13 @@
   <p:clrMapOvr>
     <a:masterClrMapping/>
   </p:clrMapOvr>
+  <p:timing>
+    <p:tnLst>
+      <p:par>
+        <p:cTn id="1" dur="indefinite" restart="never" nodeType="tmRoot"/>
+      </p:par>
+    </p:tnLst>
+  </p:timing>
 </p:sld>
 </file>
 
@@ -10811,6 +16969,13 @@
   <p:clrMapOvr>
     <a:masterClrMapping/>
   </p:clrMapOvr>
+  <p:timing>
+    <p:tnLst>
+      <p:par>
+        <p:cTn id="1" dur="indefinite" restart="never" nodeType="tmRoot"/>
+      </p:par>
+    </p:tnLst>
+  </p:timing>
 </p:sld>
 </file>
 
@@ -10956,6 +17121,13 @@
   <p:clrMapOvr>
     <a:masterClrMapping/>
   </p:clrMapOvr>
+  <p:timing>
+    <p:tnLst>
+      <p:par>
+        <p:cTn id="1" dur="indefinite" restart="never" nodeType="tmRoot"/>
+      </p:par>
+    </p:tnLst>
+  </p:timing>
 </p:sld>
 </file>
 
